--- a/YuToRI_モデル.pptx
+++ b/YuToRI_モデル.pptx
@@ -9411,71 +9411,65 @@
             <a:endParaRPr lang="ja-JP" altLang="en-US" sz="1782" dirty="0"/>
           </a:p>
           <a:p>
-            <a:pPr marL="0" indent="0"/>
+            <a:pPr marL="285750" indent="-285750">
+              <a:buFont typeface="Wingdings" panose="05000000000000000000" pitchFamily="2" charset="2"/>
+              <a:buChar char="Ø"/>
+            </a:pPr>
             <a:r>
               <a:rPr lang="ja-JP" altLang="en-US" sz="1782" dirty="0">
                 <a:latin typeface="HG丸ｺﾞｼｯｸM-PRO" panose="020F0600000000000000" pitchFamily="50" charset="-128"/>
                 <a:ea typeface="HG丸ｺﾞｼｯｸM-PRO" panose="020F0600000000000000" pitchFamily="50" charset="-128"/>
               </a:rPr>
-              <a:t>ダミーテキストダミーテキストダミーテキストダミーテキスト</a:t>
-            </a:r>
+              <a:t>チーム紹介</a:t>
+            </a:r>
+            <a:endParaRPr lang="en-US" altLang="ja-JP" sz="1782" dirty="0">
+              <a:latin typeface="HG丸ｺﾞｼｯｸM-PRO" panose="020F0600000000000000" pitchFamily="50" charset="-128"/>
+              <a:ea typeface="HG丸ｺﾞｼｯｸM-PRO" panose="020F0600000000000000" pitchFamily="50" charset="-128"/>
+            </a:endParaRPr>
           </a:p>
           <a:p>
             <a:pPr marL="0" indent="0"/>
+            <a:endParaRPr lang="en-US" altLang="ja-JP" sz="1782" dirty="0">
+              <a:latin typeface="HG丸ｺﾞｼｯｸM-PRO" panose="020F0600000000000000" pitchFamily="50" charset="-128"/>
+              <a:ea typeface="HG丸ｺﾞｼｯｸM-PRO" panose="020F0600000000000000" pitchFamily="50" charset="-128"/>
+            </a:endParaRPr>
+          </a:p>
+          <a:p>
+            <a:pPr marL="285750" indent="-285750">
+              <a:buFont typeface="Wingdings" panose="05000000000000000000" pitchFamily="2" charset="2"/>
+              <a:buChar char="Ø"/>
+            </a:pPr>
             <a:r>
               <a:rPr lang="ja-JP" altLang="en-US" sz="1782" dirty="0">
                 <a:latin typeface="HG丸ｺﾞｼｯｸM-PRO" panose="020F0600000000000000" pitchFamily="50" charset="-128"/>
                 <a:ea typeface="HG丸ｺﾞｼｯｸM-PRO" panose="020F0600000000000000" pitchFamily="50" charset="-128"/>
               </a:rPr>
-              <a:t>ダミーテキストダミーテキスト</a:t>
-            </a:r>
+              <a:t>目標</a:t>
+            </a:r>
+            <a:endParaRPr lang="en-US" altLang="ja-JP" sz="1782" dirty="0">
+              <a:latin typeface="HG丸ｺﾞｼｯｸM-PRO" panose="020F0600000000000000" pitchFamily="50" charset="-128"/>
+              <a:ea typeface="HG丸ｺﾞｼｯｸM-PRO" panose="020F0600000000000000" pitchFamily="50" charset="-128"/>
+            </a:endParaRPr>
           </a:p>
           <a:p>
             <a:pPr marL="0" indent="0"/>
+            <a:endParaRPr lang="en-US" altLang="ja-JP" sz="1782" dirty="0">
+              <a:latin typeface="HG丸ｺﾞｼｯｸM-PRO" panose="020F0600000000000000" pitchFamily="50" charset="-128"/>
+              <a:ea typeface="HG丸ｺﾞｼｯｸM-PRO" panose="020F0600000000000000" pitchFamily="50" charset="-128"/>
+            </a:endParaRPr>
+          </a:p>
+          <a:p>
+            <a:pPr marL="285750" indent="-285750">
+              <a:buFont typeface="Wingdings" panose="05000000000000000000" pitchFamily="2" charset="2"/>
+              <a:buChar char="Ø"/>
+            </a:pPr>
             <a:r>
               <a:rPr lang="ja-JP" altLang="en-US" sz="1782" dirty="0">
                 <a:latin typeface="HG丸ｺﾞｼｯｸM-PRO" panose="020F0600000000000000" pitchFamily="50" charset="-128"/>
                 <a:ea typeface="HG丸ｺﾞｼｯｸM-PRO" panose="020F0600000000000000" pitchFamily="50" charset="-128"/>
               </a:rPr>
-              <a:t>ダミーテキスト</a:t>
-            </a:r>
-          </a:p>
-          <a:p>
-            <a:pPr marL="0" indent="0"/>
-            <a:r>
-              <a:rPr lang="ja-JP" altLang="en-US" sz="1782" dirty="0">
-                <a:latin typeface="HG丸ｺﾞｼｯｸM-PRO" panose="020F0600000000000000" pitchFamily="50" charset="-128"/>
-                <a:ea typeface="HG丸ｺﾞｼｯｸM-PRO" panose="020F0600000000000000" pitchFamily="50" charset="-128"/>
-              </a:rPr>
-              <a:t>ダミーテキスト</a:t>
-            </a:r>
-          </a:p>
-          <a:p>
-            <a:pPr marL="0" indent="0"/>
-            <a:r>
-              <a:rPr lang="ja-JP" altLang="en-US" sz="1782" dirty="0">
-                <a:latin typeface="HG丸ｺﾞｼｯｸM-PRO" panose="020F0600000000000000" pitchFamily="50" charset="-128"/>
-                <a:ea typeface="HG丸ｺﾞｼｯｸM-PRO" panose="020F0600000000000000" pitchFamily="50" charset="-128"/>
-              </a:rPr>
-              <a:t>ダミーテキスト</a:t>
-            </a:r>
-          </a:p>
-          <a:p>
-            <a:pPr marL="0" indent="0"/>
-            <a:r>
-              <a:rPr lang="ja-JP" altLang="en-US" sz="1782" dirty="0">
-                <a:latin typeface="HG丸ｺﾞｼｯｸM-PRO" panose="020F0600000000000000" pitchFamily="50" charset="-128"/>
-                <a:ea typeface="HG丸ｺﾞｼｯｸM-PRO" panose="020F0600000000000000" pitchFamily="50" charset="-128"/>
-              </a:rPr>
-              <a:t>ダミーテキスト</a:t>
-            </a:r>
-          </a:p>
-          <a:p>
-            <a:pPr marL="0" indent="0"/>
-            <a:endParaRPr lang="ja-JP" altLang="en-US" sz="2004" dirty="0">
-              <a:latin typeface="HG丸ｺﾞｼｯｸM-PRO" panose="020F0600000000000000" pitchFamily="50" charset="-128"/>
-              <a:ea typeface="HG丸ｺﾞｼｯｸM-PRO" panose="020F0600000000000000" pitchFamily="50" charset="-128"/>
-            </a:endParaRPr>
+              <a:t>意気込み</a:t>
+            </a:r>
           </a:p>
         </p:txBody>
       </p:sp>
@@ -9983,237 +9977,6 @@
               </a:solidFill>
               <a:latin typeface="MS PGothic" panose="020B0600070205080204" pitchFamily="34" charset="-128"/>
               <a:ea typeface="MS PGothic" panose="020B0600070205080204" pitchFamily="34" charset="-128"/>
-            </a:endParaRPr>
-          </a:p>
-        </p:txBody>
-      </p:sp>
-      <p:sp>
-        <p:nvSpPr>
-          <p:cNvPr id="25" name="吹き出し: 四角形 18">
-            <a:extLst>
-              <a:ext uri="{FF2B5EF4-FFF2-40B4-BE49-F238E27FC236}">
-                <a16:creationId xmlns:a16="http://schemas.microsoft.com/office/drawing/2014/main" id="{860A700B-3B49-D84D-BD61-E35FA1265806}"/>
-              </a:ext>
-            </a:extLst>
-          </p:cNvPr>
-          <p:cNvSpPr/>
-          <p:nvPr/>
-        </p:nvSpPr>
-        <p:spPr>
-          <a:xfrm>
-            <a:off x="11488861" y="1748285"/>
-            <a:ext cx="3415630" cy="882062"/>
-          </a:xfrm>
-          <a:prstGeom prst="wedgeRectCallout">
-            <a:avLst>
-              <a:gd name="adj1" fmla="val -36460"/>
-              <a:gd name="adj2" fmla="val -143484"/>
-            </a:avLst>
-          </a:prstGeom>
-          <a:solidFill>
-            <a:schemeClr val="accent4">
-              <a:lumMod val="20000"/>
-              <a:lumOff val="80000"/>
-            </a:schemeClr>
-          </a:solidFill>
-        </p:spPr>
-        <p:style>
-          <a:lnRef idx="2">
-            <a:schemeClr val="accent1">
-              <a:shade val="50000"/>
-            </a:schemeClr>
-          </a:lnRef>
-          <a:fillRef idx="1">
-            <a:schemeClr val="accent1"/>
-          </a:fillRef>
-          <a:effectRef idx="0">
-            <a:schemeClr val="accent1"/>
-          </a:effectRef>
-          <a:fontRef idx="minor">
-            <a:schemeClr val="lt1"/>
-          </a:fontRef>
-        </p:style>
-        <p:txBody>
-          <a:bodyPr rtlCol="0" anchor="ctr"/>
-          <a:lstStyle/>
-          <a:p>
-            <a:pPr eaLnBrk="1" hangingPunct="1"/>
-            <a:r>
-              <a:rPr lang="ja-JP" altLang="en-US" sz="2052" dirty="0">
-                <a:solidFill>
-                  <a:srgbClr val="0070C0"/>
-                </a:solidFill>
-              </a:rPr>
-              <a:t>注：公開されている地域、</a:t>
-            </a:r>
-          </a:p>
-          <a:p>
-            <a:pPr eaLnBrk="1" hangingPunct="1"/>
-            <a:r>
-              <a:rPr lang="ja-JP" altLang="en-US" sz="2052" dirty="0">
-                <a:solidFill>
-                  <a:srgbClr val="0070C0"/>
-                </a:solidFill>
-              </a:rPr>
-              <a:t>例）「東京都中央区」等</a:t>
-            </a:r>
-          </a:p>
-        </p:txBody>
-      </p:sp>
-      <p:sp>
-        <p:nvSpPr>
-          <p:cNvPr id="26" name="吹き出し: 四角形 19">
-            <a:extLst>
-              <a:ext uri="{FF2B5EF4-FFF2-40B4-BE49-F238E27FC236}">
-                <a16:creationId xmlns:a16="http://schemas.microsoft.com/office/drawing/2014/main" id="{CE82F9F5-7FA9-E04E-A5D5-99EAE35D2441}"/>
-              </a:ext>
-            </a:extLst>
-          </p:cNvPr>
-          <p:cNvSpPr/>
-          <p:nvPr/>
-        </p:nvSpPr>
-        <p:spPr>
-          <a:xfrm>
-            <a:off x="9136132" y="4418667"/>
-            <a:ext cx="4225767" cy="882062"/>
-          </a:xfrm>
-          <a:prstGeom prst="wedgeRectCallout">
-            <a:avLst>
-              <a:gd name="adj1" fmla="val -77262"/>
-              <a:gd name="adj2" fmla="val -349180"/>
-            </a:avLst>
-          </a:prstGeom>
-          <a:solidFill>
-            <a:schemeClr val="accent4">
-              <a:lumMod val="20000"/>
-              <a:lumOff val="80000"/>
-            </a:schemeClr>
-          </a:solidFill>
-        </p:spPr>
-        <p:style>
-          <a:lnRef idx="2">
-            <a:schemeClr val="accent1">
-              <a:shade val="50000"/>
-            </a:schemeClr>
-          </a:lnRef>
-          <a:fillRef idx="1">
-            <a:schemeClr val="accent1"/>
-          </a:fillRef>
-          <a:effectRef idx="0">
-            <a:schemeClr val="accent1"/>
-          </a:effectRef>
-          <a:fontRef idx="minor">
-            <a:schemeClr val="lt1"/>
-          </a:fontRef>
-        </p:style>
-        <p:txBody>
-          <a:bodyPr rtlCol="0" anchor="ctr"/>
-          <a:lstStyle/>
-          <a:p>
-            <a:pPr eaLnBrk="1" hangingPunct="1"/>
-            <a:r>
-              <a:rPr lang="ja-JP" altLang="en-US" sz="2052" dirty="0">
-                <a:solidFill>
-                  <a:srgbClr val="0070C0"/>
-                </a:solidFill>
-              </a:rPr>
-              <a:t>注：公開されている所属名を記載、個人参加の場合は”個人”を記載</a:t>
-            </a:r>
-          </a:p>
-        </p:txBody>
-      </p:sp>
-      <p:sp>
-        <p:nvSpPr>
-          <p:cNvPr id="32" name="吹き出し: 四角形 5">
-            <a:extLst>
-              <a:ext uri="{FF2B5EF4-FFF2-40B4-BE49-F238E27FC236}">
-                <a16:creationId xmlns:a16="http://schemas.microsoft.com/office/drawing/2014/main" id="{51E29BA3-25D0-904A-AC93-5E263699175A}"/>
-              </a:ext>
-            </a:extLst>
-          </p:cNvPr>
-          <p:cNvSpPr/>
-          <p:nvPr/>
-        </p:nvSpPr>
-        <p:spPr>
-          <a:xfrm>
-            <a:off x="10135740" y="2773909"/>
-            <a:ext cx="4768751" cy="1355498"/>
-          </a:xfrm>
-          <a:prstGeom prst="wedgeRectCallout">
-            <a:avLst>
-              <a:gd name="adj1" fmla="val -79381"/>
-              <a:gd name="adj2" fmla="val -193596"/>
-            </a:avLst>
-          </a:prstGeom>
-          <a:solidFill>
-            <a:schemeClr val="accent4">
-              <a:lumMod val="20000"/>
-              <a:lumOff val="80000"/>
-            </a:schemeClr>
-          </a:solidFill>
-        </p:spPr>
-        <p:style>
-          <a:lnRef idx="2">
-            <a:schemeClr val="accent1">
-              <a:shade val="50000"/>
-            </a:schemeClr>
-          </a:lnRef>
-          <a:fillRef idx="1">
-            <a:schemeClr val="accent1"/>
-          </a:fillRef>
-          <a:effectRef idx="0">
-            <a:schemeClr val="accent1"/>
-          </a:effectRef>
-          <a:fontRef idx="minor">
-            <a:schemeClr val="lt1"/>
-          </a:fontRef>
-        </p:style>
-        <p:txBody>
-          <a:bodyPr rtlCol="0" anchor="ctr"/>
-          <a:lstStyle/>
-          <a:p>
-            <a:pPr eaLnBrk="1" hangingPunct="1"/>
-            <a:r>
-              <a:rPr lang="ja-JP" altLang="en-US" sz="2052" dirty="0">
-                <a:solidFill>
-                  <a:srgbClr val="0070C0"/>
-                </a:solidFill>
-              </a:rPr>
-              <a:t>注：北海道、東北、北関東、東京、</a:t>
-            </a:r>
-            <a:br>
-              <a:rPr lang="ja-JP" altLang="en-US" sz="2052" dirty="0">
-                <a:solidFill>
-                  <a:srgbClr val="0070C0"/>
-                </a:solidFill>
-              </a:rPr>
-            </a:br>
-            <a:r>
-              <a:rPr lang="ja-JP" altLang="en-US" sz="2052" dirty="0">
-                <a:solidFill>
-                  <a:srgbClr val="0070C0"/>
-                </a:solidFill>
-              </a:rPr>
-              <a:t>南関東、東海、北陸、関西、中四国、</a:t>
-            </a:r>
-          </a:p>
-          <a:p>
-            <a:pPr eaLnBrk="1" hangingPunct="1"/>
-            <a:r>
-              <a:rPr lang="ja-JP" altLang="en-US" sz="2052" dirty="0">
-                <a:solidFill>
-                  <a:srgbClr val="0070C0"/>
-                </a:solidFill>
-              </a:rPr>
-              <a:t>九州北、九州南、沖縄のいずれか</a:t>
-            </a:r>
-          </a:p>
-          <a:p>
-            <a:pPr algn="ctr"/>
-            <a:endParaRPr lang="ja-JP" altLang="en-US" sz="2052" dirty="0">
-              <a:solidFill>
-                <a:srgbClr val="0070C0"/>
-              </a:solidFill>
             </a:endParaRPr>
           </a:p>
         </p:txBody>

--- a/YuToRI_モデル.pptx
+++ b/YuToRI_モデル.pptx
@@ -5,18 +5,17 @@
     <p:sldMasterId id="2147483665" r:id="rId1"/>
     <p:sldMasterId id="2147483653" r:id="rId2"/>
     <p:sldMasterId id="2147483667" r:id="rId3"/>
-    <p:sldMasterId id="2147483680" r:id="rId4"/>
   </p:sldMasterIdLst>
   <p:notesMasterIdLst>
-    <p:notesMasterId r:id="rId8"/>
+    <p:notesMasterId r:id="rId7"/>
   </p:notesMasterIdLst>
   <p:handoutMasterIdLst>
-    <p:handoutMasterId r:id="rId9"/>
+    <p:handoutMasterId r:id="rId8"/>
   </p:handoutMasterIdLst>
   <p:sldIdLst>
-    <p:sldId id="272" r:id="rId5"/>
-    <p:sldId id="260" r:id="rId6"/>
-    <p:sldId id="261" r:id="rId7"/>
+    <p:sldId id="272" r:id="rId4"/>
+    <p:sldId id="260" r:id="rId5"/>
+    <p:sldId id="261" r:id="rId6"/>
   </p:sldIdLst>
   <p:sldSz cx="15119350" cy="10691813"/>
   <p:notesSz cx="14597063" cy="21107400"/>
@@ -1245,6 +1244,437 @@
 </file>
 
 <file path=ppt/slideLayouts/slideLayout10.xml><?xml version="1.0" encoding="utf-8"?>
+<p:sldLayout xmlns:a="http://schemas.openxmlformats.org/drawingml/2006/main" xmlns:r="http://schemas.openxmlformats.org/officeDocument/2006/relationships" xmlns:p="http://schemas.openxmlformats.org/presentationml/2006/main" type="twoTxTwoObj" preserve="1">
+  <p:cSld name="比較">
+    <p:spTree>
+      <p:nvGrpSpPr>
+        <p:cNvPr id="1" name=""/>
+        <p:cNvGrpSpPr/>
+        <p:nvPr/>
+      </p:nvGrpSpPr>
+      <p:grpSpPr>
+        <a:xfrm>
+          <a:off x="0" y="0"/>
+          <a:ext cx="0" cy="0"/>
+          <a:chOff x="0" y="0"/>
+          <a:chExt cx="0" cy="0"/>
+        </a:xfrm>
+      </p:grpSpPr>
+      <p:sp>
+        <p:nvSpPr>
+          <p:cNvPr id="2" name="Title 1"/>
+          <p:cNvSpPr>
+            <a:spLocks noGrp="1"/>
+          </p:cNvSpPr>
+          <p:nvPr>
+            <p:ph type="title"/>
+          </p:nvPr>
+        </p:nvSpPr>
+        <p:spPr>
+          <a:xfrm>
+            <a:off x="1041425" y="569242"/>
+            <a:ext cx="13040439" cy="2066590"/>
+          </a:xfrm>
+        </p:spPr>
+        <p:txBody>
+          <a:bodyPr/>
+          <a:lstStyle/>
+          <a:p>
+            <a:r>
+              <a:rPr lang="ja-JP" altLang="en-US"/>
+              <a:t>マスター タイトルの書式設定</a:t>
+            </a:r>
+            <a:endParaRPr lang="en-US" dirty="0"/>
+          </a:p>
+        </p:txBody>
+      </p:sp>
+      <p:sp>
+        <p:nvSpPr>
+          <p:cNvPr id="3" name="Text Placeholder 2"/>
+          <p:cNvSpPr>
+            <a:spLocks noGrp="1"/>
+          </p:cNvSpPr>
+          <p:nvPr>
+            <p:ph type="body" idx="1"/>
+          </p:nvPr>
+        </p:nvSpPr>
+        <p:spPr>
+          <a:xfrm>
+            <a:off x="1041426" y="2620980"/>
+            <a:ext cx="6396193" cy="1284502"/>
+          </a:xfrm>
+        </p:spPr>
+        <p:txBody>
+          <a:bodyPr anchor="b"/>
+          <a:lstStyle>
+            <a:lvl1pPr marL="0" indent="0">
+              <a:buNone/>
+              <a:defRPr sz="3742" b="1"/>
+            </a:lvl1pPr>
+            <a:lvl2pPr marL="712775" indent="0">
+              <a:buNone/>
+              <a:defRPr sz="3118" b="1"/>
+            </a:lvl2pPr>
+            <a:lvl3pPr marL="1425550" indent="0">
+              <a:buNone/>
+              <a:defRPr sz="2806" b="1"/>
+            </a:lvl3pPr>
+            <a:lvl4pPr marL="2138324" indent="0">
+              <a:buNone/>
+              <a:defRPr sz="2494" b="1"/>
+            </a:lvl4pPr>
+            <a:lvl5pPr marL="2851099" indent="0">
+              <a:buNone/>
+              <a:defRPr sz="2494" b="1"/>
+            </a:lvl5pPr>
+            <a:lvl6pPr marL="3563874" indent="0">
+              <a:buNone/>
+              <a:defRPr sz="2494" b="1"/>
+            </a:lvl6pPr>
+            <a:lvl7pPr marL="4276649" indent="0">
+              <a:buNone/>
+              <a:defRPr sz="2494" b="1"/>
+            </a:lvl7pPr>
+            <a:lvl8pPr marL="4989424" indent="0">
+              <a:buNone/>
+              <a:defRPr sz="2494" b="1"/>
+            </a:lvl8pPr>
+            <a:lvl9pPr marL="5702198" indent="0">
+              <a:buNone/>
+              <a:defRPr sz="2494" b="1"/>
+            </a:lvl9pPr>
+          </a:lstStyle>
+          <a:p>
+            <a:pPr lvl="0"/>
+            <a:r>
+              <a:rPr lang="ja-JP" altLang="en-US"/>
+              <a:t>マスター テキストの書式設定</a:t>
+            </a:r>
+          </a:p>
+        </p:txBody>
+      </p:sp>
+      <p:sp>
+        <p:nvSpPr>
+          <p:cNvPr id="4" name="Content Placeholder 3"/>
+          <p:cNvSpPr>
+            <a:spLocks noGrp="1"/>
+          </p:cNvSpPr>
+          <p:nvPr>
+            <p:ph sz="half" idx="2"/>
+          </p:nvPr>
+        </p:nvSpPr>
+        <p:spPr>
+          <a:xfrm>
+            <a:off x="1041426" y="3905482"/>
+            <a:ext cx="6396193" cy="5744375"/>
+          </a:xfrm>
+        </p:spPr>
+        <p:txBody>
+          <a:bodyPr/>
+          <a:lstStyle/>
+          <a:p>
+            <a:pPr lvl="0"/>
+            <a:r>
+              <a:rPr lang="ja-JP" altLang="en-US"/>
+              <a:t>マスター テキストの書式設定</a:t>
+            </a:r>
+          </a:p>
+          <a:p>
+            <a:pPr lvl="1"/>
+            <a:r>
+              <a:rPr lang="ja-JP" altLang="en-US"/>
+              <a:t>第 </a:t>
+            </a:r>
+            <a:r>
+              <a:rPr lang="en-US" altLang="ja-JP"/>
+              <a:t>2 </a:t>
+            </a:r>
+            <a:r>
+              <a:rPr lang="ja-JP" altLang="en-US"/>
+              <a:t>レベル</a:t>
+            </a:r>
+          </a:p>
+          <a:p>
+            <a:pPr lvl="2"/>
+            <a:r>
+              <a:rPr lang="ja-JP" altLang="en-US"/>
+              <a:t>第 </a:t>
+            </a:r>
+            <a:r>
+              <a:rPr lang="en-US" altLang="ja-JP"/>
+              <a:t>3 </a:t>
+            </a:r>
+            <a:r>
+              <a:rPr lang="ja-JP" altLang="en-US"/>
+              <a:t>レベル</a:t>
+            </a:r>
+          </a:p>
+          <a:p>
+            <a:pPr lvl="3"/>
+            <a:r>
+              <a:rPr lang="ja-JP" altLang="en-US"/>
+              <a:t>第 </a:t>
+            </a:r>
+            <a:r>
+              <a:rPr lang="en-US" altLang="ja-JP"/>
+              <a:t>4 </a:t>
+            </a:r>
+            <a:r>
+              <a:rPr lang="ja-JP" altLang="en-US"/>
+              <a:t>レベル</a:t>
+            </a:r>
+          </a:p>
+          <a:p>
+            <a:pPr lvl="4"/>
+            <a:r>
+              <a:rPr lang="ja-JP" altLang="en-US"/>
+              <a:t>第 </a:t>
+            </a:r>
+            <a:r>
+              <a:rPr lang="en-US" altLang="ja-JP"/>
+              <a:t>5 </a:t>
+            </a:r>
+            <a:r>
+              <a:rPr lang="ja-JP" altLang="en-US"/>
+              <a:t>レベル</a:t>
+            </a:r>
+            <a:endParaRPr lang="en-US" dirty="0"/>
+          </a:p>
+        </p:txBody>
+      </p:sp>
+      <p:sp>
+        <p:nvSpPr>
+          <p:cNvPr id="5" name="Text Placeholder 4"/>
+          <p:cNvSpPr>
+            <a:spLocks noGrp="1"/>
+          </p:cNvSpPr>
+          <p:nvPr>
+            <p:ph type="body" sz="quarter" idx="3"/>
+          </p:nvPr>
+        </p:nvSpPr>
+        <p:spPr>
+          <a:xfrm>
+            <a:off x="7654172" y="2620980"/>
+            <a:ext cx="6427693" cy="1284502"/>
+          </a:xfrm>
+        </p:spPr>
+        <p:txBody>
+          <a:bodyPr anchor="b"/>
+          <a:lstStyle>
+            <a:lvl1pPr marL="0" indent="0">
+              <a:buNone/>
+              <a:defRPr sz="3742" b="1"/>
+            </a:lvl1pPr>
+            <a:lvl2pPr marL="712775" indent="0">
+              <a:buNone/>
+              <a:defRPr sz="3118" b="1"/>
+            </a:lvl2pPr>
+            <a:lvl3pPr marL="1425550" indent="0">
+              <a:buNone/>
+              <a:defRPr sz="2806" b="1"/>
+            </a:lvl3pPr>
+            <a:lvl4pPr marL="2138324" indent="0">
+              <a:buNone/>
+              <a:defRPr sz="2494" b="1"/>
+            </a:lvl4pPr>
+            <a:lvl5pPr marL="2851099" indent="0">
+              <a:buNone/>
+              <a:defRPr sz="2494" b="1"/>
+            </a:lvl5pPr>
+            <a:lvl6pPr marL="3563874" indent="0">
+              <a:buNone/>
+              <a:defRPr sz="2494" b="1"/>
+            </a:lvl6pPr>
+            <a:lvl7pPr marL="4276649" indent="0">
+              <a:buNone/>
+              <a:defRPr sz="2494" b="1"/>
+            </a:lvl7pPr>
+            <a:lvl8pPr marL="4989424" indent="0">
+              <a:buNone/>
+              <a:defRPr sz="2494" b="1"/>
+            </a:lvl8pPr>
+            <a:lvl9pPr marL="5702198" indent="0">
+              <a:buNone/>
+              <a:defRPr sz="2494" b="1"/>
+            </a:lvl9pPr>
+          </a:lstStyle>
+          <a:p>
+            <a:pPr lvl="0"/>
+            <a:r>
+              <a:rPr lang="ja-JP" altLang="en-US"/>
+              <a:t>マスター テキストの書式設定</a:t>
+            </a:r>
+          </a:p>
+        </p:txBody>
+      </p:sp>
+      <p:sp>
+        <p:nvSpPr>
+          <p:cNvPr id="6" name="Content Placeholder 5"/>
+          <p:cNvSpPr>
+            <a:spLocks noGrp="1"/>
+          </p:cNvSpPr>
+          <p:nvPr>
+            <p:ph sz="quarter" idx="4"/>
+          </p:nvPr>
+        </p:nvSpPr>
+        <p:spPr>
+          <a:xfrm>
+            <a:off x="7654172" y="3905482"/>
+            <a:ext cx="6427693" cy="5744375"/>
+          </a:xfrm>
+        </p:spPr>
+        <p:txBody>
+          <a:bodyPr/>
+          <a:lstStyle/>
+          <a:p>
+            <a:pPr lvl="0"/>
+            <a:r>
+              <a:rPr lang="ja-JP" altLang="en-US"/>
+              <a:t>マスター テキストの書式設定</a:t>
+            </a:r>
+          </a:p>
+          <a:p>
+            <a:pPr lvl="1"/>
+            <a:r>
+              <a:rPr lang="ja-JP" altLang="en-US"/>
+              <a:t>第 </a:t>
+            </a:r>
+            <a:r>
+              <a:rPr lang="en-US" altLang="ja-JP"/>
+              <a:t>2 </a:t>
+            </a:r>
+            <a:r>
+              <a:rPr lang="ja-JP" altLang="en-US"/>
+              <a:t>レベル</a:t>
+            </a:r>
+          </a:p>
+          <a:p>
+            <a:pPr lvl="2"/>
+            <a:r>
+              <a:rPr lang="ja-JP" altLang="en-US"/>
+              <a:t>第 </a:t>
+            </a:r>
+            <a:r>
+              <a:rPr lang="en-US" altLang="ja-JP"/>
+              <a:t>3 </a:t>
+            </a:r>
+            <a:r>
+              <a:rPr lang="ja-JP" altLang="en-US"/>
+              <a:t>レベル</a:t>
+            </a:r>
+          </a:p>
+          <a:p>
+            <a:pPr lvl="3"/>
+            <a:r>
+              <a:rPr lang="ja-JP" altLang="en-US"/>
+              <a:t>第 </a:t>
+            </a:r>
+            <a:r>
+              <a:rPr lang="en-US" altLang="ja-JP"/>
+              <a:t>4 </a:t>
+            </a:r>
+            <a:r>
+              <a:rPr lang="ja-JP" altLang="en-US"/>
+              <a:t>レベル</a:t>
+            </a:r>
+          </a:p>
+          <a:p>
+            <a:pPr lvl="4"/>
+            <a:r>
+              <a:rPr lang="ja-JP" altLang="en-US"/>
+              <a:t>第 </a:t>
+            </a:r>
+            <a:r>
+              <a:rPr lang="en-US" altLang="ja-JP"/>
+              <a:t>5 </a:t>
+            </a:r>
+            <a:r>
+              <a:rPr lang="ja-JP" altLang="en-US"/>
+              <a:t>レベル</a:t>
+            </a:r>
+            <a:endParaRPr lang="en-US" dirty="0"/>
+          </a:p>
+        </p:txBody>
+      </p:sp>
+      <p:sp>
+        <p:nvSpPr>
+          <p:cNvPr id="7" name="Date Placeholder 6"/>
+          <p:cNvSpPr>
+            <a:spLocks noGrp="1"/>
+          </p:cNvSpPr>
+          <p:nvPr>
+            <p:ph type="dt" sz="half" idx="10"/>
+          </p:nvPr>
+        </p:nvSpPr>
+        <p:spPr/>
+        <p:txBody>
+          <a:bodyPr/>
+          <a:lstStyle/>
+          <a:p>
+            <a:fld id="{C764DE79-268F-4C1A-8933-263129D2AF90}" type="datetimeFigureOut">
+              <a:rPr lang="en-US" dirty="0"/>
+              <a:t>8/23/2021</a:t>
+            </a:fld>
+            <a:endParaRPr lang="en-US" dirty="0"/>
+          </a:p>
+        </p:txBody>
+      </p:sp>
+      <p:sp>
+        <p:nvSpPr>
+          <p:cNvPr id="8" name="Footer Placeholder 7"/>
+          <p:cNvSpPr>
+            <a:spLocks noGrp="1"/>
+          </p:cNvSpPr>
+          <p:nvPr>
+            <p:ph type="ftr" sz="quarter" idx="11"/>
+          </p:nvPr>
+        </p:nvSpPr>
+        <p:spPr/>
+        <p:txBody>
+          <a:bodyPr/>
+          <a:lstStyle/>
+          <a:p>
+            <a:endParaRPr lang="en-US" dirty="0"/>
+          </a:p>
+        </p:txBody>
+      </p:sp>
+      <p:sp>
+        <p:nvSpPr>
+          <p:cNvPr id="9" name="Slide Number Placeholder 8"/>
+          <p:cNvSpPr>
+            <a:spLocks noGrp="1"/>
+          </p:cNvSpPr>
+          <p:nvPr>
+            <p:ph type="sldNum" sz="quarter" idx="12"/>
+          </p:nvPr>
+        </p:nvSpPr>
+        <p:spPr/>
+        <p:txBody>
+          <a:bodyPr/>
+          <a:lstStyle/>
+          <a:p>
+            <a:fld id="{48F63A3B-78C7-47BE-AE5E-E10140E04643}" type="slidenum">
+              <a:rPr lang="en-US" dirty="0"/>
+              <a:t>‹#›</a:t>
+            </a:fld>
+            <a:endParaRPr lang="en-US" dirty="0"/>
+          </a:p>
+        </p:txBody>
+      </p:sp>
+    </p:spTree>
+    <p:extLst>
+      <p:ext uri="{BB962C8B-B14F-4D97-AF65-F5344CB8AC3E}">
+        <p14:creationId xmlns:p14="http://schemas.microsoft.com/office/powerpoint/2010/main" val="2949468034"/>
+      </p:ext>
+    </p:extLst>
+  </p:cSld>
+  <p:clrMapOvr>
+    <a:masterClrMapping/>
+  </p:clrMapOvr>
+</p:sldLayout>
+</file>
+
+<file path=ppt/slideLayouts/slideLayout11.xml><?xml version="1.0" encoding="utf-8"?>
 <p:sldLayout xmlns:a="http://schemas.openxmlformats.org/drawingml/2006/main" xmlns:r="http://schemas.openxmlformats.org/officeDocument/2006/relationships" xmlns:p="http://schemas.openxmlformats.org/presentationml/2006/main" type="titleOnly" preserve="1">
   <p:cSld name="タイトルのみ">
     <p:spTree>
@@ -1301,7 +1731,7 @@
           <a:p>
             <a:fld id="{C764DE79-268F-4C1A-8933-263129D2AF90}" type="datetimeFigureOut">
               <a:rPr lang="en-US" dirty="0"/>
-              <a:t>8/4/2021</a:t>
+              <a:t>8/23/2021</a:t>
             </a:fld>
             <a:endParaRPr lang="en-US" dirty="0"/>
           </a:p>
@@ -1362,7 +1792,7 @@
 </p:sldLayout>
 </file>
 
-<file path=ppt/slideLayouts/slideLayout11.xml><?xml version="1.0" encoding="utf-8"?>
+<file path=ppt/slideLayouts/slideLayout12.xml><?xml version="1.0" encoding="utf-8"?>
 <p:sldLayout xmlns:a="http://schemas.openxmlformats.org/drawingml/2006/main" xmlns:r="http://schemas.openxmlformats.org/officeDocument/2006/relationships" xmlns:p="http://schemas.openxmlformats.org/presentationml/2006/main" type="blank" preserve="1">
   <p:cSld name="白紙">
     <p:spTree>
@@ -1396,7 +1826,7 @@
           <a:p>
             <a:fld id="{C764DE79-268F-4C1A-8933-263129D2AF90}" type="datetimeFigureOut">
               <a:rPr lang="en-US" dirty="0"/>
-              <a:t>8/4/2021</a:t>
+              <a:t>8/23/2021</a:t>
             </a:fld>
             <a:endParaRPr lang="en-US" dirty="0"/>
           </a:p>
@@ -1457,7 +1887,7 @@
 </p:sldLayout>
 </file>
 
-<file path=ppt/slideLayouts/slideLayout12.xml><?xml version="1.0" encoding="utf-8"?>
+<file path=ppt/slideLayouts/slideLayout13.xml><?xml version="1.0" encoding="utf-8"?>
 <p:sldLayout xmlns:a="http://schemas.openxmlformats.org/drawingml/2006/main" xmlns:r="http://schemas.openxmlformats.org/officeDocument/2006/relationships" xmlns:p="http://schemas.openxmlformats.org/presentationml/2006/main" type="objTx" preserve="1">
   <p:cSld name="タイトル付きのコンテンツ">
     <p:spTree>
@@ -1705,7 +2135,7 @@
           <a:p>
             <a:fld id="{C764DE79-268F-4C1A-8933-263129D2AF90}" type="datetimeFigureOut">
               <a:rPr lang="en-US" dirty="0"/>
-              <a:t>8/4/2021</a:t>
+              <a:t>8/23/2021</a:t>
             </a:fld>
             <a:endParaRPr lang="en-US" dirty="0"/>
           </a:p>
@@ -1766,7 +2196,7 @@
 </p:sldLayout>
 </file>
 
-<file path=ppt/slideLayouts/slideLayout13.xml><?xml version="1.0" encoding="utf-8"?>
+<file path=ppt/slideLayouts/slideLayout14.xml><?xml version="1.0" encoding="utf-8"?>
 <p:sldLayout xmlns:a="http://schemas.openxmlformats.org/drawingml/2006/main" xmlns:r="http://schemas.openxmlformats.org/officeDocument/2006/relationships" xmlns:p="http://schemas.openxmlformats.org/presentationml/2006/main" type="picTx" preserve="1">
   <p:cSld name="タイトル付きの図">
     <p:spTree>
@@ -1962,7 +2392,7 @@
           <a:p>
             <a:fld id="{C764DE79-268F-4C1A-8933-263129D2AF90}" type="datetimeFigureOut">
               <a:rPr lang="en-US" dirty="0"/>
-              <a:t>8/4/2021</a:t>
+              <a:t>8/23/2021</a:t>
             </a:fld>
             <a:endParaRPr lang="en-US" dirty="0"/>
           </a:p>
@@ -2023,7 +2453,7 @@
 </p:sldLayout>
 </file>
 
-<file path=ppt/slideLayouts/slideLayout14.xml><?xml version="1.0" encoding="utf-8"?>
+<file path=ppt/slideLayouts/slideLayout15.xml><?xml version="1.0" encoding="utf-8"?>
 <p:sldLayout xmlns:a="http://schemas.openxmlformats.org/drawingml/2006/main" xmlns:r="http://schemas.openxmlformats.org/officeDocument/2006/relationships" xmlns:p="http://schemas.openxmlformats.org/presentationml/2006/main" type="vertTx" preserve="1">
   <p:cSld name="タイトルと縦書きテキスト">
     <p:spTree>
@@ -2164,7 +2594,7 @@
           <a:p>
             <a:fld id="{C764DE79-268F-4C1A-8933-263129D2AF90}" type="datetimeFigureOut">
               <a:rPr lang="en-US" dirty="0"/>
-              <a:t>8/4/2021</a:t>
+              <a:t>8/23/2021</a:t>
             </a:fld>
             <a:endParaRPr lang="en-US" dirty="0"/>
           </a:p>
@@ -2225,7 +2655,7 @@
 </p:sldLayout>
 </file>
 
-<file path=ppt/slideLayouts/slideLayout15.xml><?xml version="1.0" encoding="utf-8"?>
+<file path=ppt/slideLayouts/slideLayout16.xml><?xml version="1.0" encoding="utf-8"?>
 <p:sldLayout xmlns:a="http://schemas.openxmlformats.org/drawingml/2006/main" xmlns:r="http://schemas.openxmlformats.org/officeDocument/2006/relationships" xmlns:p="http://schemas.openxmlformats.org/presentationml/2006/main" type="vertTitleAndTx" preserve="1">
   <p:cSld name="縦書きタイトルと&#10;縦書きテキスト">
     <p:spTree>
@@ -2376,7 +2806,7 @@
           <a:p>
             <a:fld id="{C764DE79-268F-4C1A-8933-263129D2AF90}" type="datetimeFigureOut">
               <a:rPr lang="en-US" dirty="0"/>
-              <a:t>8/4/2021</a:t>
+              <a:t>8/23/2021</a:t>
             </a:fld>
             <a:endParaRPr lang="en-US" dirty="0"/>
           </a:p>
@@ -2437,7 +2867,7 @@
 </p:sldLayout>
 </file>
 
-<file path=ppt/slideLayouts/slideLayout16.xml><?xml version="1.0" encoding="utf-8"?>
+<file path=ppt/slideLayouts/slideLayout17.xml><?xml version="1.0" encoding="utf-8"?>
 <p:sldLayout xmlns:a="http://schemas.openxmlformats.org/drawingml/2006/main" xmlns:r="http://schemas.openxmlformats.org/officeDocument/2006/relationships" xmlns:p="http://schemas.openxmlformats.org/presentationml/2006/main" userDrawn="1">
   <p:cSld name="アブストラクトページ用（プライマリークラス）">
     <p:spTree>
@@ -2467,7 +2897,444 @@
 </p:sldLayout>
 </file>
 
-<file path=ppt/slideLayouts/slideLayout17.xml><?xml version="1.0" encoding="utf-8"?>
+<file path=ppt/slideLayouts/slideLayout2.xml><?xml version="1.0" encoding="utf-8"?>
+<p:sldLayout xmlns:a="http://schemas.openxmlformats.org/drawingml/2006/main" xmlns:r="http://schemas.openxmlformats.org/officeDocument/2006/relationships" xmlns:p="http://schemas.openxmlformats.org/presentationml/2006/main" type="obj">
+  <p:cSld name="タイトルとコンテンツ">
+    <p:spTree>
+      <p:nvGrpSpPr>
+        <p:cNvPr id="1" name=""/>
+        <p:cNvGrpSpPr/>
+        <p:nvPr/>
+      </p:nvGrpSpPr>
+      <p:grpSpPr>
+        <a:xfrm>
+          <a:off x="0" y="0"/>
+          <a:ext cx="0" cy="0"/>
+          <a:chOff x="0" y="0"/>
+          <a:chExt cx="0" cy="0"/>
+        </a:xfrm>
+      </p:grpSpPr>
+      <p:sp>
+        <p:nvSpPr>
+          <p:cNvPr id="2" name="Title 1"/>
+          <p:cNvSpPr>
+            <a:spLocks noGrp="1"/>
+          </p:cNvSpPr>
+          <p:nvPr>
+            <p:ph type="title"/>
+          </p:nvPr>
+        </p:nvSpPr>
+        <p:spPr/>
+        <p:txBody>
+          <a:bodyPr/>
+          <a:lstStyle/>
+          <a:p>
+            <a:r>
+              <a:rPr lang="ja-JP" altLang="en-US"/>
+              <a:t>マスター タイトルの書式設定</a:t>
+            </a:r>
+            <a:endParaRPr lang="en-US" dirty="0"/>
+          </a:p>
+        </p:txBody>
+      </p:sp>
+      <p:sp>
+        <p:nvSpPr>
+          <p:cNvPr id="3" name="Content Placeholder 2"/>
+          <p:cNvSpPr>
+            <a:spLocks noGrp="1"/>
+          </p:cNvSpPr>
+          <p:nvPr>
+            <p:ph idx="1"/>
+          </p:nvPr>
+        </p:nvSpPr>
+        <p:spPr/>
+        <p:txBody>
+          <a:bodyPr/>
+          <a:lstStyle/>
+          <a:p>
+            <a:pPr lvl="0"/>
+            <a:r>
+              <a:rPr lang="ja-JP" altLang="en-US"/>
+              <a:t>マスター テキストの書式設定</a:t>
+            </a:r>
+          </a:p>
+          <a:p>
+            <a:pPr lvl="1"/>
+            <a:r>
+              <a:rPr lang="ja-JP" altLang="en-US"/>
+              <a:t>第 </a:t>
+            </a:r>
+            <a:r>
+              <a:rPr lang="en-US" altLang="ja-JP"/>
+              <a:t>2 </a:t>
+            </a:r>
+            <a:r>
+              <a:rPr lang="ja-JP" altLang="en-US"/>
+              <a:t>レベル</a:t>
+            </a:r>
+          </a:p>
+          <a:p>
+            <a:pPr lvl="2"/>
+            <a:r>
+              <a:rPr lang="ja-JP" altLang="en-US"/>
+              <a:t>第 </a:t>
+            </a:r>
+            <a:r>
+              <a:rPr lang="en-US" altLang="ja-JP"/>
+              <a:t>3 </a:t>
+            </a:r>
+            <a:r>
+              <a:rPr lang="ja-JP" altLang="en-US"/>
+              <a:t>レベル</a:t>
+            </a:r>
+          </a:p>
+          <a:p>
+            <a:pPr lvl="3"/>
+            <a:r>
+              <a:rPr lang="ja-JP" altLang="en-US"/>
+              <a:t>第 </a:t>
+            </a:r>
+            <a:r>
+              <a:rPr lang="en-US" altLang="ja-JP"/>
+              <a:t>4 </a:t>
+            </a:r>
+            <a:r>
+              <a:rPr lang="ja-JP" altLang="en-US"/>
+              <a:t>レベル</a:t>
+            </a:r>
+          </a:p>
+          <a:p>
+            <a:pPr lvl="4"/>
+            <a:r>
+              <a:rPr lang="ja-JP" altLang="en-US"/>
+              <a:t>第 </a:t>
+            </a:r>
+            <a:r>
+              <a:rPr lang="en-US" altLang="ja-JP"/>
+              <a:t>5 </a:t>
+            </a:r>
+            <a:r>
+              <a:rPr lang="ja-JP" altLang="en-US"/>
+              <a:t>レベル</a:t>
+            </a:r>
+            <a:endParaRPr lang="en-US" dirty="0"/>
+          </a:p>
+        </p:txBody>
+      </p:sp>
+      <p:sp>
+        <p:nvSpPr>
+          <p:cNvPr id="4" name="Date Placeholder 3"/>
+          <p:cNvSpPr>
+            <a:spLocks noGrp="1"/>
+          </p:cNvSpPr>
+          <p:nvPr>
+            <p:ph type="dt" sz="half" idx="10"/>
+          </p:nvPr>
+        </p:nvSpPr>
+        <p:spPr/>
+        <p:txBody>
+          <a:bodyPr/>
+          <a:lstStyle/>
+          <a:p>
+            <a:fld id="{C764DE79-268F-4C1A-8933-263129D2AF90}" type="datetimeFigureOut">
+              <a:rPr lang="en-US" dirty="0"/>
+              <a:t>8/23/2021</a:t>
+            </a:fld>
+            <a:endParaRPr lang="en-US" dirty="0"/>
+          </a:p>
+        </p:txBody>
+      </p:sp>
+      <p:sp>
+        <p:nvSpPr>
+          <p:cNvPr id="5" name="Footer Placeholder 4"/>
+          <p:cNvSpPr>
+            <a:spLocks noGrp="1"/>
+          </p:cNvSpPr>
+          <p:nvPr>
+            <p:ph type="ftr" sz="quarter" idx="11"/>
+          </p:nvPr>
+        </p:nvSpPr>
+        <p:spPr/>
+        <p:txBody>
+          <a:bodyPr/>
+          <a:lstStyle/>
+          <a:p>
+            <a:endParaRPr lang="en-US" dirty="0"/>
+          </a:p>
+        </p:txBody>
+      </p:sp>
+      <p:sp>
+        <p:nvSpPr>
+          <p:cNvPr id="6" name="Slide Number Placeholder 5"/>
+          <p:cNvSpPr>
+            <a:spLocks noGrp="1"/>
+          </p:cNvSpPr>
+          <p:nvPr>
+            <p:ph type="sldNum" sz="quarter" idx="12"/>
+          </p:nvPr>
+        </p:nvSpPr>
+        <p:spPr/>
+        <p:txBody>
+          <a:bodyPr/>
+          <a:lstStyle/>
+          <a:p>
+            <a:fld id="{48F63A3B-78C7-47BE-AE5E-E10140E04643}" type="slidenum">
+              <a:rPr lang="en-US" dirty="0"/>
+              <a:t>‹#›</a:t>
+            </a:fld>
+            <a:endParaRPr lang="en-US" dirty="0"/>
+          </a:p>
+        </p:txBody>
+      </p:sp>
+    </p:spTree>
+    <p:extLst>
+      <p:ext uri="{BB962C8B-B14F-4D97-AF65-F5344CB8AC3E}">
+        <p14:creationId xmlns:p14="http://schemas.microsoft.com/office/powerpoint/2010/main" val="2292312169"/>
+      </p:ext>
+    </p:extLst>
+  </p:cSld>
+  <p:clrMapOvr>
+    <a:masterClrMapping/>
+  </p:clrMapOvr>
+</p:sldLayout>
+</file>
+
+<file path=ppt/slideLayouts/slideLayout3.xml><?xml version="1.0" encoding="utf-8"?>
+<p:sldLayout xmlns:a="http://schemas.openxmlformats.org/drawingml/2006/main" xmlns:r="http://schemas.openxmlformats.org/officeDocument/2006/relationships" xmlns:p="http://schemas.openxmlformats.org/presentationml/2006/main" type="titleOnly" preserve="1">
+  <p:cSld name="タイトルのみ">
+    <p:spTree>
+      <p:nvGrpSpPr>
+        <p:cNvPr id="1" name=""/>
+        <p:cNvGrpSpPr/>
+        <p:nvPr/>
+      </p:nvGrpSpPr>
+      <p:grpSpPr>
+        <a:xfrm>
+          <a:off x="0" y="0"/>
+          <a:ext cx="0" cy="0"/>
+          <a:chOff x="0" y="0"/>
+          <a:chExt cx="0" cy="0"/>
+        </a:xfrm>
+      </p:grpSpPr>
+      <p:sp>
+        <p:nvSpPr>
+          <p:cNvPr id="2" name="タイトル 1">
+            <a:extLst>
+              <a:ext uri="{FF2B5EF4-FFF2-40B4-BE49-F238E27FC236}">
+                <a16:creationId xmlns:a16="http://schemas.microsoft.com/office/drawing/2014/main" id="{A31C593D-50EE-492C-BF62-7061D8451F9F}"/>
+              </a:ext>
+            </a:extLst>
+          </p:cNvPr>
+          <p:cNvSpPr>
+            <a:spLocks noGrp="1"/>
+          </p:cNvSpPr>
+          <p:nvPr>
+            <p:ph type="title"/>
+          </p:nvPr>
+        </p:nvSpPr>
+        <p:spPr/>
+        <p:txBody>
+          <a:bodyPr/>
+          <a:lstStyle/>
+          <a:p>
+            <a:r>
+              <a:rPr kumimoji="1" lang="ja-JP" altLang="en-US"/>
+              <a:t>マスター タイトルの書式設定</a:t>
+            </a:r>
+          </a:p>
+        </p:txBody>
+      </p:sp>
+    </p:spTree>
+    <p:extLst>
+      <p:ext uri="{BB962C8B-B14F-4D97-AF65-F5344CB8AC3E}">
+        <p14:creationId xmlns:p14="http://schemas.microsoft.com/office/powerpoint/2010/main" val="1771528902"/>
+      </p:ext>
+    </p:extLst>
+  </p:cSld>
+  <p:clrMapOvr>
+    <a:masterClrMapping/>
+  </p:clrMapOvr>
+</p:sldLayout>
+</file>
+
+<file path=ppt/slideLayouts/slideLayout4.xml><?xml version="1.0" encoding="utf-8"?>
+<p:sldLayout xmlns:a="http://schemas.openxmlformats.org/drawingml/2006/main" xmlns:r="http://schemas.openxmlformats.org/officeDocument/2006/relationships" xmlns:p="http://schemas.openxmlformats.org/presentationml/2006/main" type="obj" preserve="1">
+  <p:cSld name="タイトルとコンテンツ">
+    <p:spTree>
+      <p:nvGrpSpPr>
+        <p:cNvPr id="1" name=""/>
+        <p:cNvGrpSpPr/>
+        <p:nvPr/>
+      </p:nvGrpSpPr>
+      <p:grpSpPr>
+        <a:xfrm>
+          <a:off x="0" y="0"/>
+          <a:ext cx="0" cy="0"/>
+          <a:chOff x="0" y="0"/>
+          <a:chExt cx="0" cy="0"/>
+        </a:xfrm>
+      </p:grpSpPr>
+      <p:sp>
+        <p:nvSpPr>
+          <p:cNvPr id="2" name="タイトル 1">
+            <a:extLst>
+              <a:ext uri="{FF2B5EF4-FFF2-40B4-BE49-F238E27FC236}">
+                <a16:creationId xmlns:a16="http://schemas.microsoft.com/office/drawing/2014/main" id="{162227AF-C1D2-4D5B-BB89-3FC06B4051DE}"/>
+              </a:ext>
+            </a:extLst>
+          </p:cNvPr>
+          <p:cNvSpPr>
+            <a:spLocks noGrp="1"/>
+          </p:cNvSpPr>
+          <p:nvPr>
+            <p:ph type="title"/>
+          </p:nvPr>
+        </p:nvSpPr>
+        <p:spPr/>
+        <p:txBody>
+          <a:bodyPr/>
+          <a:lstStyle/>
+          <a:p>
+            <a:r>
+              <a:rPr kumimoji="1" lang="ja-JP" altLang="en-US"/>
+              <a:t>マスター タイトルの書式設定</a:t>
+            </a:r>
+          </a:p>
+        </p:txBody>
+      </p:sp>
+      <p:sp>
+        <p:nvSpPr>
+          <p:cNvPr id="3" name="コンテンツ プレースホルダー 2">
+            <a:extLst>
+              <a:ext uri="{FF2B5EF4-FFF2-40B4-BE49-F238E27FC236}">
+                <a16:creationId xmlns:a16="http://schemas.microsoft.com/office/drawing/2014/main" id="{EC9BB6EF-1BBD-44F7-8105-357758AD351C}"/>
+              </a:ext>
+            </a:extLst>
+          </p:cNvPr>
+          <p:cNvSpPr>
+            <a:spLocks noGrp="1"/>
+          </p:cNvSpPr>
+          <p:nvPr>
+            <p:ph idx="1"/>
+          </p:nvPr>
+        </p:nvSpPr>
+        <p:spPr/>
+        <p:txBody>
+          <a:bodyPr/>
+          <a:lstStyle/>
+          <a:p>
+            <a:pPr lvl="0"/>
+            <a:r>
+              <a:rPr kumimoji="1" lang="ja-JP" altLang="en-US"/>
+              <a:t>マスター テキストの書式設定</a:t>
+            </a:r>
+          </a:p>
+          <a:p>
+            <a:pPr lvl="1"/>
+            <a:r>
+              <a:rPr kumimoji="1" lang="ja-JP" altLang="en-US"/>
+              <a:t>第 </a:t>
+            </a:r>
+            <a:r>
+              <a:rPr kumimoji="1" lang="en-US" altLang="ja-JP"/>
+              <a:t>2 </a:t>
+            </a:r>
+            <a:r>
+              <a:rPr kumimoji="1" lang="ja-JP" altLang="en-US"/>
+              <a:t>レベル</a:t>
+            </a:r>
+          </a:p>
+          <a:p>
+            <a:pPr lvl="2"/>
+            <a:r>
+              <a:rPr kumimoji="1" lang="ja-JP" altLang="en-US"/>
+              <a:t>第 </a:t>
+            </a:r>
+            <a:r>
+              <a:rPr kumimoji="1" lang="en-US" altLang="ja-JP"/>
+              <a:t>3 </a:t>
+            </a:r>
+            <a:r>
+              <a:rPr kumimoji="1" lang="ja-JP" altLang="en-US"/>
+              <a:t>レベル</a:t>
+            </a:r>
+          </a:p>
+          <a:p>
+            <a:pPr lvl="3"/>
+            <a:r>
+              <a:rPr kumimoji="1" lang="ja-JP" altLang="en-US"/>
+              <a:t>第 </a:t>
+            </a:r>
+            <a:r>
+              <a:rPr kumimoji="1" lang="en-US" altLang="ja-JP"/>
+              <a:t>4 </a:t>
+            </a:r>
+            <a:r>
+              <a:rPr kumimoji="1" lang="ja-JP" altLang="en-US"/>
+              <a:t>レベル</a:t>
+            </a:r>
+          </a:p>
+          <a:p>
+            <a:pPr lvl="4"/>
+            <a:r>
+              <a:rPr kumimoji="1" lang="ja-JP" altLang="en-US"/>
+              <a:t>第 </a:t>
+            </a:r>
+            <a:r>
+              <a:rPr kumimoji="1" lang="en-US" altLang="ja-JP"/>
+              <a:t>5 </a:t>
+            </a:r>
+            <a:r>
+              <a:rPr kumimoji="1" lang="ja-JP" altLang="en-US"/>
+              <a:t>レベル</a:t>
+            </a:r>
+          </a:p>
+        </p:txBody>
+      </p:sp>
+    </p:spTree>
+    <p:extLst>
+      <p:ext uri="{BB962C8B-B14F-4D97-AF65-F5344CB8AC3E}">
+        <p14:creationId xmlns:p14="http://schemas.microsoft.com/office/powerpoint/2010/main" val="215177700"/>
+      </p:ext>
+    </p:extLst>
+  </p:cSld>
+  <p:clrMapOvr>
+    <a:masterClrMapping/>
+  </p:clrMapOvr>
+</p:sldLayout>
+</file>
+
+<file path=ppt/slideLayouts/slideLayout5.xml><?xml version="1.0" encoding="utf-8"?>
+<p:sldLayout xmlns:a="http://schemas.openxmlformats.org/drawingml/2006/main" xmlns:r="http://schemas.openxmlformats.org/officeDocument/2006/relationships" xmlns:p="http://schemas.openxmlformats.org/presentationml/2006/main" type="blank" preserve="1">
+  <p:cSld name="白紙">
+    <p:spTree>
+      <p:nvGrpSpPr>
+        <p:cNvPr id="1" name=""/>
+        <p:cNvGrpSpPr/>
+        <p:nvPr/>
+      </p:nvGrpSpPr>
+      <p:grpSpPr>
+        <a:xfrm>
+          <a:off x="0" y="0"/>
+          <a:ext cx="0" cy="0"/>
+          <a:chOff x="0" y="0"/>
+          <a:chExt cx="0" cy="0"/>
+        </a:xfrm>
+      </p:grpSpPr>
+    </p:spTree>
+    <p:extLst>
+      <p:ext uri="{BB962C8B-B14F-4D97-AF65-F5344CB8AC3E}">
+        <p14:creationId xmlns:p14="http://schemas.microsoft.com/office/powerpoint/2010/main" val="2183788252"/>
+      </p:ext>
+    </p:extLst>
+  </p:cSld>
+  <p:clrMapOvr>
+    <a:masterClrMapping/>
+  </p:clrMapOvr>
+</p:sldLayout>
+</file>
+
+<file path=ppt/slideLayouts/slideLayout6.xml><?xml version="1.0" encoding="utf-8"?>
 <p:sldLayout xmlns:a="http://schemas.openxmlformats.org/drawingml/2006/main" xmlns:r="http://schemas.openxmlformats.org/officeDocument/2006/relationships" xmlns:p="http://schemas.openxmlformats.org/presentationml/2006/main" type="title" preserve="1">
   <p:cSld name="タイトル スライド">
     <p:spTree>
@@ -2598,7 +3465,7 @@
           <a:p>
             <a:fld id="{C764DE79-268F-4C1A-8933-263129D2AF90}" type="datetimeFigureOut">
               <a:rPr lang="en-US" dirty="0"/>
-              <a:t>8/4/2021</a:t>
+              <a:t>8/23/2021</a:t>
             </a:fld>
             <a:endParaRPr lang="en-US" dirty="0"/>
           </a:p>
@@ -2649,7 +3516,7 @@
     </p:spTree>
     <p:extLst>
       <p:ext uri="{BB962C8B-B14F-4D97-AF65-F5344CB8AC3E}">
-        <p14:creationId xmlns:p14="http://schemas.microsoft.com/office/powerpoint/2010/main" val="2291387939"/>
+        <p14:creationId xmlns:p14="http://schemas.microsoft.com/office/powerpoint/2010/main" val="1756832944"/>
       </p:ext>
     </p:extLst>
   </p:cSld>
@@ -2659,7 +3526,7 @@
 </p:sldLayout>
 </file>
 
-<file path=ppt/slideLayouts/slideLayout18.xml><?xml version="1.0" encoding="utf-8"?>
+<file path=ppt/slideLayouts/slideLayout7.xml><?xml version="1.0" encoding="utf-8"?>
 <p:sldLayout xmlns:a="http://schemas.openxmlformats.org/drawingml/2006/main" xmlns:r="http://schemas.openxmlformats.org/officeDocument/2006/relationships" xmlns:p="http://schemas.openxmlformats.org/presentationml/2006/main" type="obj" preserve="1">
   <p:cSld name="タイトルとコンテンツ">
     <p:spTree>
@@ -2800,7 +3667,7 @@
           <a:p>
             <a:fld id="{C764DE79-268F-4C1A-8933-263129D2AF90}" type="datetimeFigureOut">
               <a:rPr lang="en-US" dirty="0"/>
-              <a:t>8/4/2021</a:t>
+              <a:t>8/23/2021</a:t>
             </a:fld>
             <a:endParaRPr lang="en-US" dirty="0"/>
           </a:p>
@@ -2851,7 +3718,7 @@
     </p:spTree>
     <p:extLst>
       <p:ext uri="{BB962C8B-B14F-4D97-AF65-F5344CB8AC3E}">
-        <p14:creationId xmlns:p14="http://schemas.microsoft.com/office/powerpoint/2010/main" val="637877598"/>
+        <p14:creationId xmlns:p14="http://schemas.microsoft.com/office/powerpoint/2010/main" val="3225208386"/>
       </p:ext>
     </p:extLst>
   </p:cSld>
@@ -2861,7 +3728,7 @@
 </p:sldLayout>
 </file>
 
-<file path=ppt/slideLayouts/slideLayout19.xml><?xml version="1.0" encoding="utf-8"?>
+<file path=ppt/slideLayouts/slideLayout8.xml><?xml version="1.0" encoding="utf-8"?>
 <p:sldLayout xmlns:a="http://schemas.openxmlformats.org/drawingml/2006/main" xmlns:r="http://schemas.openxmlformats.org/officeDocument/2006/relationships" xmlns:p="http://schemas.openxmlformats.org/presentationml/2006/main" type="secHead" preserve="1">
   <p:cSld name="セクション見出し">
     <p:spTree>
@@ -3044,7 +3911,7 @@
           <a:p>
             <a:fld id="{C764DE79-268F-4C1A-8933-263129D2AF90}" type="datetimeFigureOut">
               <a:rPr lang="en-US" dirty="0"/>
-              <a:t>8/4/2021</a:t>
+              <a:t>8/23/2021</a:t>
             </a:fld>
             <a:endParaRPr lang="en-US" dirty="0"/>
           </a:p>
@@ -3095,7 +3962,7 @@
     </p:spTree>
     <p:extLst>
       <p:ext uri="{BB962C8B-B14F-4D97-AF65-F5344CB8AC3E}">
-        <p14:creationId xmlns:p14="http://schemas.microsoft.com/office/powerpoint/2010/main" val="2346774589"/>
+        <p14:creationId xmlns:p14="http://schemas.microsoft.com/office/powerpoint/2010/main" val="2017763413"/>
       </p:ext>
     </p:extLst>
   </p:cSld>
@@ -3105,65 +3972,7 @@
 </p:sldLayout>
 </file>
 
-<file path=ppt/slideLayouts/slideLayout2.xml><?xml version="1.0" encoding="utf-8"?>
-<p:sldLayout xmlns:a="http://schemas.openxmlformats.org/drawingml/2006/main" xmlns:r="http://schemas.openxmlformats.org/officeDocument/2006/relationships" xmlns:p="http://schemas.openxmlformats.org/presentationml/2006/main" type="titleOnly" preserve="1">
-  <p:cSld name="タイトルのみ">
-    <p:spTree>
-      <p:nvGrpSpPr>
-        <p:cNvPr id="1" name=""/>
-        <p:cNvGrpSpPr/>
-        <p:nvPr/>
-      </p:nvGrpSpPr>
-      <p:grpSpPr>
-        <a:xfrm>
-          <a:off x="0" y="0"/>
-          <a:ext cx="0" cy="0"/>
-          <a:chOff x="0" y="0"/>
-          <a:chExt cx="0" cy="0"/>
-        </a:xfrm>
-      </p:grpSpPr>
-      <p:sp>
-        <p:nvSpPr>
-          <p:cNvPr id="2" name="タイトル 1">
-            <a:extLst>
-              <a:ext uri="{FF2B5EF4-FFF2-40B4-BE49-F238E27FC236}">
-                <a16:creationId xmlns:a16="http://schemas.microsoft.com/office/drawing/2014/main" id="{A31C593D-50EE-492C-BF62-7061D8451F9F}"/>
-              </a:ext>
-            </a:extLst>
-          </p:cNvPr>
-          <p:cNvSpPr>
-            <a:spLocks noGrp="1"/>
-          </p:cNvSpPr>
-          <p:nvPr>
-            <p:ph type="title"/>
-          </p:nvPr>
-        </p:nvSpPr>
-        <p:spPr/>
-        <p:txBody>
-          <a:bodyPr/>
-          <a:lstStyle/>
-          <a:p>
-            <a:r>
-              <a:rPr kumimoji="1" lang="ja-JP" altLang="en-US"/>
-              <a:t>マスター タイトルの書式設定</a:t>
-            </a:r>
-          </a:p>
-        </p:txBody>
-      </p:sp>
-    </p:spTree>
-    <p:extLst>
-      <p:ext uri="{BB962C8B-B14F-4D97-AF65-F5344CB8AC3E}">
-        <p14:creationId xmlns:p14="http://schemas.microsoft.com/office/powerpoint/2010/main" val="1771528902"/>
-      </p:ext>
-    </p:extLst>
-  </p:cSld>
-  <p:clrMapOvr>
-    <a:masterClrMapping/>
-  </p:clrMapOvr>
-</p:sldLayout>
-</file>
-
-<file path=ppt/slideLayouts/slideLayout20.xml><?xml version="1.0" encoding="utf-8"?>
+<file path=ppt/slideLayouts/slideLayout9.xml><?xml version="1.0" encoding="utf-8"?>
 <p:sldLayout xmlns:a="http://schemas.openxmlformats.org/drawingml/2006/main" xmlns:r="http://schemas.openxmlformats.org/officeDocument/2006/relationships" xmlns:p="http://schemas.openxmlformats.org/presentationml/2006/main" type="twoObj" preserve="1">
   <p:cSld name="2 つのコンテンツ">
     <p:spTree>
@@ -3398,7 +4207,7 @@
           <a:p>
             <a:fld id="{C764DE79-268F-4C1A-8933-263129D2AF90}" type="datetimeFigureOut">
               <a:rPr lang="en-US" dirty="0"/>
-              <a:t>8/4/2021</a:t>
+              <a:t>8/23/2021</a:t>
             </a:fld>
             <a:endParaRPr lang="en-US" dirty="0"/>
           </a:p>
@@ -3449,3173 +4258,7 @@
     </p:spTree>
     <p:extLst>
       <p:ext uri="{BB962C8B-B14F-4D97-AF65-F5344CB8AC3E}">
-        <p14:creationId xmlns:p14="http://schemas.microsoft.com/office/powerpoint/2010/main" val="151028344"/>
-      </p:ext>
-    </p:extLst>
-  </p:cSld>
-  <p:clrMapOvr>
-    <a:masterClrMapping/>
-  </p:clrMapOvr>
-</p:sldLayout>
-</file>
-
-<file path=ppt/slideLayouts/slideLayout21.xml><?xml version="1.0" encoding="utf-8"?>
-<p:sldLayout xmlns:a="http://schemas.openxmlformats.org/drawingml/2006/main" xmlns:r="http://schemas.openxmlformats.org/officeDocument/2006/relationships" xmlns:p="http://schemas.openxmlformats.org/presentationml/2006/main" type="twoTxTwoObj" preserve="1">
-  <p:cSld name="比較">
-    <p:spTree>
-      <p:nvGrpSpPr>
-        <p:cNvPr id="1" name=""/>
-        <p:cNvGrpSpPr/>
-        <p:nvPr/>
-      </p:nvGrpSpPr>
-      <p:grpSpPr>
-        <a:xfrm>
-          <a:off x="0" y="0"/>
-          <a:ext cx="0" cy="0"/>
-          <a:chOff x="0" y="0"/>
-          <a:chExt cx="0" cy="0"/>
-        </a:xfrm>
-      </p:grpSpPr>
-      <p:sp>
-        <p:nvSpPr>
-          <p:cNvPr id="2" name="Title 1"/>
-          <p:cNvSpPr>
-            <a:spLocks noGrp="1"/>
-          </p:cNvSpPr>
-          <p:nvPr>
-            <p:ph type="title"/>
-          </p:nvPr>
-        </p:nvSpPr>
-        <p:spPr>
-          <a:xfrm>
-            <a:off x="1041425" y="569242"/>
-            <a:ext cx="13040439" cy="2066590"/>
-          </a:xfrm>
-        </p:spPr>
-        <p:txBody>
-          <a:bodyPr/>
-          <a:lstStyle/>
-          <a:p>
-            <a:r>
-              <a:rPr lang="ja-JP" altLang="en-US"/>
-              <a:t>マスター タイトルの書式設定</a:t>
-            </a:r>
-            <a:endParaRPr lang="en-US" dirty="0"/>
-          </a:p>
-        </p:txBody>
-      </p:sp>
-      <p:sp>
-        <p:nvSpPr>
-          <p:cNvPr id="3" name="Text Placeholder 2"/>
-          <p:cNvSpPr>
-            <a:spLocks noGrp="1"/>
-          </p:cNvSpPr>
-          <p:nvPr>
-            <p:ph type="body" idx="1"/>
-          </p:nvPr>
-        </p:nvSpPr>
-        <p:spPr>
-          <a:xfrm>
-            <a:off x="1041426" y="2620980"/>
-            <a:ext cx="6396193" cy="1284502"/>
-          </a:xfrm>
-        </p:spPr>
-        <p:txBody>
-          <a:bodyPr anchor="b"/>
-          <a:lstStyle>
-            <a:lvl1pPr marL="0" indent="0">
-              <a:buNone/>
-              <a:defRPr sz="3742" b="1"/>
-            </a:lvl1pPr>
-            <a:lvl2pPr marL="712775" indent="0">
-              <a:buNone/>
-              <a:defRPr sz="3118" b="1"/>
-            </a:lvl2pPr>
-            <a:lvl3pPr marL="1425550" indent="0">
-              <a:buNone/>
-              <a:defRPr sz="2806" b="1"/>
-            </a:lvl3pPr>
-            <a:lvl4pPr marL="2138324" indent="0">
-              <a:buNone/>
-              <a:defRPr sz="2494" b="1"/>
-            </a:lvl4pPr>
-            <a:lvl5pPr marL="2851099" indent="0">
-              <a:buNone/>
-              <a:defRPr sz="2494" b="1"/>
-            </a:lvl5pPr>
-            <a:lvl6pPr marL="3563874" indent="0">
-              <a:buNone/>
-              <a:defRPr sz="2494" b="1"/>
-            </a:lvl6pPr>
-            <a:lvl7pPr marL="4276649" indent="0">
-              <a:buNone/>
-              <a:defRPr sz="2494" b="1"/>
-            </a:lvl7pPr>
-            <a:lvl8pPr marL="4989424" indent="0">
-              <a:buNone/>
-              <a:defRPr sz="2494" b="1"/>
-            </a:lvl8pPr>
-            <a:lvl9pPr marL="5702198" indent="0">
-              <a:buNone/>
-              <a:defRPr sz="2494" b="1"/>
-            </a:lvl9pPr>
-          </a:lstStyle>
-          <a:p>
-            <a:pPr lvl="0"/>
-            <a:r>
-              <a:rPr lang="ja-JP" altLang="en-US"/>
-              <a:t>マスター テキストの書式設定</a:t>
-            </a:r>
-          </a:p>
-        </p:txBody>
-      </p:sp>
-      <p:sp>
-        <p:nvSpPr>
-          <p:cNvPr id="4" name="Content Placeholder 3"/>
-          <p:cNvSpPr>
-            <a:spLocks noGrp="1"/>
-          </p:cNvSpPr>
-          <p:nvPr>
-            <p:ph sz="half" idx="2"/>
-          </p:nvPr>
-        </p:nvSpPr>
-        <p:spPr>
-          <a:xfrm>
-            <a:off x="1041426" y="3905482"/>
-            <a:ext cx="6396193" cy="5744375"/>
-          </a:xfrm>
-        </p:spPr>
-        <p:txBody>
-          <a:bodyPr/>
-          <a:lstStyle/>
-          <a:p>
-            <a:pPr lvl="0"/>
-            <a:r>
-              <a:rPr lang="ja-JP" altLang="en-US"/>
-              <a:t>マスター テキストの書式設定</a:t>
-            </a:r>
-          </a:p>
-          <a:p>
-            <a:pPr lvl="1"/>
-            <a:r>
-              <a:rPr lang="ja-JP" altLang="en-US"/>
-              <a:t>第 </a:t>
-            </a:r>
-            <a:r>
-              <a:rPr lang="en-US" altLang="ja-JP"/>
-              <a:t>2 </a:t>
-            </a:r>
-            <a:r>
-              <a:rPr lang="ja-JP" altLang="en-US"/>
-              <a:t>レベル</a:t>
-            </a:r>
-          </a:p>
-          <a:p>
-            <a:pPr lvl="2"/>
-            <a:r>
-              <a:rPr lang="ja-JP" altLang="en-US"/>
-              <a:t>第 </a:t>
-            </a:r>
-            <a:r>
-              <a:rPr lang="en-US" altLang="ja-JP"/>
-              <a:t>3 </a:t>
-            </a:r>
-            <a:r>
-              <a:rPr lang="ja-JP" altLang="en-US"/>
-              <a:t>レベル</a:t>
-            </a:r>
-          </a:p>
-          <a:p>
-            <a:pPr lvl="3"/>
-            <a:r>
-              <a:rPr lang="ja-JP" altLang="en-US"/>
-              <a:t>第 </a:t>
-            </a:r>
-            <a:r>
-              <a:rPr lang="en-US" altLang="ja-JP"/>
-              <a:t>4 </a:t>
-            </a:r>
-            <a:r>
-              <a:rPr lang="ja-JP" altLang="en-US"/>
-              <a:t>レベル</a:t>
-            </a:r>
-          </a:p>
-          <a:p>
-            <a:pPr lvl="4"/>
-            <a:r>
-              <a:rPr lang="ja-JP" altLang="en-US"/>
-              <a:t>第 </a:t>
-            </a:r>
-            <a:r>
-              <a:rPr lang="en-US" altLang="ja-JP"/>
-              <a:t>5 </a:t>
-            </a:r>
-            <a:r>
-              <a:rPr lang="ja-JP" altLang="en-US"/>
-              <a:t>レベル</a:t>
-            </a:r>
-            <a:endParaRPr lang="en-US" dirty="0"/>
-          </a:p>
-        </p:txBody>
-      </p:sp>
-      <p:sp>
-        <p:nvSpPr>
-          <p:cNvPr id="5" name="Text Placeholder 4"/>
-          <p:cNvSpPr>
-            <a:spLocks noGrp="1"/>
-          </p:cNvSpPr>
-          <p:nvPr>
-            <p:ph type="body" sz="quarter" idx="3"/>
-          </p:nvPr>
-        </p:nvSpPr>
-        <p:spPr>
-          <a:xfrm>
-            <a:off x="7654172" y="2620980"/>
-            <a:ext cx="6427693" cy="1284502"/>
-          </a:xfrm>
-        </p:spPr>
-        <p:txBody>
-          <a:bodyPr anchor="b"/>
-          <a:lstStyle>
-            <a:lvl1pPr marL="0" indent="0">
-              <a:buNone/>
-              <a:defRPr sz="3742" b="1"/>
-            </a:lvl1pPr>
-            <a:lvl2pPr marL="712775" indent="0">
-              <a:buNone/>
-              <a:defRPr sz="3118" b="1"/>
-            </a:lvl2pPr>
-            <a:lvl3pPr marL="1425550" indent="0">
-              <a:buNone/>
-              <a:defRPr sz="2806" b="1"/>
-            </a:lvl3pPr>
-            <a:lvl4pPr marL="2138324" indent="0">
-              <a:buNone/>
-              <a:defRPr sz="2494" b="1"/>
-            </a:lvl4pPr>
-            <a:lvl5pPr marL="2851099" indent="0">
-              <a:buNone/>
-              <a:defRPr sz="2494" b="1"/>
-            </a:lvl5pPr>
-            <a:lvl6pPr marL="3563874" indent="0">
-              <a:buNone/>
-              <a:defRPr sz="2494" b="1"/>
-            </a:lvl6pPr>
-            <a:lvl7pPr marL="4276649" indent="0">
-              <a:buNone/>
-              <a:defRPr sz="2494" b="1"/>
-            </a:lvl7pPr>
-            <a:lvl8pPr marL="4989424" indent="0">
-              <a:buNone/>
-              <a:defRPr sz="2494" b="1"/>
-            </a:lvl8pPr>
-            <a:lvl9pPr marL="5702198" indent="0">
-              <a:buNone/>
-              <a:defRPr sz="2494" b="1"/>
-            </a:lvl9pPr>
-          </a:lstStyle>
-          <a:p>
-            <a:pPr lvl="0"/>
-            <a:r>
-              <a:rPr lang="ja-JP" altLang="en-US"/>
-              <a:t>マスター テキストの書式設定</a:t>
-            </a:r>
-          </a:p>
-        </p:txBody>
-      </p:sp>
-      <p:sp>
-        <p:nvSpPr>
-          <p:cNvPr id="6" name="Content Placeholder 5"/>
-          <p:cNvSpPr>
-            <a:spLocks noGrp="1"/>
-          </p:cNvSpPr>
-          <p:nvPr>
-            <p:ph sz="quarter" idx="4"/>
-          </p:nvPr>
-        </p:nvSpPr>
-        <p:spPr>
-          <a:xfrm>
-            <a:off x="7654172" y="3905482"/>
-            <a:ext cx="6427693" cy="5744375"/>
-          </a:xfrm>
-        </p:spPr>
-        <p:txBody>
-          <a:bodyPr/>
-          <a:lstStyle/>
-          <a:p>
-            <a:pPr lvl="0"/>
-            <a:r>
-              <a:rPr lang="ja-JP" altLang="en-US"/>
-              <a:t>マスター テキストの書式設定</a:t>
-            </a:r>
-          </a:p>
-          <a:p>
-            <a:pPr lvl="1"/>
-            <a:r>
-              <a:rPr lang="ja-JP" altLang="en-US"/>
-              <a:t>第 </a:t>
-            </a:r>
-            <a:r>
-              <a:rPr lang="en-US" altLang="ja-JP"/>
-              <a:t>2 </a:t>
-            </a:r>
-            <a:r>
-              <a:rPr lang="ja-JP" altLang="en-US"/>
-              <a:t>レベル</a:t>
-            </a:r>
-          </a:p>
-          <a:p>
-            <a:pPr lvl="2"/>
-            <a:r>
-              <a:rPr lang="ja-JP" altLang="en-US"/>
-              <a:t>第 </a:t>
-            </a:r>
-            <a:r>
-              <a:rPr lang="en-US" altLang="ja-JP"/>
-              <a:t>3 </a:t>
-            </a:r>
-            <a:r>
-              <a:rPr lang="ja-JP" altLang="en-US"/>
-              <a:t>レベル</a:t>
-            </a:r>
-          </a:p>
-          <a:p>
-            <a:pPr lvl="3"/>
-            <a:r>
-              <a:rPr lang="ja-JP" altLang="en-US"/>
-              <a:t>第 </a:t>
-            </a:r>
-            <a:r>
-              <a:rPr lang="en-US" altLang="ja-JP"/>
-              <a:t>4 </a:t>
-            </a:r>
-            <a:r>
-              <a:rPr lang="ja-JP" altLang="en-US"/>
-              <a:t>レベル</a:t>
-            </a:r>
-          </a:p>
-          <a:p>
-            <a:pPr lvl="4"/>
-            <a:r>
-              <a:rPr lang="ja-JP" altLang="en-US"/>
-              <a:t>第 </a:t>
-            </a:r>
-            <a:r>
-              <a:rPr lang="en-US" altLang="ja-JP"/>
-              <a:t>5 </a:t>
-            </a:r>
-            <a:r>
-              <a:rPr lang="ja-JP" altLang="en-US"/>
-              <a:t>レベル</a:t>
-            </a:r>
-            <a:endParaRPr lang="en-US" dirty="0"/>
-          </a:p>
-        </p:txBody>
-      </p:sp>
-      <p:sp>
-        <p:nvSpPr>
-          <p:cNvPr id="7" name="Date Placeholder 6"/>
-          <p:cNvSpPr>
-            <a:spLocks noGrp="1"/>
-          </p:cNvSpPr>
-          <p:nvPr>
-            <p:ph type="dt" sz="half" idx="10"/>
-          </p:nvPr>
-        </p:nvSpPr>
-        <p:spPr/>
-        <p:txBody>
-          <a:bodyPr/>
-          <a:lstStyle/>
-          <a:p>
-            <a:fld id="{C764DE79-268F-4C1A-8933-263129D2AF90}" type="datetimeFigureOut">
-              <a:rPr lang="en-US" dirty="0"/>
-              <a:t>8/4/2021</a:t>
-            </a:fld>
-            <a:endParaRPr lang="en-US" dirty="0"/>
-          </a:p>
-        </p:txBody>
-      </p:sp>
-      <p:sp>
-        <p:nvSpPr>
-          <p:cNvPr id="8" name="Footer Placeholder 7"/>
-          <p:cNvSpPr>
-            <a:spLocks noGrp="1"/>
-          </p:cNvSpPr>
-          <p:nvPr>
-            <p:ph type="ftr" sz="quarter" idx="11"/>
-          </p:nvPr>
-        </p:nvSpPr>
-        <p:spPr/>
-        <p:txBody>
-          <a:bodyPr/>
-          <a:lstStyle/>
-          <a:p>
-            <a:endParaRPr lang="en-US" dirty="0"/>
-          </a:p>
-        </p:txBody>
-      </p:sp>
-      <p:sp>
-        <p:nvSpPr>
-          <p:cNvPr id="9" name="Slide Number Placeholder 8"/>
-          <p:cNvSpPr>
-            <a:spLocks noGrp="1"/>
-          </p:cNvSpPr>
-          <p:nvPr>
-            <p:ph type="sldNum" sz="quarter" idx="12"/>
-          </p:nvPr>
-        </p:nvSpPr>
-        <p:spPr/>
-        <p:txBody>
-          <a:bodyPr/>
-          <a:lstStyle/>
-          <a:p>
-            <a:fld id="{48F63A3B-78C7-47BE-AE5E-E10140E04643}" type="slidenum">
-              <a:rPr lang="en-US" dirty="0"/>
-              <a:t>‹#›</a:t>
-            </a:fld>
-            <a:endParaRPr lang="en-US" dirty="0"/>
-          </a:p>
-        </p:txBody>
-      </p:sp>
-    </p:spTree>
-    <p:extLst>
-      <p:ext uri="{BB962C8B-B14F-4D97-AF65-F5344CB8AC3E}">
-        <p14:creationId xmlns:p14="http://schemas.microsoft.com/office/powerpoint/2010/main" val="1360909617"/>
-      </p:ext>
-    </p:extLst>
-  </p:cSld>
-  <p:clrMapOvr>
-    <a:masterClrMapping/>
-  </p:clrMapOvr>
-</p:sldLayout>
-</file>
-
-<file path=ppt/slideLayouts/slideLayout22.xml><?xml version="1.0" encoding="utf-8"?>
-<p:sldLayout xmlns:a="http://schemas.openxmlformats.org/drawingml/2006/main" xmlns:r="http://schemas.openxmlformats.org/officeDocument/2006/relationships" xmlns:p="http://schemas.openxmlformats.org/presentationml/2006/main" type="titleOnly" preserve="1">
-  <p:cSld name="タイトルのみ">
-    <p:spTree>
-      <p:nvGrpSpPr>
-        <p:cNvPr id="1" name=""/>
-        <p:cNvGrpSpPr/>
-        <p:nvPr/>
-      </p:nvGrpSpPr>
-      <p:grpSpPr>
-        <a:xfrm>
-          <a:off x="0" y="0"/>
-          <a:ext cx="0" cy="0"/>
-          <a:chOff x="0" y="0"/>
-          <a:chExt cx="0" cy="0"/>
-        </a:xfrm>
-      </p:grpSpPr>
-      <p:sp>
-        <p:nvSpPr>
-          <p:cNvPr id="2" name="Title 1"/>
-          <p:cNvSpPr>
-            <a:spLocks noGrp="1"/>
-          </p:cNvSpPr>
-          <p:nvPr>
-            <p:ph type="title"/>
-          </p:nvPr>
-        </p:nvSpPr>
-        <p:spPr/>
-        <p:txBody>
-          <a:bodyPr/>
-          <a:lstStyle/>
-          <a:p>
-            <a:r>
-              <a:rPr lang="ja-JP" altLang="en-US"/>
-              <a:t>マスター タイトルの書式設定</a:t>
-            </a:r>
-            <a:endParaRPr lang="en-US" dirty="0"/>
-          </a:p>
-        </p:txBody>
-      </p:sp>
-      <p:sp>
-        <p:nvSpPr>
-          <p:cNvPr id="3" name="Date Placeholder 2"/>
-          <p:cNvSpPr>
-            <a:spLocks noGrp="1"/>
-          </p:cNvSpPr>
-          <p:nvPr>
-            <p:ph type="dt" sz="half" idx="10"/>
-          </p:nvPr>
-        </p:nvSpPr>
-        <p:spPr/>
-        <p:txBody>
-          <a:bodyPr/>
-          <a:lstStyle/>
-          <a:p>
-            <a:fld id="{C764DE79-268F-4C1A-8933-263129D2AF90}" type="datetimeFigureOut">
-              <a:rPr lang="en-US" dirty="0"/>
-              <a:t>8/4/2021</a:t>
-            </a:fld>
-            <a:endParaRPr lang="en-US" dirty="0"/>
-          </a:p>
-        </p:txBody>
-      </p:sp>
-      <p:sp>
-        <p:nvSpPr>
-          <p:cNvPr id="4" name="Footer Placeholder 3"/>
-          <p:cNvSpPr>
-            <a:spLocks noGrp="1"/>
-          </p:cNvSpPr>
-          <p:nvPr>
-            <p:ph type="ftr" sz="quarter" idx="11"/>
-          </p:nvPr>
-        </p:nvSpPr>
-        <p:spPr/>
-        <p:txBody>
-          <a:bodyPr/>
-          <a:lstStyle/>
-          <a:p>
-            <a:endParaRPr lang="en-US" dirty="0"/>
-          </a:p>
-        </p:txBody>
-      </p:sp>
-      <p:sp>
-        <p:nvSpPr>
-          <p:cNvPr id="5" name="Slide Number Placeholder 4"/>
-          <p:cNvSpPr>
-            <a:spLocks noGrp="1"/>
-          </p:cNvSpPr>
-          <p:nvPr>
-            <p:ph type="sldNum" sz="quarter" idx="12"/>
-          </p:nvPr>
-        </p:nvSpPr>
-        <p:spPr/>
-        <p:txBody>
-          <a:bodyPr/>
-          <a:lstStyle/>
-          <a:p>
-            <a:fld id="{48F63A3B-78C7-47BE-AE5E-E10140E04643}" type="slidenum">
-              <a:rPr lang="en-US" dirty="0"/>
-              <a:t>‹#›</a:t>
-            </a:fld>
-            <a:endParaRPr lang="en-US" dirty="0"/>
-          </a:p>
-        </p:txBody>
-      </p:sp>
-    </p:spTree>
-    <p:extLst>
-      <p:ext uri="{BB962C8B-B14F-4D97-AF65-F5344CB8AC3E}">
-        <p14:creationId xmlns:p14="http://schemas.microsoft.com/office/powerpoint/2010/main" val="992476743"/>
-      </p:ext>
-    </p:extLst>
-  </p:cSld>
-  <p:clrMapOvr>
-    <a:masterClrMapping/>
-  </p:clrMapOvr>
-</p:sldLayout>
-</file>
-
-<file path=ppt/slideLayouts/slideLayout23.xml><?xml version="1.0" encoding="utf-8"?>
-<p:sldLayout xmlns:a="http://schemas.openxmlformats.org/drawingml/2006/main" xmlns:r="http://schemas.openxmlformats.org/officeDocument/2006/relationships" xmlns:p="http://schemas.openxmlformats.org/presentationml/2006/main" type="blank" preserve="1">
-  <p:cSld name="白紙">
-    <p:spTree>
-      <p:nvGrpSpPr>
-        <p:cNvPr id="1" name=""/>
-        <p:cNvGrpSpPr/>
-        <p:nvPr/>
-      </p:nvGrpSpPr>
-      <p:grpSpPr>
-        <a:xfrm>
-          <a:off x="0" y="0"/>
-          <a:ext cx="0" cy="0"/>
-          <a:chOff x="0" y="0"/>
-          <a:chExt cx="0" cy="0"/>
-        </a:xfrm>
-      </p:grpSpPr>
-      <p:sp>
-        <p:nvSpPr>
-          <p:cNvPr id="2" name="Date Placeholder 1"/>
-          <p:cNvSpPr>
-            <a:spLocks noGrp="1"/>
-          </p:cNvSpPr>
-          <p:nvPr>
-            <p:ph type="dt" sz="half" idx="10"/>
-          </p:nvPr>
-        </p:nvSpPr>
-        <p:spPr/>
-        <p:txBody>
-          <a:bodyPr/>
-          <a:lstStyle/>
-          <a:p>
-            <a:fld id="{C764DE79-268F-4C1A-8933-263129D2AF90}" type="datetimeFigureOut">
-              <a:rPr lang="en-US" dirty="0"/>
-              <a:t>8/4/2021</a:t>
-            </a:fld>
-            <a:endParaRPr lang="en-US" dirty="0"/>
-          </a:p>
-        </p:txBody>
-      </p:sp>
-      <p:sp>
-        <p:nvSpPr>
-          <p:cNvPr id="3" name="Footer Placeholder 2"/>
-          <p:cNvSpPr>
-            <a:spLocks noGrp="1"/>
-          </p:cNvSpPr>
-          <p:nvPr>
-            <p:ph type="ftr" sz="quarter" idx="11"/>
-          </p:nvPr>
-        </p:nvSpPr>
-        <p:spPr/>
-        <p:txBody>
-          <a:bodyPr/>
-          <a:lstStyle/>
-          <a:p>
-            <a:endParaRPr lang="en-US" dirty="0"/>
-          </a:p>
-        </p:txBody>
-      </p:sp>
-      <p:sp>
-        <p:nvSpPr>
-          <p:cNvPr id="4" name="Slide Number Placeholder 3"/>
-          <p:cNvSpPr>
-            <a:spLocks noGrp="1"/>
-          </p:cNvSpPr>
-          <p:nvPr>
-            <p:ph type="sldNum" sz="quarter" idx="12"/>
-          </p:nvPr>
-        </p:nvSpPr>
-        <p:spPr/>
-        <p:txBody>
-          <a:bodyPr/>
-          <a:lstStyle/>
-          <a:p>
-            <a:fld id="{48F63A3B-78C7-47BE-AE5E-E10140E04643}" type="slidenum">
-              <a:rPr lang="en-US" dirty="0"/>
-              <a:t>‹#›</a:t>
-            </a:fld>
-            <a:endParaRPr lang="en-US" dirty="0"/>
-          </a:p>
-        </p:txBody>
-      </p:sp>
-    </p:spTree>
-    <p:extLst>
-      <p:ext uri="{BB962C8B-B14F-4D97-AF65-F5344CB8AC3E}">
-        <p14:creationId xmlns:p14="http://schemas.microsoft.com/office/powerpoint/2010/main" val="3946857371"/>
-      </p:ext>
-    </p:extLst>
-  </p:cSld>
-  <p:clrMapOvr>
-    <a:masterClrMapping/>
-  </p:clrMapOvr>
-</p:sldLayout>
-</file>
-
-<file path=ppt/slideLayouts/slideLayout24.xml><?xml version="1.0" encoding="utf-8"?>
-<p:sldLayout xmlns:a="http://schemas.openxmlformats.org/drawingml/2006/main" xmlns:r="http://schemas.openxmlformats.org/officeDocument/2006/relationships" xmlns:p="http://schemas.openxmlformats.org/presentationml/2006/main" type="objTx" preserve="1">
-  <p:cSld name="タイトル付きのコンテンツ">
-    <p:spTree>
-      <p:nvGrpSpPr>
-        <p:cNvPr id="1" name=""/>
-        <p:cNvGrpSpPr/>
-        <p:nvPr/>
-      </p:nvGrpSpPr>
-      <p:grpSpPr>
-        <a:xfrm>
-          <a:off x="0" y="0"/>
-          <a:ext cx="0" cy="0"/>
-          <a:chOff x="0" y="0"/>
-          <a:chExt cx="0" cy="0"/>
-        </a:xfrm>
-      </p:grpSpPr>
-      <p:sp>
-        <p:nvSpPr>
-          <p:cNvPr id="2" name="Title 1"/>
-          <p:cNvSpPr>
-            <a:spLocks noGrp="1"/>
-          </p:cNvSpPr>
-          <p:nvPr>
-            <p:ph type="title"/>
-          </p:nvPr>
-        </p:nvSpPr>
-        <p:spPr>
-          <a:xfrm>
-            <a:off x="1041425" y="712788"/>
-            <a:ext cx="4876384" cy="2494756"/>
-          </a:xfrm>
-        </p:spPr>
-        <p:txBody>
-          <a:bodyPr anchor="b"/>
-          <a:lstStyle>
-            <a:lvl1pPr>
-              <a:defRPr sz="4989"/>
-            </a:lvl1pPr>
-          </a:lstStyle>
-          <a:p>
-            <a:r>
-              <a:rPr lang="ja-JP" altLang="en-US"/>
-              <a:t>マスター タイトルの書式設定</a:t>
-            </a:r>
-            <a:endParaRPr lang="en-US" dirty="0"/>
-          </a:p>
-        </p:txBody>
-      </p:sp>
-      <p:sp>
-        <p:nvSpPr>
-          <p:cNvPr id="3" name="Content Placeholder 2"/>
-          <p:cNvSpPr>
-            <a:spLocks noGrp="1"/>
-          </p:cNvSpPr>
-          <p:nvPr>
-            <p:ph idx="1"/>
-          </p:nvPr>
-        </p:nvSpPr>
-        <p:spPr>
-          <a:xfrm>
-            <a:off x="6427693" y="1539425"/>
-            <a:ext cx="7654171" cy="7598117"/>
-          </a:xfrm>
-        </p:spPr>
-        <p:txBody>
-          <a:bodyPr/>
-          <a:lstStyle>
-            <a:lvl1pPr>
-              <a:defRPr sz="4989"/>
-            </a:lvl1pPr>
-            <a:lvl2pPr>
-              <a:defRPr sz="4365"/>
-            </a:lvl2pPr>
-            <a:lvl3pPr>
-              <a:defRPr sz="3742"/>
-            </a:lvl3pPr>
-            <a:lvl4pPr>
-              <a:defRPr sz="3118"/>
-            </a:lvl4pPr>
-            <a:lvl5pPr>
-              <a:defRPr sz="3118"/>
-            </a:lvl5pPr>
-            <a:lvl6pPr>
-              <a:defRPr sz="3118"/>
-            </a:lvl6pPr>
-            <a:lvl7pPr>
-              <a:defRPr sz="3118"/>
-            </a:lvl7pPr>
-            <a:lvl8pPr>
-              <a:defRPr sz="3118"/>
-            </a:lvl8pPr>
-            <a:lvl9pPr>
-              <a:defRPr sz="3118"/>
-            </a:lvl9pPr>
-          </a:lstStyle>
-          <a:p>
-            <a:pPr lvl="0"/>
-            <a:r>
-              <a:rPr lang="ja-JP" altLang="en-US"/>
-              <a:t>マスター テキストの書式設定</a:t>
-            </a:r>
-          </a:p>
-          <a:p>
-            <a:pPr lvl="1"/>
-            <a:r>
-              <a:rPr lang="ja-JP" altLang="en-US"/>
-              <a:t>第 </a:t>
-            </a:r>
-            <a:r>
-              <a:rPr lang="en-US" altLang="ja-JP"/>
-              <a:t>2 </a:t>
-            </a:r>
-            <a:r>
-              <a:rPr lang="ja-JP" altLang="en-US"/>
-              <a:t>レベル</a:t>
-            </a:r>
-          </a:p>
-          <a:p>
-            <a:pPr lvl="2"/>
-            <a:r>
-              <a:rPr lang="ja-JP" altLang="en-US"/>
-              <a:t>第 </a:t>
-            </a:r>
-            <a:r>
-              <a:rPr lang="en-US" altLang="ja-JP"/>
-              <a:t>3 </a:t>
-            </a:r>
-            <a:r>
-              <a:rPr lang="ja-JP" altLang="en-US"/>
-              <a:t>レベル</a:t>
-            </a:r>
-          </a:p>
-          <a:p>
-            <a:pPr lvl="3"/>
-            <a:r>
-              <a:rPr lang="ja-JP" altLang="en-US"/>
-              <a:t>第 </a:t>
-            </a:r>
-            <a:r>
-              <a:rPr lang="en-US" altLang="ja-JP"/>
-              <a:t>4 </a:t>
-            </a:r>
-            <a:r>
-              <a:rPr lang="ja-JP" altLang="en-US"/>
-              <a:t>レベル</a:t>
-            </a:r>
-          </a:p>
-          <a:p>
-            <a:pPr lvl="4"/>
-            <a:r>
-              <a:rPr lang="ja-JP" altLang="en-US"/>
-              <a:t>第 </a:t>
-            </a:r>
-            <a:r>
-              <a:rPr lang="en-US" altLang="ja-JP"/>
-              <a:t>5 </a:t>
-            </a:r>
-            <a:r>
-              <a:rPr lang="ja-JP" altLang="en-US"/>
-              <a:t>レベル</a:t>
-            </a:r>
-            <a:endParaRPr lang="en-US" dirty="0"/>
-          </a:p>
-        </p:txBody>
-      </p:sp>
-      <p:sp>
-        <p:nvSpPr>
-          <p:cNvPr id="4" name="Text Placeholder 3"/>
-          <p:cNvSpPr>
-            <a:spLocks noGrp="1"/>
-          </p:cNvSpPr>
-          <p:nvPr>
-            <p:ph type="body" sz="half" idx="2"/>
-          </p:nvPr>
-        </p:nvSpPr>
-        <p:spPr>
-          <a:xfrm>
-            <a:off x="1041425" y="3207544"/>
-            <a:ext cx="4876384" cy="5942372"/>
-          </a:xfrm>
-        </p:spPr>
-        <p:txBody>
-          <a:bodyPr/>
-          <a:lstStyle>
-            <a:lvl1pPr marL="0" indent="0">
-              <a:buNone/>
-              <a:defRPr sz="2494"/>
-            </a:lvl1pPr>
-            <a:lvl2pPr marL="712775" indent="0">
-              <a:buNone/>
-              <a:defRPr sz="2183"/>
-            </a:lvl2pPr>
-            <a:lvl3pPr marL="1425550" indent="0">
-              <a:buNone/>
-              <a:defRPr sz="1871"/>
-            </a:lvl3pPr>
-            <a:lvl4pPr marL="2138324" indent="0">
-              <a:buNone/>
-              <a:defRPr sz="1559"/>
-            </a:lvl4pPr>
-            <a:lvl5pPr marL="2851099" indent="0">
-              <a:buNone/>
-              <a:defRPr sz="1559"/>
-            </a:lvl5pPr>
-            <a:lvl6pPr marL="3563874" indent="0">
-              <a:buNone/>
-              <a:defRPr sz="1559"/>
-            </a:lvl6pPr>
-            <a:lvl7pPr marL="4276649" indent="0">
-              <a:buNone/>
-              <a:defRPr sz="1559"/>
-            </a:lvl7pPr>
-            <a:lvl8pPr marL="4989424" indent="0">
-              <a:buNone/>
-              <a:defRPr sz="1559"/>
-            </a:lvl8pPr>
-            <a:lvl9pPr marL="5702198" indent="0">
-              <a:buNone/>
-              <a:defRPr sz="1559"/>
-            </a:lvl9pPr>
-          </a:lstStyle>
-          <a:p>
-            <a:pPr lvl="0"/>
-            <a:r>
-              <a:rPr lang="ja-JP" altLang="en-US"/>
-              <a:t>マスター テキストの書式設定</a:t>
-            </a:r>
-          </a:p>
-        </p:txBody>
-      </p:sp>
-      <p:sp>
-        <p:nvSpPr>
-          <p:cNvPr id="5" name="Date Placeholder 4"/>
-          <p:cNvSpPr>
-            <a:spLocks noGrp="1"/>
-          </p:cNvSpPr>
-          <p:nvPr>
-            <p:ph type="dt" sz="half" idx="10"/>
-          </p:nvPr>
-        </p:nvSpPr>
-        <p:spPr/>
-        <p:txBody>
-          <a:bodyPr/>
-          <a:lstStyle/>
-          <a:p>
-            <a:fld id="{C764DE79-268F-4C1A-8933-263129D2AF90}" type="datetimeFigureOut">
-              <a:rPr lang="en-US" dirty="0"/>
-              <a:t>8/4/2021</a:t>
-            </a:fld>
-            <a:endParaRPr lang="en-US" dirty="0"/>
-          </a:p>
-        </p:txBody>
-      </p:sp>
-      <p:sp>
-        <p:nvSpPr>
-          <p:cNvPr id="6" name="Footer Placeholder 5"/>
-          <p:cNvSpPr>
-            <a:spLocks noGrp="1"/>
-          </p:cNvSpPr>
-          <p:nvPr>
-            <p:ph type="ftr" sz="quarter" idx="11"/>
-          </p:nvPr>
-        </p:nvSpPr>
-        <p:spPr/>
-        <p:txBody>
-          <a:bodyPr/>
-          <a:lstStyle/>
-          <a:p>
-            <a:endParaRPr lang="en-US" dirty="0"/>
-          </a:p>
-        </p:txBody>
-      </p:sp>
-      <p:sp>
-        <p:nvSpPr>
-          <p:cNvPr id="7" name="Slide Number Placeholder 6"/>
-          <p:cNvSpPr>
-            <a:spLocks noGrp="1"/>
-          </p:cNvSpPr>
-          <p:nvPr>
-            <p:ph type="sldNum" sz="quarter" idx="12"/>
-          </p:nvPr>
-        </p:nvSpPr>
-        <p:spPr/>
-        <p:txBody>
-          <a:bodyPr/>
-          <a:lstStyle/>
-          <a:p>
-            <a:fld id="{48F63A3B-78C7-47BE-AE5E-E10140E04643}" type="slidenum">
-              <a:rPr lang="en-US" dirty="0"/>
-              <a:t>‹#›</a:t>
-            </a:fld>
-            <a:endParaRPr lang="en-US" dirty="0"/>
-          </a:p>
-        </p:txBody>
-      </p:sp>
-    </p:spTree>
-    <p:extLst>
-      <p:ext uri="{BB962C8B-B14F-4D97-AF65-F5344CB8AC3E}">
-        <p14:creationId xmlns:p14="http://schemas.microsoft.com/office/powerpoint/2010/main" val="1486624914"/>
-      </p:ext>
-    </p:extLst>
-  </p:cSld>
-  <p:clrMapOvr>
-    <a:masterClrMapping/>
-  </p:clrMapOvr>
-</p:sldLayout>
-</file>
-
-<file path=ppt/slideLayouts/slideLayout25.xml><?xml version="1.0" encoding="utf-8"?>
-<p:sldLayout xmlns:a="http://schemas.openxmlformats.org/drawingml/2006/main" xmlns:r="http://schemas.openxmlformats.org/officeDocument/2006/relationships" xmlns:p="http://schemas.openxmlformats.org/presentationml/2006/main" type="picTx" preserve="1">
-  <p:cSld name="タイトル付きの図">
-    <p:spTree>
-      <p:nvGrpSpPr>
-        <p:cNvPr id="1" name=""/>
-        <p:cNvGrpSpPr/>
-        <p:nvPr/>
-      </p:nvGrpSpPr>
-      <p:grpSpPr>
-        <a:xfrm>
-          <a:off x="0" y="0"/>
-          <a:ext cx="0" cy="0"/>
-          <a:chOff x="0" y="0"/>
-          <a:chExt cx="0" cy="0"/>
-        </a:xfrm>
-      </p:grpSpPr>
-      <p:sp>
-        <p:nvSpPr>
-          <p:cNvPr id="2" name="Title 1"/>
-          <p:cNvSpPr>
-            <a:spLocks noGrp="1"/>
-          </p:cNvSpPr>
-          <p:nvPr>
-            <p:ph type="title"/>
-          </p:nvPr>
-        </p:nvSpPr>
-        <p:spPr>
-          <a:xfrm>
-            <a:off x="1041425" y="712788"/>
-            <a:ext cx="4876384" cy="2494756"/>
-          </a:xfrm>
-        </p:spPr>
-        <p:txBody>
-          <a:bodyPr anchor="b"/>
-          <a:lstStyle>
-            <a:lvl1pPr>
-              <a:defRPr sz="4989"/>
-            </a:lvl1pPr>
-          </a:lstStyle>
-          <a:p>
-            <a:r>
-              <a:rPr lang="ja-JP" altLang="en-US"/>
-              <a:t>マスター タイトルの書式設定</a:t>
-            </a:r>
-            <a:endParaRPr lang="en-US" dirty="0"/>
-          </a:p>
-        </p:txBody>
-      </p:sp>
-      <p:sp>
-        <p:nvSpPr>
-          <p:cNvPr id="3" name="Picture Placeholder 2"/>
-          <p:cNvSpPr>
-            <a:spLocks noGrp="1" noChangeAspect="1"/>
-          </p:cNvSpPr>
-          <p:nvPr>
-            <p:ph type="pic" idx="1"/>
-          </p:nvPr>
-        </p:nvSpPr>
-        <p:spPr>
-          <a:xfrm>
-            <a:off x="6427693" y="1539425"/>
-            <a:ext cx="7654171" cy="7598117"/>
-          </a:xfrm>
-        </p:spPr>
-        <p:txBody>
-          <a:bodyPr anchor="t"/>
-          <a:lstStyle>
-            <a:lvl1pPr marL="0" indent="0">
-              <a:buNone/>
-              <a:defRPr sz="4989"/>
-            </a:lvl1pPr>
-            <a:lvl2pPr marL="712775" indent="0">
-              <a:buNone/>
-              <a:defRPr sz="4365"/>
-            </a:lvl2pPr>
-            <a:lvl3pPr marL="1425550" indent="0">
-              <a:buNone/>
-              <a:defRPr sz="3742"/>
-            </a:lvl3pPr>
-            <a:lvl4pPr marL="2138324" indent="0">
-              <a:buNone/>
-              <a:defRPr sz="3118"/>
-            </a:lvl4pPr>
-            <a:lvl5pPr marL="2851099" indent="0">
-              <a:buNone/>
-              <a:defRPr sz="3118"/>
-            </a:lvl5pPr>
-            <a:lvl6pPr marL="3563874" indent="0">
-              <a:buNone/>
-              <a:defRPr sz="3118"/>
-            </a:lvl6pPr>
-            <a:lvl7pPr marL="4276649" indent="0">
-              <a:buNone/>
-              <a:defRPr sz="3118"/>
-            </a:lvl7pPr>
-            <a:lvl8pPr marL="4989424" indent="0">
-              <a:buNone/>
-              <a:defRPr sz="3118"/>
-            </a:lvl8pPr>
-            <a:lvl9pPr marL="5702198" indent="0">
-              <a:buNone/>
-              <a:defRPr sz="3118"/>
-            </a:lvl9pPr>
-          </a:lstStyle>
-          <a:p>
-            <a:r>
-              <a:rPr lang="ja-JP" altLang="en-US"/>
-              <a:t>アイコンをクリックして図を追加</a:t>
-            </a:r>
-            <a:endParaRPr lang="en-US" dirty="0"/>
-          </a:p>
-        </p:txBody>
-      </p:sp>
-      <p:sp>
-        <p:nvSpPr>
-          <p:cNvPr id="4" name="Text Placeholder 3"/>
-          <p:cNvSpPr>
-            <a:spLocks noGrp="1"/>
-          </p:cNvSpPr>
-          <p:nvPr>
-            <p:ph type="body" sz="half" idx="2"/>
-          </p:nvPr>
-        </p:nvSpPr>
-        <p:spPr>
-          <a:xfrm>
-            <a:off x="1041425" y="3207544"/>
-            <a:ext cx="4876384" cy="5942372"/>
-          </a:xfrm>
-        </p:spPr>
-        <p:txBody>
-          <a:bodyPr/>
-          <a:lstStyle>
-            <a:lvl1pPr marL="0" indent="0">
-              <a:buNone/>
-              <a:defRPr sz="2494"/>
-            </a:lvl1pPr>
-            <a:lvl2pPr marL="712775" indent="0">
-              <a:buNone/>
-              <a:defRPr sz="2183"/>
-            </a:lvl2pPr>
-            <a:lvl3pPr marL="1425550" indent="0">
-              <a:buNone/>
-              <a:defRPr sz="1871"/>
-            </a:lvl3pPr>
-            <a:lvl4pPr marL="2138324" indent="0">
-              <a:buNone/>
-              <a:defRPr sz="1559"/>
-            </a:lvl4pPr>
-            <a:lvl5pPr marL="2851099" indent="0">
-              <a:buNone/>
-              <a:defRPr sz="1559"/>
-            </a:lvl5pPr>
-            <a:lvl6pPr marL="3563874" indent="0">
-              <a:buNone/>
-              <a:defRPr sz="1559"/>
-            </a:lvl6pPr>
-            <a:lvl7pPr marL="4276649" indent="0">
-              <a:buNone/>
-              <a:defRPr sz="1559"/>
-            </a:lvl7pPr>
-            <a:lvl8pPr marL="4989424" indent="0">
-              <a:buNone/>
-              <a:defRPr sz="1559"/>
-            </a:lvl8pPr>
-            <a:lvl9pPr marL="5702198" indent="0">
-              <a:buNone/>
-              <a:defRPr sz="1559"/>
-            </a:lvl9pPr>
-          </a:lstStyle>
-          <a:p>
-            <a:pPr lvl="0"/>
-            <a:r>
-              <a:rPr lang="ja-JP" altLang="en-US"/>
-              <a:t>マスター テキストの書式設定</a:t>
-            </a:r>
-          </a:p>
-        </p:txBody>
-      </p:sp>
-      <p:sp>
-        <p:nvSpPr>
-          <p:cNvPr id="5" name="Date Placeholder 4"/>
-          <p:cNvSpPr>
-            <a:spLocks noGrp="1"/>
-          </p:cNvSpPr>
-          <p:nvPr>
-            <p:ph type="dt" sz="half" idx="10"/>
-          </p:nvPr>
-        </p:nvSpPr>
-        <p:spPr/>
-        <p:txBody>
-          <a:bodyPr/>
-          <a:lstStyle/>
-          <a:p>
-            <a:fld id="{C764DE79-268F-4C1A-8933-263129D2AF90}" type="datetimeFigureOut">
-              <a:rPr lang="en-US" dirty="0"/>
-              <a:t>8/4/2021</a:t>
-            </a:fld>
-            <a:endParaRPr lang="en-US" dirty="0"/>
-          </a:p>
-        </p:txBody>
-      </p:sp>
-      <p:sp>
-        <p:nvSpPr>
-          <p:cNvPr id="6" name="Footer Placeholder 5"/>
-          <p:cNvSpPr>
-            <a:spLocks noGrp="1"/>
-          </p:cNvSpPr>
-          <p:nvPr>
-            <p:ph type="ftr" sz="quarter" idx="11"/>
-          </p:nvPr>
-        </p:nvSpPr>
-        <p:spPr/>
-        <p:txBody>
-          <a:bodyPr/>
-          <a:lstStyle/>
-          <a:p>
-            <a:endParaRPr lang="en-US" dirty="0"/>
-          </a:p>
-        </p:txBody>
-      </p:sp>
-      <p:sp>
-        <p:nvSpPr>
-          <p:cNvPr id="7" name="Slide Number Placeholder 6"/>
-          <p:cNvSpPr>
-            <a:spLocks noGrp="1"/>
-          </p:cNvSpPr>
-          <p:nvPr>
-            <p:ph type="sldNum" sz="quarter" idx="12"/>
-          </p:nvPr>
-        </p:nvSpPr>
-        <p:spPr/>
-        <p:txBody>
-          <a:bodyPr/>
-          <a:lstStyle/>
-          <a:p>
-            <a:fld id="{48F63A3B-78C7-47BE-AE5E-E10140E04643}" type="slidenum">
-              <a:rPr lang="en-US" dirty="0"/>
-              <a:t>‹#›</a:t>
-            </a:fld>
-            <a:endParaRPr lang="en-US" dirty="0"/>
-          </a:p>
-        </p:txBody>
-      </p:sp>
-    </p:spTree>
-    <p:extLst>
-      <p:ext uri="{BB962C8B-B14F-4D97-AF65-F5344CB8AC3E}">
-        <p14:creationId xmlns:p14="http://schemas.microsoft.com/office/powerpoint/2010/main" val="1253377483"/>
-      </p:ext>
-    </p:extLst>
-  </p:cSld>
-  <p:clrMapOvr>
-    <a:masterClrMapping/>
-  </p:clrMapOvr>
-</p:sldLayout>
-</file>
-
-<file path=ppt/slideLayouts/slideLayout26.xml><?xml version="1.0" encoding="utf-8"?>
-<p:sldLayout xmlns:a="http://schemas.openxmlformats.org/drawingml/2006/main" xmlns:r="http://schemas.openxmlformats.org/officeDocument/2006/relationships" xmlns:p="http://schemas.openxmlformats.org/presentationml/2006/main" type="vertTx" preserve="1">
-  <p:cSld name="タイトルと縦書きテキスト">
-    <p:spTree>
-      <p:nvGrpSpPr>
-        <p:cNvPr id="1" name=""/>
-        <p:cNvGrpSpPr/>
-        <p:nvPr/>
-      </p:nvGrpSpPr>
-      <p:grpSpPr>
-        <a:xfrm>
-          <a:off x="0" y="0"/>
-          <a:ext cx="0" cy="0"/>
-          <a:chOff x="0" y="0"/>
-          <a:chExt cx="0" cy="0"/>
-        </a:xfrm>
-      </p:grpSpPr>
-      <p:sp>
-        <p:nvSpPr>
-          <p:cNvPr id="2" name="Title 1"/>
-          <p:cNvSpPr>
-            <a:spLocks noGrp="1"/>
-          </p:cNvSpPr>
-          <p:nvPr>
-            <p:ph type="title"/>
-          </p:nvPr>
-        </p:nvSpPr>
-        <p:spPr/>
-        <p:txBody>
-          <a:bodyPr/>
-          <a:lstStyle/>
-          <a:p>
-            <a:r>
-              <a:rPr lang="ja-JP" altLang="en-US"/>
-              <a:t>マスター タイトルの書式設定</a:t>
-            </a:r>
-            <a:endParaRPr lang="en-US" dirty="0"/>
-          </a:p>
-        </p:txBody>
-      </p:sp>
-      <p:sp>
-        <p:nvSpPr>
-          <p:cNvPr id="3" name="Vertical Text Placeholder 2"/>
-          <p:cNvSpPr>
-            <a:spLocks noGrp="1"/>
-          </p:cNvSpPr>
-          <p:nvPr>
-            <p:ph type="body" orient="vert" idx="1"/>
-          </p:nvPr>
-        </p:nvSpPr>
-        <p:spPr/>
-        <p:txBody>
-          <a:bodyPr vert="eaVert"/>
-          <a:lstStyle/>
-          <a:p>
-            <a:pPr lvl="0"/>
-            <a:r>
-              <a:rPr lang="ja-JP" altLang="en-US"/>
-              <a:t>マスター テキストの書式設定</a:t>
-            </a:r>
-          </a:p>
-          <a:p>
-            <a:pPr lvl="1"/>
-            <a:r>
-              <a:rPr lang="ja-JP" altLang="en-US"/>
-              <a:t>第 </a:t>
-            </a:r>
-            <a:r>
-              <a:rPr lang="en-US" altLang="ja-JP"/>
-              <a:t>2 </a:t>
-            </a:r>
-            <a:r>
-              <a:rPr lang="ja-JP" altLang="en-US"/>
-              <a:t>レベル</a:t>
-            </a:r>
-          </a:p>
-          <a:p>
-            <a:pPr lvl="2"/>
-            <a:r>
-              <a:rPr lang="ja-JP" altLang="en-US"/>
-              <a:t>第 </a:t>
-            </a:r>
-            <a:r>
-              <a:rPr lang="en-US" altLang="ja-JP"/>
-              <a:t>3 </a:t>
-            </a:r>
-            <a:r>
-              <a:rPr lang="ja-JP" altLang="en-US"/>
-              <a:t>レベル</a:t>
-            </a:r>
-          </a:p>
-          <a:p>
-            <a:pPr lvl="3"/>
-            <a:r>
-              <a:rPr lang="ja-JP" altLang="en-US"/>
-              <a:t>第 </a:t>
-            </a:r>
-            <a:r>
-              <a:rPr lang="en-US" altLang="ja-JP"/>
-              <a:t>4 </a:t>
-            </a:r>
-            <a:r>
-              <a:rPr lang="ja-JP" altLang="en-US"/>
-              <a:t>レベル</a:t>
-            </a:r>
-          </a:p>
-          <a:p>
-            <a:pPr lvl="4"/>
-            <a:r>
-              <a:rPr lang="ja-JP" altLang="en-US"/>
-              <a:t>第 </a:t>
-            </a:r>
-            <a:r>
-              <a:rPr lang="en-US" altLang="ja-JP"/>
-              <a:t>5 </a:t>
-            </a:r>
-            <a:r>
-              <a:rPr lang="ja-JP" altLang="en-US"/>
-              <a:t>レベル</a:t>
-            </a:r>
-            <a:endParaRPr lang="en-US" dirty="0"/>
-          </a:p>
-        </p:txBody>
-      </p:sp>
-      <p:sp>
-        <p:nvSpPr>
-          <p:cNvPr id="4" name="Date Placeholder 3"/>
-          <p:cNvSpPr>
-            <a:spLocks noGrp="1"/>
-          </p:cNvSpPr>
-          <p:nvPr>
-            <p:ph type="dt" sz="half" idx="10"/>
-          </p:nvPr>
-        </p:nvSpPr>
-        <p:spPr/>
-        <p:txBody>
-          <a:bodyPr/>
-          <a:lstStyle/>
-          <a:p>
-            <a:fld id="{C764DE79-268F-4C1A-8933-263129D2AF90}" type="datetimeFigureOut">
-              <a:rPr lang="en-US" dirty="0"/>
-              <a:t>8/4/2021</a:t>
-            </a:fld>
-            <a:endParaRPr lang="en-US" dirty="0"/>
-          </a:p>
-        </p:txBody>
-      </p:sp>
-      <p:sp>
-        <p:nvSpPr>
-          <p:cNvPr id="5" name="Footer Placeholder 4"/>
-          <p:cNvSpPr>
-            <a:spLocks noGrp="1"/>
-          </p:cNvSpPr>
-          <p:nvPr>
-            <p:ph type="ftr" sz="quarter" idx="11"/>
-          </p:nvPr>
-        </p:nvSpPr>
-        <p:spPr/>
-        <p:txBody>
-          <a:bodyPr/>
-          <a:lstStyle/>
-          <a:p>
-            <a:endParaRPr lang="en-US" dirty="0"/>
-          </a:p>
-        </p:txBody>
-      </p:sp>
-      <p:sp>
-        <p:nvSpPr>
-          <p:cNvPr id="6" name="Slide Number Placeholder 5"/>
-          <p:cNvSpPr>
-            <a:spLocks noGrp="1"/>
-          </p:cNvSpPr>
-          <p:nvPr>
-            <p:ph type="sldNum" sz="quarter" idx="12"/>
-          </p:nvPr>
-        </p:nvSpPr>
-        <p:spPr/>
-        <p:txBody>
-          <a:bodyPr/>
-          <a:lstStyle/>
-          <a:p>
-            <a:fld id="{48F63A3B-78C7-47BE-AE5E-E10140E04643}" type="slidenum">
-              <a:rPr lang="en-US" dirty="0"/>
-              <a:t>‹#›</a:t>
-            </a:fld>
-            <a:endParaRPr lang="en-US" dirty="0"/>
-          </a:p>
-        </p:txBody>
-      </p:sp>
-    </p:spTree>
-    <p:extLst>
-      <p:ext uri="{BB962C8B-B14F-4D97-AF65-F5344CB8AC3E}">
-        <p14:creationId xmlns:p14="http://schemas.microsoft.com/office/powerpoint/2010/main" val="3833267850"/>
-      </p:ext>
-    </p:extLst>
-  </p:cSld>
-  <p:clrMapOvr>
-    <a:masterClrMapping/>
-  </p:clrMapOvr>
-</p:sldLayout>
-</file>
-
-<file path=ppt/slideLayouts/slideLayout27.xml><?xml version="1.0" encoding="utf-8"?>
-<p:sldLayout xmlns:a="http://schemas.openxmlformats.org/drawingml/2006/main" xmlns:r="http://schemas.openxmlformats.org/officeDocument/2006/relationships" xmlns:p="http://schemas.openxmlformats.org/presentationml/2006/main" type="vertTitleAndTx" preserve="1">
-  <p:cSld name="縦書きタイトルと&#10;縦書きテキスト">
-    <p:spTree>
-      <p:nvGrpSpPr>
-        <p:cNvPr id="1" name=""/>
-        <p:cNvGrpSpPr/>
-        <p:nvPr/>
-      </p:nvGrpSpPr>
-      <p:grpSpPr>
-        <a:xfrm>
-          <a:off x="0" y="0"/>
-          <a:ext cx="0" cy="0"/>
-          <a:chOff x="0" y="0"/>
-          <a:chExt cx="0" cy="0"/>
-        </a:xfrm>
-      </p:grpSpPr>
-      <p:sp>
-        <p:nvSpPr>
-          <p:cNvPr id="2" name="Vertical Title 1"/>
-          <p:cNvSpPr>
-            <a:spLocks noGrp="1"/>
-          </p:cNvSpPr>
-          <p:nvPr>
-            <p:ph type="title" orient="vert"/>
-          </p:nvPr>
-        </p:nvSpPr>
-        <p:spPr>
-          <a:xfrm>
-            <a:off x="10819786" y="569240"/>
-            <a:ext cx="3260110" cy="9060817"/>
-          </a:xfrm>
-        </p:spPr>
-        <p:txBody>
-          <a:bodyPr vert="eaVert"/>
-          <a:lstStyle/>
-          <a:p>
-            <a:r>
-              <a:rPr lang="ja-JP" altLang="en-US"/>
-              <a:t>マスター タイトルの書式設定</a:t>
-            </a:r>
-            <a:endParaRPr lang="en-US" dirty="0"/>
-          </a:p>
-        </p:txBody>
-      </p:sp>
-      <p:sp>
-        <p:nvSpPr>
-          <p:cNvPr id="3" name="Vertical Text Placeholder 2"/>
-          <p:cNvSpPr>
-            <a:spLocks noGrp="1"/>
-          </p:cNvSpPr>
-          <p:nvPr>
-            <p:ph type="body" orient="vert" idx="1"/>
-          </p:nvPr>
-        </p:nvSpPr>
-        <p:spPr>
-          <a:xfrm>
-            <a:off x="1039456" y="569240"/>
-            <a:ext cx="9591338" cy="9060817"/>
-          </a:xfrm>
-        </p:spPr>
-        <p:txBody>
-          <a:bodyPr vert="eaVert"/>
-          <a:lstStyle/>
-          <a:p>
-            <a:pPr lvl="0"/>
-            <a:r>
-              <a:rPr lang="ja-JP" altLang="en-US"/>
-              <a:t>マスター テキストの書式設定</a:t>
-            </a:r>
-          </a:p>
-          <a:p>
-            <a:pPr lvl="1"/>
-            <a:r>
-              <a:rPr lang="ja-JP" altLang="en-US"/>
-              <a:t>第 </a:t>
-            </a:r>
-            <a:r>
-              <a:rPr lang="en-US" altLang="ja-JP"/>
-              <a:t>2 </a:t>
-            </a:r>
-            <a:r>
-              <a:rPr lang="ja-JP" altLang="en-US"/>
-              <a:t>レベル</a:t>
-            </a:r>
-          </a:p>
-          <a:p>
-            <a:pPr lvl="2"/>
-            <a:r>
-              <a:rPr lang="ja-JP" altLang="en-US"/>
-              <a:t>第 </a:t>
-            </a:r>
-            <a:r>
-              <a:rPr lang="en-US" altLang="ja-JP"/>
-              <a:t>3 </a:t>
-            </a:r>
-            <a:r>
-              <a:rPr lang="ja-JP" altLang="en-US"/>
-              <a:t>レベル</a:t>
-            </a:r>
-          </a:p>
-          <a:p>
-            <a:pPr lvl="3"/>
-            <a:r>
-              <a:rPr lang="ja-JP" altLang="en-US"/>
-              <a:t>第 </a:t>
-            </a:r>
-            <a:r>
-              <a:rPr lang="en-US" altLang="ja-JP"/>
-              <a:t>4 </a:t>
-            </a:r>
-            <a:r>
-              <a:rPr lang="ja-JP" altLang="en-US"/>
-              <a:t>レベル</a:t>
-            </a:r>
-          </a:p>
-          <a:p>
-            <a:pPr lvl="4"/>
-            <a:r>
-              <a:rPr lang="ja-JP" altLang="en-US"/>
-              <a:t>第 </a:t>
-            </a:r>
-            <a:r>
-              <a:rPr lang="en-US" altLang="ja-JP"/>
-              <a:t>5 </a:t>
-            </a:r>
-            <a:r>
-              <a:rPr lang="ja-JP" altLang="en-US"/>
-              <a:t>レベル</a:t>
-            </a:r>
-            <a:endParaRPr lang="en-US" dirty="0"/>
-          </a:p>
-        </p:txBody>
-      </p:sp>
-      <p:sp>
-        <p:nvSpPr>
-          <p:cNvPr id="4" name="Date Placeholder 3"/>
-          <p:cNvSpPr>
-            <a:spLocks noGrp="1"/>
-          </p:cNvSpPr>
-          <p:nvPr>
-            <p:ph type="dt" sz="half" idx="10"/>
-          </p:nvPr>
-        </p:nvSpPr>
-        <p:spPr/>
-        <p:txBody>
-          <a:bodyPr/>
-          <a:lstStyle/>
-          <a:p>
-            <a:fld id="{C764DE79-268F-4C1A-8933-263129D2AF90}" type="datetimeFigureOut">
-              <a:rPr lang="en-US" dirty="0"/>
-              <a:t>8/4/2021</a:t>
-            </a:fld>
-            <a:endParaRPr lang="en-US" dirty="0"/>
-          </a:p>
-        </p:txBody>
-      </p:sp>
-      <p:sp>
-        <p:nvSpPr>
-          <p:cNvPr id="5" name="Footer Placeholder 4"/>
-          <p:cNvSpPr>
-            <a:spLocks noGrp="1"/>
-          </p:cNvSpPr>
-          <p:nvPr>
-            <p:ph type="ftr" sz="quarter" idx="11"/>
-          </p:nvPr>
-        </p:nvSpPr>
-        <p:spPr/>
-        <p:txBody>
-          <a:bodyPr/>
-          <a:lstStyle/>
-          <a:p>
-            <a:endParaRPr lang="en-US" dirty="0"/>
-          </a:p>
-        </p:txBody>
-      </p:sp>
-      <p:sp>
-        <p:nvSpPr>
-          <p:cNvPr id="6" name="Slide Number Placeholder 5"/>
-          <p:cNvSpPr>
-            <a:spLocks noGrp="1"/>
-          </p:cNvSpPr>
-          <p:nvPr>
-            <p:ph type="sldNum" sz="quarter" idx="12"/>
-          </p:nvPr>
-        </p:nvSpPr>
-        <p:spPr/>
-        <p:txBody>
-          <a:bodyPr/>
-          <a:lstStyle/>
-          <a:p>
-            <a:fld id="{48F63A3B-78C7-47BE-AE5E-E10140E04643}" type="slidenum">
-              <a:rPr lang="en-US" dirty="0"/>
-              <a:t>‹#›</a:t>
-            </a:fld>
-            <a:endParaRPr lang="en-US" dirty="0"/>
-          </a:p>
-        </p:txBody>
-      </p:sp>
-    </p:spTree>
-    <p:extLst>
-      <p:ext uri="{BB962C8B-B14F-4D97-AF65-F5344CB8AC3E}">
-        <p14:creationId xmlns:p14="http://schemas.microsoft.com/office/powerpoint/2010/main" val="58434808"/>
-      </p:ext>
-    </p:extLst>
-  </p:cSld>
-  <p:clrMapOvr>
-    <a:masterClrMapping/>
-  </p:clrMapOvr>
-</p:sldLayout>
-</file>
-
-<file path=ppt/slideLayouts/slideLayout3.xml><?xml version="1.0" encoding="utf-8"?>
-<p:sldLayout xmlns:a="http://schemas.openxmlformats.org/drawingml/2006/main" xmlns:r="http://schemas.openxmlformats.org/officeDocument/2006/relationships" xmlns:p="http://schemas.openxmlformats.org/presentationml/2006/main" type="obj" preserve="1">
-  <p:cSld name="タイトルとコンテンツ">
-    <p:spTree>
-      <p:nvGrpSpPr>
-        <p:cNvPr id="1" name=""/>
-        <p:cNvGrpSpPr/>
-        <p:nvPr/>
-      </p:nvGrpSpPr>
-      <p:grpSpPr>
-        <a:xfrm>
-          <a:off x="0" y="0"/>
-          <a:ext cx="0" cy="0"/>
-          <a:chOff x="0" y="0"/>
-          <a:chExt cx="0" cy="0"/>
-        </a:xfrm>
-      </p:grpSpPr>
-      <p:sp>
-        <p:nvSpPr>
-          <p:cNvPr id="2" name="タイトル 1">
-            <a:extLst>
-              <a:ext uri="{FF2B5EF4-FFF2-40B4-BE49-F238E27FC236}">
-                <a16:creationId xmlns:a16="http://schemas.microsoft.com/office/drawing/2014/main" id="{162227AF-C1D2-4D5B-BB89-3FC06B4051DE}"/>
-              </a:ext>
-            </a:extLst>
-          </p:cNvPr>
-          <p:cNvSpPr>
-            <a:spLocks noGrp="1"/>
-          </p:cNvSpPr>
-          <p:nvPr>
-            <p:ph type="title"/>
-          </p:nvPr>
-        </p:nvSpPr>
-        <p:spPr/>
-        <p:txBody>
-          <a:bodyPr/>
-          <a:lstStyle/>
-          <a:p>
-            <a:r>
-              <a:rPr kumimoji="1" lang="ja-JP" altLang="en-US"/>
-              <a:t>マスター タイトルの書式設定</a:t>
-            </a:r>
-          </a:p>
-        </p:txBody>
-      </p:sp>
-      <p:sp>
-        <p:nvSpPr>
-          <p:cNvPr id="3" name="コンテンツ プレースホルダー 2">
-            <a:extLst>
-              <a:ext uri="{FF2B5EF4-FFF2-40B4-BE49-F238E27FC236}">
-                <a16:creationId xmlns:a16="http://schemas.microsoft.com/office/drawing/2014/main" id="{EC9BB6EF-1BBD-44F7-8105-357758AD351C}"/>
-              </a:ext>
-            </a:extLst>
-          </p:cNvPr>
-          <p:cNvSpPr>
-            <a:spLocks noGrp="1"/>
-          </p:cNvSpPr>
-          <p:nvPr>
-            <p:ph idx="1"/>
-          </p:nvPr>
-        </p:nvSpPr>
-        <p:spPr/>
-        <p:txBody>
-          <a:bodyPr/>
-          <a:lstStyle/>
-          <a:p>
-            <a:pPr lvl="0"/>
-            <a:r>
-              <a:rPr kumimoji="1" lang="ja-JP" altLang="en-US"/>
-              <a:t>マスター テキストの書式設定</a:t>
-            </a:r>
-          </a:p>
-          <a:p>
-            <a:pPr lvl="1"/>
-            <a:r>
-              <a:rPr kumimoji="1" lang="ja-JP" altLang="en-US"/>
-              <a:t>第 </a:t>
-            </a:r>
-            <a:r>
-              <a:rPr kumimoji="1" lang="en-US" altLang="ja-JP"/>
-              <a:t>2 </a:t>
-            </a:r>
-            <a:r>
-              <a:rPr kumimoji="1" lang="ja-JP" altLang="en-US"/>
-              <a:t>レベル</a:t>
-            </a:r>
-          </a:p>
-          <a:p>
-            <a:pPr lvl="2"/>
-            <a:r>
-              <a:rPr kumimoji="1" lang="ja-JP" altLang="en-US"/>
-              <a:t>第 </a:t>
-            </a:r>
-            <a:r>
-              <a:rPr kumimoji="1" lang="en-US" altLang="ja-JP"/>
-              <a:t>3 </a:t>
-            </a:r>
-            <a:r>
-              <a:rPr kumimoji="1" lang="ja-JP" altLang="en-US"/>
-              <a:t>レベル</a:t>
-            </a:r>
-          </a:p>
-          <a:p>
-            <a:pPr lvl="3"/>
-            <a:r>
-              <a:rPr kumimoji="1" lang="ja-JP" altLang="en-US"/>
-              <a:t>第 </a:t>
-            </a:r>
-            <a:r>
-              <a:rPr kumimoji="1" lang="en-US" altLang="ja-JP"/>
-              <a:t>4 </a:t>
-            </a:r>
-            <a:r>
-              <a:rPr kumimoji="1" lang="ja-JP" altLang="en-US"/>
-              <a:t>レベル</a:t>
-            </a:r>
-          </a:p>
-          <a:p>
-            <a:pPr lvl="4"/>
-            <a:r>
-              <a:rPr kumimoji="1" lang="ja-JP" altLang="en-US"/>
-              <a:t>第 </a:t>
-            </a:r>
-            <a:r>
-              <a:rPr kumimoji="1" lang="en-US" altLang="ja-JP"/>
-              <a:t>5 </a:t>
-            </a:r>
-            <a:r>
-              <a:rPr kumimoji="1" lang="ja-JP" altLang="en-US"/>
-              <a:t>レベル</a:t>
-            </a:r>
-          </a:p>
-        </p:txBody>
-      </p:sp>
-    </p:spTree>
-    <p:extLst>
-      <p:ext uri="{BB962C8B-B14F-4D97-AF65-F5344CB8AC3E}">
-        <p14:creationId xmlns:p14="http://schemas.microsoft.com/office/powerpoint/2010/main" val="215177700"/>
-      </p:ext>
-    </p:extLst>
-  </p:cSld>
-  <p:clrMapOvr>
-    <a:masterClrMapping/>
-  </p:clrMapOvr>
-</p:sldLayout>
-</file>
-
-<file path=ppt/slideLayouts/slideLayout4.xml><?xml version="1.0" encoding="utf-8"?>
-<p:sldLayout xmlns:a="http://schemas.openxmlformats.org/drawingml/2006/main" xmlns:r="http://schemas.openxmlformats.org/officeDocument/2006/relationships" xmlns:p="http://schemas.openxmlformats.org/presentationml/2006/main" type="blank" preserve="1">
-  <p:cSld name="白紙">
-    <p:spTree>
-      <p:nvGrpSpPr>
-        <p:cNvPr id="1" name=""/>
-        <p:cNvGrpSpPr/>
-        <p:nvPr/>
-      </p:nvGrpSpPr>
-      <p:grpSpPr>
-        <a:xfrm>
-          <a:off x="0" y="0"/>
-          <a:ext cx="0" cy="0"/>
-          <a:chOff x="0" y="0"/>
-          <a:chExt cx="0" cy="0"/>
-        </a:xfrm>
-      </p:grpSpPr>
-    </p:spTree>
-    <p:extLst>
-      <p:ext uri="{BB962C8B-B14F-4D97-AF65-F5344CB8AC3E}">
-        <p14:creationId xmlns:p14="http://schemas.microsoft.com/office/powerpoint/2010/main" val="2183788252"/>
-      </p:ext>
-    </p:extLst>
-  </p:cSld>
-  <p:clrMapOvr>
-    <a:masterClrMapping/>
-  </p:clrMapOvr>
-</p:sldLayout>
-</file>
-
-<file path=ppt/slideLayouts/slideLayout5.xml><?xml version="1.0" encoding="utf-8"?>
-<p:sldLayout xmlns:a="http://schemas.openxmlformats.org/drawingml/2006/main" xmlns:r="http://schemas.openxmlformats.org/officeDocument/2006/relationships" xmlns:p="http://schemas.openxmlformats.org/presentationml/2006/main" type="title" preserve="1">
-  <p:cSld name="タイトル スライド">
-    <p:spTree>
-      <p:nvGrpSpPr>
-        <p:cNvPr id="1" name=""/>
-        <p:cNvGrpSpPr/>
-        <p:nvPr/>
-      </p:nvGrpSpPr>
-      <p:grpSpPr>
-        <a:xfrm>
-          <a:off x="0" y="0"/>
-          <a:ext cx="0" cy="0"/>
-          <a:chOff x="0" y="0"/>
-          <a:chExt cx="0" cy="0"/>
-        </a:xfrm>
-      </p:grpSpPr>
-      <p:sp>
-        <p:nvSpPr>
-          <p:cNvPr id="2" name="Title 1"/>
-          <p:cNvSpPr>
-            <a:spLocks noGrp="1"/>
-          </p:cNvSpPr>
-          <p:nvPr>
-            <p:ph type="ctrTitle"/>
-          </p:nvPr>
-        </p:nvSpPr>
-        <p:spPr>
-          <a:xfrm>
-            <a:off x="1133951" y="1749795"/>
-            <a:ext cx="12851448" cy="3722335"/>
-          </a:xfrm>
-        </p:spPr>
-        <p:txBody>
-          <a:bodyPr anchor="b"/>
-          <a:lstStyle>
-            <a:lvl1pPr algn="ctr">
-              <a:defRPr sz="9354"/>
-            </a:lvl1pPr>
-          </a:lstStyle>
-          <a:p>
-            <a:r>
-              <a:rPr lang="ja-JP" altLang="en-US"/>
-              <a:t>マスター タイトルの書式設定</a:t>
-            </a:r>
-            <a:endParaRPr lang="en-US" dirty="0"/>
-          </a:p>
-        </p:txBody>
-      </p:sp>
-      <p:sp>
-        <p:nvSpPr>
-          <p:cNvPr id="3" name="Subtitle 2"/>
-          <p:cNvSpPr>
-            <a:spLocks noGrp="1"/>
-          </p:cNvSpPr>
-          <p:nvPr>
-            <p:ph type="subTitle" idx="1"/>
-          </p:nvPr>
-        </p:nvSpPr>
-        <p:spPr>
-          <a:xfrm>
-            <a:off x="1889919" y="5615678"/>
-            <a:ext cx="11339513" cy="2581379"/>
-          </a:xfrm>
-        </p:spPr>
-        <p:txBody>
-          <a:bodyPr/>
-          <a:lstStyle>
-            <a:lvl1pPr marL="0" indent="0" algn="ctr">
-              <a:buNone/>
-              <a:defRPr sz="3742"/>
-            </a:lvl1pPr>
-            <a:lvl2pPr marL="712775" indent="0" algn="ctr">
-              <a:buNone/>
-              <a:defRPr sz="3118"/>
-            </a:lvl2pPr>
-            <a:lvl3pPr marL="1425550" indent="0" algn="ctr">
-              <a:buNone/>
-              <a:defRPr sz="2806"/>
-            </a:lvl3pPr>
-            <a:lvl4pPr marL="2138324" indent="0" algn="ctr">
-              <a:buNone/>
-              <a:defRPr sz="2494"/>
-            </a:lvl4pPr>
-            <a:lvl5pPr marL="2851099" indent="0" algn="ctr">
-              <a:buNone/>
-              <a:defRPr sz="2494"/>
-            </a:lvl5pPr>
-            <a:lvl6pPr marL="3563874" indent="0" algn="ctr">
-              <a:buNone/>
-              <a:defRPr sz="2494"/>
-            </a:lvl6pPr>
-            <a:lvl7pPr marL="4276649" indent="0" algn="ctr">
-              <a:buNone/>
-              <a:defRPr sz="2494"/>
-            </a:lvl7pPr>
-            <a:lvl8pPr marL="4989424" indent="0" algn="ctr">
-              <a:buNone/>
-              <a:defRPr sz="2494"/>
-            </a:lvl8pPr>
-            <a:lvl9pPr marL="5702198" indent="0" algn="ctr">
-              <a:buNone/>
-              <a:defRPr sz="2494"/>
-            </a:lvl9pPr>
-          </a:lstStyle>
-          <a:p>
-            <a:r>
-              <a:rPr lang="ja-JP" altLang="en-US"/>
-              <a:t>マスター サブタイトルの書式設定</a:t>
-            </a:r>
-            <a:endParaRPr lang="en-US" dirty="0"/>
-          </a:p>
-        </p:txBody>
-      </p:sp>
-      <p:sp>
-        <p:nvSpPr>
-          <p:cNvPr id="4" name="Date Placeholder 3"/>
-          <p:cNvSpPr>
-            <a:spLocks noGrp="1"/>
-          </p:cNvSpPr>
-          <p:nvPr>
-            <p:ph type="dt" sz="half" idx="10"/>
-          </p:nvPr>
-        </p:nvSpPr>
-        <p:spPr/>
-        <p:txBody>
-          <a:bodyPr/>
-          <a:lstStyle/>
-          <a:p>
-            <a:fld id="{C764DE79-268F-4C1A-8933-263129D2AF90}" type="datetimeFigureOut">
-              <a:rPr lang="en-US" dirty="0"/>
-              <a:t>8/4/2021</a:t>
-            </a:fld>
-            <a:endParaRPr lang="en-US" dirty="0"/>
-          </a:p>
-        </p:txBody>
-      </p:sp>
-      <p:sp>
-        <p:nvSpPr>
-          <p:cNvPr id="5" name="Footer Placeholder 4"/>
-          <p:cNvSpPr>
-            <a:spLocks noGrp="1"/>
-          </p:cNvSpPr>
-          <p:nvPr>
-            <p:ph type="ftr" sz="quarter" idx="11"/>
-          </p:nvPr>
-        </p:nvSpPr>
-        <p:spPr/>
-        <p:txBody>
-          <a:bodyPr/>
-          <a:lstStyle/>
-          <a:p>
-            <a:endParaRPr lang="en-US" dirty="0"/>
-          </a:p>
-        </p:txBody>
-      </p:sp>
-      <p:sp>
-        <p:nvSpPr>
-          <p:cNvPr id="6" name="Slide Number Placeholder 5"/>
-          <p:cNvSpPr>
-            <a:spLocks noGrp="1"/>
-          </p:cNvSpPr>
-          <p:nvPr>
-            <p:ph type="sldNum" sz="quarter" idx="12"/>
-          </p:nvPr>
-        </p:nvSpPr>
-        <p:spPr/>
-        <p:txBody>
-          <a:bodyPr/>
-          <a:lstStyle/>
-          <a:p>
-            <a:fld id="{48F63A3B-78C7-47BE-AE5E-E10140E04643}" type="slidenum">
-              <a:rPr lang="en-US" dirty="0"/>
-              <a:t>‹#›</a:t>
-            </a:fld>
-            <a:endParaRPr lang="en-US" dirty="0"/>
-          </a:p>
-        </p:txBody>
-      </p:sp>
-    </p:spTree>
-    <p:extLst>
-      <p:ext uri="{BB962C8B-B14F-4D97-AF65-F5344CB8AC3E}">
-        <p14:creationId xmlns:p14="http://schemas.microsoft.com/office/powerpoint/2010/main" val="1756832944"/>
-      </p:ext>
-    </p:extLst>
-  </p:cSld>
-  <p:clrMapOvr>
-    <a:masterClrMapping/>
-  </p:clrMapOvr>
-</p:sldLayout>
-</file>
-
-<file path=ppt/slideLayouts/slideLayout6.xml><?xml version="1.0" encoding="utf-8"?>
-<p:sldLayout xmlns:a="http://schemas.openxmlformats.org/drawingml/2006/main" xmlns:r="http://schemas.openxmlformats.org/officeDocument/2006/relationships" xmlns:p="http://schemas.openxmlformats.org/presentationml/2006/main" type="obj" preserve="1">
-  <p:cSld name="タイトルとコンテンツ">
-    <p:spTree>
-      <p:nvGrpSpPr>
-        <p:cNvPr id="1" name=""/>
-        <p:cNvGrpSpPr/>
-        <p:nvPr/>
-      </p:nvGrpSpPr>
-      <p:grpSpPr>
-        <a:xfrm>
-          <a:off x="0" y="0"/>
-          <a:ext cx="0" cy="0"/>
-          <a:chOff x="0" y="0"/>
-          <a:chExt cx="0" cy="0"/>
-        </a:xfrm>
-      </p:grpSpPr>
-      <p:sp>
-        <p:nvSpPr>
-          <p:cNvPr id="2" name="Title 1"/>
-          <p:cNvSpPr>
-            <a:spLocks noGrp="1"/>
-          </p:cNvSpPr>
-          <p:nvPr>
-            <p:ph type="title"/>
-          </p:nvPr>
-        </p:nvSpPr>
-        <p:spPr/>
-        <p:txBody>
-          <a:bodyPr/>
-          <a:lstStyle/>
-          <a:p>
-            <a:r>
-              <a:rPr lang="ja-JP" altLang="en-US"/>
-              <a:t>マスター タイトルの書式設定</a:t>
-            </a:r>
-            <a:endParaRPr lang="en-US" dirty="0"/>
-          </a:p>
-        </p:txBody>
-      </p:sp>
-      <p:sp>
-        <p:nvSpPr>
-          <p:cNvPr id="3" name="Content Placeholder 2"/>
-          <p:cNvSpPr>
-            <a:spLocks noGrp="1"/>
-          </p:cNvSpPr>
-          <p:nvPr>
-            <p:ph idx="1"/>
-          </p:nvPr>
-        </p:nvSpPr>
-        <p:spPr/>
-        <p:txBody>
-          <a:bodyPr/>
-          <a:lstStyle/>
-          <a:p>
-            <a:pPr lvl="0"/>
-            <a:r>
-              <a:rPr lang="ja-JP" altLang="en-US"/>
-              <a:t>マスター テキストの書式設定</a:t>
-            </a:r>
-          </a:p>
-          <a:p>
-            <a:pPr lvl="1"/>
-            <a:r>
-              <a:rPr lang="ja-JP" altLang="en-US"/>
-              <a:t>第 </a:t>
-            </a:r>
-            <a:r>
-              <a:rPr lang="en-US" altLang="ja-JP"/>
-              <a:t>2 </a:t>
-            </a:r>
-            <a:r>
-              <a:rPr lang="ja-JP" altLang="en-US"/>
-              <a:t>レベル</a:t>
-            </a:r>
-          </a:p>
-          <a:p>
-            <a:pPr lvl="2"/>
-            <a:r>
-              <a:rPr lang="ja-JP" altLang="en-US"/>
-              <a:t>第 </a:t>
-            </a:r>
-            <a:r>
-              <a:rPr lang="en-US" altLang="ja-JP"/>
-              <a:t>3 </a:t>
-            </a:r>
-            <a:r>
-              <a:rPr lang="ja-JP" altLang="en-US"/>
-              <a:t>レベル</a:t>
-            </a:r>
-          </a:p>
-          <a:p>
-            <a:pPr lvl="3"/>
-            <a:r>
-              <a:rPr lang="ja-JP" altLang="en-US"/>
-              <a:t>第 </a:t>
-            </a:r>
-            <a:r>
-              <a:rPr lang="en-US" altLang="ja-JP"/>
-              <a:t>4 </a:t>
-            </a:r>
-            <a:r>
-              <a:rPr lang="ja-JP" altLang="en-US"/>
-              <a:t>レベル</a:t>
-            </a:r>
-          </a:p>
-          <a:p>
-            <a:pPr lvl="4"/>
-            <a:r>
-              <a:rPr lang="ja-JP" altLang="en-US"/>
-              <a:t>第 </a:t>
-            </a:r>
-            <a:r>
-              <a:rPr lang="en-US" altLang="ja-JP"/>
-              <a:t>5 </a:t>
-            </a:r>
-            <a:r>
-              <a:rPr lang="ja-JP" altLang="en-US"/>
-              <a:t>レベル</a:t>
-            </a:r>
-            <a:endParaRPr lang="en-US" dirty="0"/>
-          </a:p>
-        </p:txBody>
-      </p:sp>
-      <p:sp>
-        <p:nvSpPr>
-          <p:cNvPr id="4" name="Date Placeholder 3"/>
-          <p:cNvSpPr>
-            <a:spLocks noGrp="1"/>
-          </p:cNvSpPr>
-          <p:nvPr>
-            <p:ph type="dt" sz="half" idx="10"/>
-          </p:nvPr>
-        </p:nvSpPr>
-        <p:spPr/>
-        <p:txBody>
-          <a:bodyPr/>
-          <a:lstStyle/>
-          <a:p>
-            <a:fld id="{C764DE79-268F-4C1A-8933-263129D2AF90}" type="datetimeFigureOut">
-              <a:rPr lang="en-US" dirty="0"/>
-              <a:t>8/4/2021</a:t>
-            </a:fld>
-            <a:endParaRPr lang="en-US" dirty="0"/>
-          </a:p>
-        </p:txBody>
-      </p:sp>
-      <p:sp>
-        <p:nvSpPr>
-          <p:cNvPr id="5" name="Footer Placeholder 4"/>
-          <p:cNvSpPr>
-            <a:spLocks noGrp="1"/>
-          </p:cNvSpPr>
-          <p:nvPr>
-            <p:ph type="ftr" sz="quarter" idx="11"/>
-          </p:nvPr>
-        </p:nvSpPr>
-        <p:spPr/>
-        <p:txBody>
-          <a:bodyPr/>
-          <a:lstStyle/>
-          <a:p>
-            <a:endParaRPr lang="en-US" dirty="0"/>
-          </a:p>
-        </p:txBody>
-      </p:sp>
-      <p:sp>
-        <p:nvSpPr>
-          <p:cNvPr id="6" name="Slide Number Placeholder 5"/>
-          <p:cNvSpPr>
-            <a:spLocks noGrp="1"/>
-          </p:cNvSpPr>
-          <p:nvPr>
-            <p:ph type="sldNum" sz="quarter" idx="12"/>
-          </p:nvPr>
-        </p:nvSpPr>
-        <p:spPr/>
-        <p:txBody>
-          <a:bodyPr/>
-          <a:lstStyle/>
-          <a:p>
-            <a:fld id="{48F63A3B-78C7-47BE-AE5E-E10140E04643}" type="slidenum">
-              <a:rPr lang="en-US" dirty="0"/>
-              <a:t>‹#›</a:t>
-            </a:fld>
-            <a:endParaRPr lang="en-US" dirty="0"/>
-          </a:p>
-        </p:txBody>
-      </p:sp>
-    </p:spTree>
-    <p:extLst>
-      <p:ext uri="{BB962C8B-B14F-4D97-AF65-F5344CB8AC3E}">
-        <p14:creationId xmlns:p14="http://schemas.microsoft.com/office/powerpoint/2010/main" val="3225208386"/>
-      </p:ext>
-    </p:extLst>
-  </p:cSld>
-  <p:clrMapOvr>
-    <a:masterClrMapping/>
-  </p:clrMapOvr>
-</p:sldLayout>
-</file>
-
-<file path=ppt/slideLayouts/slideLayout7.xml><?xml version="1.0" encoding="utf-8"?>
-<p:sldLayout xmlns:a="http://schemas.openxmlformats.org/drawingml/2006/main" xmlns:r="http://schemas.openxmlformats.org/officeDocument/2006/relationships" xmlns:p="http://schemas.openxmlformats.org/presentationml/2006/main" type="secHead" preserve="1">
-  <p:cSld name="セクション見出し">
-    <p:spTree>
-      <p:nvGrpSpPr>
-        <p:cNvPr id="1" name=""/>
-        <p:cNvGrpSpPr/>
-        <p:nvPr/>
-      </p:nvGrpSpPr>
-      <p:grpSpPr>
-        <a:xfrm>
-          <a:off x="0" y="0"/>
-          <a:ext cx="0" cy="0"/>
-          <a:chOff x="0" y="0"/>
-          <a:chExt cx="0" cy="0"/>
-        </a:xfrm>
-      </p:grpSpPr>
-      <p:sp>
-        <p:nvSpPr>
-          <p:cNvPr id="2" name="Title 1"/>
-          <p:cNvSpPr>
-            <a:spLocks noGrp="1"/>
-          </p:cNvSpPr>
-          <p:nvPr>
-            <p:ph type="title"/>
-          </p:nvPr>
-        </p:nvSpPr>
-        <p:spPr>
-          <a:xfrm>
-            <a:off x="1031582" y="2665532"/>
-            <a:ext cx="13040439" cy="4447496"/>
-          </a:xfrm>
-        </p:spPr>
-        <p:txBody>
-          <a:bodyPr anchor="b"/>
-          <a:lstStyle>
-            <a:lvl1pPr>
-              <a:defRPr sz="9354"/>
-            </a:lvl1pPr>
-          </a:lstStyle>
-          <a:p>
-            <a:r>
-              <a:rPr lang="ja-JP" altLang="en-US"/>
-              <a:t>マスター タイトルの書式設定</a:t>
-            </a:r>
-            <a:endParaRPr lang="en-US" dirty="0"/>
-          </a:p>
-        </p:txBody>
-      </p:sp>
-      <p:sp>
-        <p:nvSpPr>
-          <p:cNvPr id="3" name="Text Placeholder 2"/>
-          <p:cNvSpPr>
-            <a:spLocks noGrp="1"/>
-          </p:cNvSpPr>
-          <p:nvPr>
-            <p:ph type="body" idx="1"/>
-          </p:nvPr>
-        </p:nvSpPr>
-        <p:spPr>
-          <a:xfrm>
-            <a:off x="1031582" y="7155103"/>
-            <a:ext cx="13040439" cy="2338833"/>
-          </a:xfrm>
-        </p:spPr>
-        <p:txBody>
-          <a:bodyPr/>
-          <a:lstStyle>
-            <a:lvl1pPr marL="0" indent="0">
-              <a:buNone/>
-              <a:defRPr sz="3742">
-                <a:solidFill>
-                  <a:schemeClr val="tx1"/>
-                </a:solidFill>
-              </a:defRPr>
-            </a:lvl1pPr>
-            <a:lvl2pPr marL="712775" indent="0">
-              <a:buNone/>
-              <a:defRPr sz="3118">
-                <a:solidFill>
-                  <a:schemeClr val="tx1">
-                    <a:tint val="75000"/>
-                  </a:schemeClr>
-                </a:solidFill>
-              </a:defRPr>
-            </a:lvl2pPr>
-            <a:lvl3pPr marL="1425550" indent="0">
-              <a:buNone/>
-              <a:defRPr sz="2806">
-                <a:solidFill>
-                  <a:schemeClr val="tx1">
-                    <a:tint val="75000"/>
-                  </a:schemeClr>
-                </a:solidFill>
-              </a:defRPr>
-            </a:lvl3pPr>
-            <a:lvl4pPr marL="2138324" indent="0">
-              <a:buNone/>
-              <a:defRPr sz="2494">
-                <a:solidFill>
-                  <a:schemeClr val="tx1">
-                    <a:tint val="75000"/>
-                  </a:schemeClr>
-                </a:solidFill>
-              </a:defRPr>
-            </a:lvl4pPr>
-            <a:lvl5pPr marL="2851099" indent="0">
-              <a:buNone/>
-              <a:defRPr sz="2494">
-                <a:solidFill>
-                  <a:schemeClr val="tx1">
-                    <a:tint val="75000"/>
-                  </a:schemeClr>
-                </a:solidFill>
-              </a:defRPr>
-            </a:lvl5pPr>
-            <a:lvl6pPr marL="3563874" indent="0">
-              <a:buNone/>
-              <a:defRPr sz="2494">
-                <a:solidFill>
-                  <a:schemeClr val="tx1">
-                    <a:tint val="75000"/>
-                  </a:schemeClr>
-                </a:solidFill>
-              </a:defRPr>
-            </a:lvl6pPr>
-            <a:lvl7pPr marL="4276649" indent="0">
-              <a:buNone/>
-              <a:defRPr sz="2494">
-                <a:solidFill>
-                  <a:schemeClr val="tx1">
-                    <a:tint val="75000"/>
-                  </a:schemeClr>
-                </a:solidFill>
-              </a:defRPr>
-            </a:lvl7pPr>
-            <a:lvl8pPr marL="4989424" indent="0">
-              <a:buNone/>
-              <a:defRPr sz="2494">
-                <a:solidFill>
-                  <a:schemeClr val="tx1">
-                    <a:tint val="75000"/>
-                  </a:schemeClr>
-                </a:solidFill>
-              </a:defRPr>
-            </a:lvl8pPr>
-            <a:lvl9pPr marL="5702198" indent="0">
-              <a:buNone/>
-              <a:defRPr sz="2494">
-                <a:solidFill>
-                  <a:schemeClr val="tx1">
-                    <a:tint val="75000"/>
-                  </a:schemeClr>
-                </a:solidFill>
-              </a:defRPr>
-            </a:lvl9pPr>
-          </a:lstStyle>
-          <a:p>
-            <a:pPr lvl="0"/>
-            <a:r>
-              <a:rPr lang="ja-JP" altLang="en-US"/>
-              <a:t>マスター テキストの書式設定</a:t>
-            </a:r>
-          </a:p>
-        </p:txBody>
-      </p:sp>
-      <p:sp>
-        <p:nvSpPr>
-          <p:cNvPr id="4" name="Date Placeholder 3"/>
-          <p:cNvSpPr>
-            <a:spLocks noGrp="1"/>
-          </p:cNvSpPr>
-          <p:nvPr>
-            <p:ph type="dt" sz="half" idx="10"/>
-          </p:nvPr>
-        </p:nvSpPr>
-        <p:spPr/>
-        <p:txBody>
-          <a:bodyPr/>
-          <a:lstStyle/>
-          <a:p>
-            <a:fld id="{C764DE79-268F-4C1A-8933-263129D2AF90}" type="datetimeFigureOut">
-              <a:rPr lang="en-US" dirty="0"/>
-              <a:t>8/4/2021</a:t>
-            </a:fld>
-            <a:endParaRPr lang="en-US" dirty="0"/>
-          </a:p>
-        </p:txBody>
-      </p:sp>
-      <p:sp>
-        <p:nvSpPr>
-          <p:cNvPr id="5" name="Footer Placeholder 4"/>
-          <p:cNvSpPr>
-            <a:spLocks noGrp="1"/>
-          </p:cNvSpPr>
-          <p:nvPr>
-            <p:ph type="ftr" sz="quarter" idx="11"/>
-          </p:nvPr>
-        </p:nvSpPr>
-        <p:spPr/>
-        <p:txBody>
-          <a:bodyPr/>
-          <a:lstStyle/>
-          <a:p>
-            <a:endParaRPr lang="en-US" dirty="0"/>
-          </a:p>
-        </p:txBody>
-      </p:sp>
-      <p:sp>
-        <p:nvSpPr>
-          <p:cNvPr id="6" name="Slide Number Placeholder 5"/>
-          <p:cNvSpPr>
-            <a:spLocks noGrp="1"/>
-          </p:cNvSpPr>
-          <p:nvPr>
-            <p:ph type="sldNum" sz="quarter" idx="12"/>
-          </p:nvPr>
-        </p:nvSpPr>
-        <p:spPr/>
-        <p:txBody>
-          <a:bodyPr/>
-          <a:lstStyle/>
-          <a:p>
-            <a:fld id="{48F63A3B-78C7-47BE-AE5E-E10140E04643}" type="slidenum">
-              <a:rPr lang="en-US" dirty="0"/>
-              <a:t>‹#›</a:t>
-            </a:fld>
-            <a:endParaRPr lang="en-US" dirty="0"/>
-          </a:p>
-        </p:txBody>
-      </p:sp>
-    </p:spTree>
-    <p:extLst>
-      <p:ext uri="{BB962C8B-B14F-4D97-AF65-F5344CB8AC3E}">
-        <p14:creationId xmlns:p14="http://schemas.microsoft.com/office/powerpoint/2010/main" val="2017763413"/>
-      </p:ext>
-    </p:extLst>
-  </p:cSld>
-  <p:clrMapOvr>
-    <a:masterClrMapping/>
-  </p:clrMapOvr>
-</p:sldLayout>
-</file>
-
-<file path=ppt/slideLayouts/slideLayout8.xml><?xml version="1.0" encoding="utf-8"?>
-<p:sldLayout xmlns:a="http://schemas.openxmlformats.org/drawingml/2006/main" xmlns:r="http://schemas.openxmlformats.org/officeDocument/2006/relationships" xmlns:p="http://schemas.openxmlformats.org/presentationml/2006/main" type="twoObj" preserve="1">
-  <p:cSld name="2 つのコンテンツ">
-    <p:spTree>
-      <p:nvGrpSpPr>
-        <p:cNvPr id="1" name=""/>
-        <p:cNvGrpSpPr/>
-        <p:nvPr/>
-      </p:nvGrpSpPr>
-      <p:grpSpPr>
-        <a:xfrm>
-          <a:off x="0" y="0"/>
-          <a:ext cx="0" cy="0"/>
-          <a:chOff x="0" y="0"/>
-          <a:chExt cx="0" cy="0"/>
-        </a:xfrm>
-      </p:grpSpPr>
-      <p:sp>
-        <p:nvSpPr>
-          <p:cNvPr id="2" name="Title 1"/>
-          <p:cNvSpPr>
-            <a:spLocks noGrp="1"/>
-          </p:cNvSpPr>
-          <p:nvPr>
-            <p:ph type="title"/>
-          </p:nvPr>
-        </p:nvSpPr>
-        <p:spPr/>
-        <p:txBody>
-          <a:bodyPr/>
-          <a:lstStyle/>
-          <a:p>
-            <a:r>
-              <a:rPr lang="ja-JP" altLang="en-US"/>
-              <a:t>マスター タイトルの書式設定</a:t>
-            </a:r>
-            <a:endParaRPr lang="en-US" dirty="0"/>
-          </a:p>
-        </p:txBody>
-      </p:sp>
-      <p:sp>
-        <p:nvSpPr>
-          <p:cNvPr id="3" name="Content Placeholder 2"/>
-          <p:cNvSpPr>
-            <a:spLocks noGrp="1"/>
-          </p:cNvSpPr>
-          <p:nvPr>
-            <p:ph sz="half" idx="1"/>
-          </p:nvPr>
-        </p:nvSpPr>
-        <p:spPr>
-          <a:xfrm>
-            <a:off x="1039455" y="2846200"/>
-            <a:ext cx="6425724" cy="6783857"/>
-          </a:xfrm>
-        </p:spPr>
-        <p:txBody>
-          <a:bodyPr/>
-          <a:lstStyle/>
-          <a:p>
-            <a:pPr lvl="0"/>
-            <a:r>
-              <a:rPr lang="ja-JP" altLang="en-US"/>
-              <a:t>マスター テキストの書式設定</a:t>
-            </a:r>
-          </a:p>
-          <a:p>
-            <a:pPr lvl="1"/>
-            <a:r>
-              <a:rPr lang="ja-JP" altLang="en-US"/>
-              <a:t>第 </a:t>
-            </a:r>
-            <a:r>
-              <a:rPr lang="en-US" altLang="ja-JP"/>
-              <a:t>2 </a:t>
-            </a:r>
-            <a:r>
-              <a:rPr lang="ja-JP" altLang="en-US"/>
-              <a:t>レベル</a:t>
-            </a:r>
-          </a:p>
-          <a:p>
-            <a:pPr lvl="2"/>
-            <a:r>
-              <a:rPr lang="ja-JP" altLang="en-US"/>
-              <a:t>第 </a:t>
-            </a:r>
-            <a:r>
-              <a:rPr lang="en-US" altLang="ja-JP"/>
-              <a:t>3 </a:t>
-            </a:r>
-            <a:r>
-              <a:rPr lang="ja-JP" altLang="en-US"/>
-              <a:t>レベル</a:t>
-            </a:r>
-          </a:p>
-          <a:p>
-            <a:pPr lvl="3"/>
-            <a:r>
-              <a:rPr lang="ja-JP" altLang="en-US"/>
-              <a:t>第 </a:t>
-            </a:r>
-            <a:r>
-              <a:rPr lang="en-US" altLang="ja-JP"/>
-              <a:t>4 </a:t>
-            </a:r>
-            <a:r>
-              <a:rPr lang="ja-JP" altLang="en-US"/>
-              <a:t>レベル</a:t>
-            </a:r>
-          </a:p>
-          <a:p>
-            <a:pPr lvl="4"/>
-            <a:r>
-              <a:rPr lang="ja-JP" altLang="en-US"/>
-              <a:t>第 </a:t>
-            </a:r>
-            <a:r>
-              <a:rPr lang="en-US" altLang="ja-JP"/>
-              <a:t>5 </a:t>
-            </a:r>
-            <a:r>
-              <a:rPr lang="ja-JP" altLang="en-US"/>
-              <a:t>レベル</a:t>
-            </a:r>
-            <a:endParaRPr lang="en-US" dirty="0"/>
-          </a:p>
-        </p:txBody>
-      </p:sp>
-      <p:sp>
-        <p:nvSpPr>
-          <p:cNvPr id="4" name="Content Placeholder 3"/>
-          <p:cNvSpPr>
-            <a:spLocks noGrp="1"/>
-          </p:cNvSpPr>
-          <p:nvPr>
-            <p:ph sz="half" idx="2"/>
-          </p:nvPr>
-        </p:nvSpPr>
-        <p:spPr>
-          <a:xfrm>
-            <a:off x="7654171" y="2846200"/>
-            <a:ext cx="6425724" cy="6783857"/>
-          </a:xfrm>
-        </p:spPr>
-        <p:txBody>
-          <a:bodyPr/>
-          <a:lstStyle/>
-          <a:p>
-            <a:pPr lvl="0"/>
-            <a:r>
-              <a:rPr lang="ja-JP" altLang="en-US"/>
-              <a:t>マスター テキストの書式設定</a:t>
-            </a:r>
-          </a:p>
-          <a:p>
-            <a:pPr lvl="1"/>
-            <a:r>
-              <a:rPr lang="ja-JP" altLang="en-US"/>
-              <a:t>第 </a:t>
-            </a:r>
-            <a:r>
-              <a:rPr lang="en-US" altLang="ja-JP"/>
-              <a:t>2 </a:t>
-            </a:r>
-            <a:r>
-              <a:rPr lang="ja-JP" altLang="en-US"/>
-              <a:t>レベル</a:t>
-            </a:r>
-          </a:p>
-          <a:p>
-            <a:pPr lvl="2"/>
-            <a:r>
-              <a:rPr lang="ja-JP" altLang="en-US"/>
-              <a:t>第 </a:t>
-            </a:r>
-            <a:r>
-              <a:rPr lang="en-US" altLang="ja-JP"/>
-              <a:t>3 </a:t>
-            </a:r>
-            <a:r>
-              <a:rPr lang="ja-JP" altLang="en-US"/>
-              <a:t>レベル</a:t>
-            </a:r>
-          </a:p>
-          <a:p>
-            <a:pPr lvl="3"/>
-            <a:r>
-              <a:rPr lang="ja-JP" altLang="en-US"/>
-              <a:t>第 </a:t>
-            </a:r>
-            <a:r>
-              <a:rPr lang="en-US" altLang="ja-JP"/>
-              <a:t>4 </a:t>
-            </a:r>
-            <a:r>
-              <a:rPr lang="ja-JP" altLang="en-US"/>
-              <a:t>レベル</a:t>
-            </a:r>
-          </a:p>
-          <a:p>
-            <a:pPr lvl="4"/>
-            <a:r>
-              <a:rPr lang="ja-JP" altLang="en-US"/>
-              <a:t>第 </a:t>
-            </a:r>
-            <a:r>
-              <a:rPr lang="en-US" altLang="ja-JP"/>
-              <a:t>5 </a:t>
-            </a:r>
-            <a:r>
-              <a:rPr lang="ja-JP" altLang="en-US"/>
-              <a:t>レベル</a:t>
-            </a:r>
-            <a:endParaRPr lang="en-US" dirty="0"/>
-          </a:p>
-        </p:txBody>
-      </p:sp>
-      <p:sp>
-        <p:nvSpPr>
-          <p:cNvPr id="5" name="Date Placeholder 4"/>
-          <p:cNvSpPr>
-            <a:spLocks noGrp="1"/>
-          </p:cNvSpPr>
-          <p:nvPr>
-            <p:ph type="dt" sz="half" idx="10"/>
-          </p:nvPr>
-        </p:nvSpPr>
-        <p:spPr/>
-        <p:txBody>
-          <a:bodyPr/>
-          <a:lstStyle/>
-          <a:p>
-            <a:fld id="{C764DE79-268F-4C1A-8933-263129D2AF90}" type="datetimeFigureOut">
-              <a:rPr lang="en-US" dirty="0"/>
-              <a:t>8/4/2021</a:t>
-            </a:fld>
-            <a:endParaRPr lang="en-US" dirty="0"/>
-          </a:p>
-        </p:txBody>
-      </p:sp>
-      <p:sp>
-        <p:nvSpPr>
-          <p:cNvPr id="6" name="Footer Placeholder 5"/>
-          <p:cNvSpPr>
-            <a:spLocks noGrp="1"/>
-          </p:cNvSpPr>
-          <p:nvPr>
-            <p:ph type="ftr" sz="quarter" idx="11"/>
-          </p:nvPr>
-        </p:nvSpPr>
-        <p:spPr/>
-        <p:txBody>
-          <a:bodyPr/>
-          <a:lstStyle/>
-          <a:p>
-            <a:endParaRPr lang="en-US" dirty="0"/>
-          </a:p>
-        </p:txBody>
-      </p:sp>
-      <p:sp>
-        <p:nvSpPr>
-          <p:cNvPr id="7" name="Slide Number Placeholder 6"/>
-          <p:cNvSpPr>
-            <a:spLocks noGrp="1"/>
-          </p:cNvSpPr>
-          <p:nvPr>
-            <p:ph type="sldNum" sz="quarter" idx="12"/>
-          </p:nvPr>
-        </p:nvSpPr>
-        <p:spPr/>
-        <p:txBody>
-          <a:bodyPr/>
-          <a:lstStyle/>
-          <a:p>
-            <a:fld id="{48F63A3B-78C7-47BE-AE5E-E10140E04643}" type="slidenum">
-              <a:rPr lang="en-US" dirty="0"/>
-              <a:t>‹#›</a:t>
-            </a:fld>
-            <a:endParaRPr lang="en-US" dirty="0"/>
-          </a:p>
-        </p:txBody>
-      </p:sp>
-    </p:spTree>
-    <p:extLst>
-      <p:ext uri="{BB962C8B-B14F-4D97-AF65-F5344CB8AC3E}">
         <p14:creationId xmlns:p14="http://schemas.microsoft.com/office/powerpoint/2010/main" val="2213165851"/>
-      </p:ext>
-    </p:extLst>
-  </p:cSld>
-  <p:clrMapOvr>
-    <a:masterClrMapping/>
-  </p:clrMapOvr>
-</p:sldLayout>
-</file>
-
-<file path=ppt/slideLayouts/slideLayout9.xml><?xml version="1.0" encoding="utf-8"?>
-<p:sldLayout xmlns:a="http://schemas.openxmlformats.org/drawingml/2006/main" xmlns:r="http://schemas.openxmlformats.org/officeDocument/2006/relationships" xmlns:p="http://schemas.openxmlformats.org/presentationml/2006/main" type="twoTxTwoObj" preserve="1">
-  <p:cSld name="比較">
-    <p:spTree>
-      <p:nvGrpSpPr>
-        <p:cNvPr id="1" name=""/>
-        <p:cNvGrpSpPr/>
-        <p:nvPr/>
-      </p:nvGrpSpPr>
-      <p:grpSpPr>
-        <a:xfrm>
-          <a:off x="0" y="0"/>
-          <a:ext cx="0" cy="0"/>
-          <a:chOff x="0" y="0"/>
-          <a:chExt cx="0" cy="0"/>
-        </a:xfrm>
-      </p:grpSpPr>
-      <p:sp>
-        <p:nvSpPr>
-          <p:cNvPr id="2" name="Title 1"/>
-          <p:cNvSpPr>
-            <a:spLocks noGrp="1"/>
-          </p:cNvSpPr>
-          <p:nvPr>
-            <p:ph type="title"/>
-          </p:nvPr>
-        </p:nvSpPr>
-        <p:spPr>
-          <a:xfrm>
-            <a:off x="1041425" y="569242"/>
-            <a:ext cx="13040439" cy="2066590"/>
-          </a:xfrm>
-        </p:spPr>
-        <p:txBody>
-          <a:bodyPr/>
-          <a:lstStyle/>
-          <a:p>
-            <a:r>
-              <a:rPr lang="ja-JP" altLang="en-US"/>
-              <a:t>マスター タイトルの書式設定</a:t>
-            </a:r>
-            <a:endParaRPr lang="en-US" dirty="0"/>
-          </a:p>
-        </p:txBody>
-      </p:sp>
-      <p:sp>
-        <p:nvSpPr>
-          <p:cNvPr id="3" name="Text Placeholder 2"/>
-          <p:cNvSpPr>
-            <a:spLocks noGrp="1"/>
-          </p:cNvSpPr>
-          <p:nvPr>
-            <p:ph type="body" idx="1"/>
-          </p:nvPr>
-        </p:nvSpPr>
-        <p:spPr>
-          <a:xfrm>
-            <a:off x="1041426" y="2620980"/>
-            <a:ext cx="6396193" cy="1284502"/>
-          </a:xfrm>
-        </p:spPr>
-        <p:txBody>
-          <a:bodyPr anchor="b"/>
-          <a:lstStyle>
-            <a:lvl1pPr marL="0" indent="0">
-              <a:buNone/>
-              <a:defRPr sz="3742" b="1"/>
-            </a:lvl1pPr>
-            <a:lvl2pPr marL="712775" indent="0">
-              <a:buNone/>
-              <a:defRPr sz="3118" b="1"/>
-            </a:lvl2pPr>
-            <a:lvl3pPr marL="1425550" indent="0">
-              <a:buNone/>
-              <a:defRPr sz="2806" b="1"/>
-            </a:lvl3pPr>
-            <a:lvl4pPr marL="2138324" indent="0">
-              <a:buNone/>
-              <a:defRPr sz="2494" b="1"/>
-            </a:lvl4pPr>
-            <a:lvl5pPr marL="2851099" indent="0">
-              <a:buNone/>
-              <a:defRPr sz="2494" b="1"/>
-            </a:lvl5pPr>
-            <a:lvl6pPr marL="3563874" indent="0">
-              <a:buNone/>
-              <a:defRPr sz="2494" b="1"/>
-            </a:lvl6pPr>
-            <a:lvl7pPr marL="4276649" indent="0">
-              <a:buNone/>
-              <a:defRPr sz="2494" b="1"/>
-            </a:lvl7pPr>
-            <a:lvl8pPr marL="4989424" indent="0">
-              <a:buNone/>
-              <a:defRPr sz="2494" b="1"/>
-            </a:lvl8pPr>
-            <a:lvl9pPr marL="5702198" indent="0">
-              <a:buNone/>
-              <a:defRPr sz="2494" b="1"/>
-            </a:lvl9pPr>
-          </a:lstStyle>
-          <a:p>
-            <a:pPr lvl="0"/>
-            <a:r>
-              <a:rPr lang="ja-JP" altLang="en-US"/>
-              <a:t>マスター テキストの書式設定</a:t>
-            </a:r>
-          </a:p>
-        </p:txBody>
-      </p:sp>
-      <p:sp>
-        <p:nvSpPr>
-          <p:cNvPr id="4" name="Content Placeholder 3"/>
-          <p:cNvSpPr>
-            <a:spLocks noGrp="1"/>
-          </p:cNvSpPr>
-          <p:nvPr>
-            <p:ph sz="half" idx="2"/>
-          </p:nvPr>
-        </p:nvSpPr>
-        <p:spPr>
-          <a:xfrm>
-            <a:off x="1041426" y="3905482"/>
-            <a:ext cx="6396193" cy="5744375"/>
-          </a:xfrm>
-        </p:spPr>
-        <p:txBody>
-          <a:bodyPr/>
-          <a:lstStyle/>
-          <a:p>
-            <a:pPr lvl="0"/>
-            <a:r>
-              <a:rPr lang="ja-JP" altLang="en-US"/>
-              <a:t>マスター テキストの書式設定</a:t>
-            </a:r>
-          </a:p>
-          <a:p>
-            <a:pPr lvl="1"/>
-            <a:r>
-              <a:rPr lang="ja-JP" altLang="en-US"/>
-              <a:t>第 </a:t>
-            </a:r>
-            <a:r>
-              <a:rPr lang="en-US" altLang="ja-JP"/>
-              <a:t>2 </a:t>
-            </a:r>
-            <a:r>
-              <a:rPr lang="ja-JP" altLang="en-US"/>
-              <a:t>レベル</a:t>
-            </a:r>
-          </a:p>
-          <a:p>
-            <a:pPr lvl="2"/>
-            <a:r>
-              <a:rPr lang="ja-JP" altLang="en-US"/>
-              <a:t>第 </a:t>
-            </a:r>
-            <a:r>
-              <a:rPr lang="en-US" altLang="ja-JP"/>
-              <a:t>3 </a:t>
-            </a:r>
-            <a:r>
-              <a:rPr lang="ja-JP" altLang="en-US"/>
-              <a:t>レベル</a:t>
-            </a:r>
-          </a:p>
-          <a:p>
-            <a:pPr lvl="3"/>
-            <a:r>
-              <a:rPr lang="ja-JP" altLang="en-US"/>
-              <a:t>第 </a:t>
-            </a:r>
-            <a:r>
-              <a:rPr lang="en-US" altLang="ja-JP"/>
-              <a:t>4 </a:t>
-            </a:r>
-            <a:r>
-              <a:rPr lang="ja-JP" altLang="en-US"/>
-              <a:t>レベル</a:t>
-            </a:r>
-          </a:p>
-          <a:p>
-            <a:pPr lvl="4"/>
-            <a:r>
-              <a:rPr lang="ja-JP" altLang="en-US"/>
-              <a:t>第 </a:t>
-            </a:r>
-            <a:r>
-              <a:rPr lang="en-US" altLang="ja-JP"/>
-              <a:t>5 </a:t>
-            </a:r>
-            <a:r>
-              <a:rPr lang="ja-JP" altLang="en-US"/>
-              <a:t>レベル</a:t>
-            </a:r>
-            <a:endParaRPr lang="en-US" dirty="0"/>
-          </a:p>
-        </p:txBody>
-      </p:sp>
-      <p:sp>
-        <p:nvSpPr>
-          <p:cNvPr id="5" name="Text Placeholder 4"/>
-          <p:cNvSpPr>
-            <a:spLocks noGrp="1"/>
-          </p:cNvSpPr>
-          <p:nvPr>
-            <p:ph type="body" sz="quarter" idx="3"/>
-          </p:nvPr>
-        </p:nvSpPr>
-        <p:spPr>
-          <a:xfrm>
-            <a:off x="7654172" y="2620980"/>
-            <a:ext cx="6427693" cy="1284502"/>
-          </a:xfrm>
-        </p:spPr>
-        <p:txBody>
-          <a:bodyPr anchor="b"/>
-          <a:lstStyle>
-            <a:lvl1pPr marL="0" indent="0">
-              <a:buNone/>
-              <a:defRPr sz="3742" b="1"/>
-            </a:lvl1pPr>
-            <a:lvl2pPr marL="712775" indent="0">
-              <a:buNone/>
-              <a:defRPr sz="3118" b="1"/>
-            </a:lvl2pPr>
-            <a:lvl3pPr marL="1425550" indent="0">
-              <a:buNone/>
-              <a:defRPr sz="2806" b="1"/>
-            </a:lvl3pPr>
-            <a:lvl4pPr marL="2138324" indent="0">
-              <a:buNone/>
-              <a:defRPr sz="2494" b="1"/>
-            </a:lvl4pPr>
-            <a:lvl5pPr marL="2851099" indent="0">
-              <a:buNone/>
-              <a:defRPr sz="2494" b="1"/>
-            </a:lvl5pPr>
-            <a:lvl6pPr marL="3563874" indent="0">
-              <a:buNone/>
-              <a:defRPr sz="2494" b="1"/>
-            </a:lvl6pPr>
-            <a:lvl7pPr marL="4276649" indent="0">
-              <a:buNone/>
-              <a:defRPr sz="2494" b="1"/>
-            </a:lvl7pPr>
-            <a:lvl8pPr marL="4989424" indent="0">
-              <a:buNone/>
-              <a:defRPr sz="2494" b="1"/>
-            </a:lvl8pPr>
-            <a:lvl9pPr marL="5702198" indent="0">
-              <a:buNone/>
-              <a:defRPr sz="2494" b="1"/>
-            </a:lvl9pPr>
-          </a:lstStyle>
-          <a:p>
-            <a:pPr lvl="0"/>
-            <a:r>
-              <a:rPr lang="ja-JP" altLang="en-US"/>
-              <a:t>マスター テキストの書式設定</a:t>
-            </a:r>
-          </a:p>
-        </p:txBody>
-      </p:sp>
-      <p:sp>
-        <p:nvSpPr>
-          <p:cNvPr id="6" name="Content Placeholder 5"/>
-          <p:cNvSpPr>
-            <a:spLocks noGrp="1"/>
-          </p:cNvSpPr>
-          <p:nvPr>
-            <p:ph sz="quarter" idx="4"/>
-          </p:nvPr>
-        </p:nvSpPr>
-        <p:spPr>
-          <a:xfrm>
-            <a:off x="7654172" y="3905482"/>
-            <a:ext cx="6427693" cy="5744375"/>
-          </a:xfrm>
-        </p:spPr>
-        <p:txBody>
-          <a:bodyPr/>
-          <a:lstStyle/>
-          <a:p>
-            <a:pPr lvl="0"/>
-            <a:r>
-              <a:rPr lang="ja-JP" altLang="en-US"/>
-              <a:t>マスター テキストの書式設定</a:t>
-            </a:r>
-          </a:p>
-          <a:p>
-            <a:pPr lvl="1"/>
-            <a:r>
-              <a:rPr lang="ja-JP" altLang="en-US"/>
-              <a:t>第 </a:t>
-            </a:r>
-            <a:r>
-              <a:rPr lang="en-US" altLang="ja-JP"/>
-              <a:t>2 </a:t>
-            </a:r>
-            <a:r>
-              <a:rPr lang="ja-JP" altLang="en-US"/>
-              <a:t>レベル</a:t>
-            </a:r>
-          </a:p>
-          <a:p>
-            <a:pPr lvl="2"/>
-            <a:r>
-              <a:rPr lang="ja-JP" altLang="en-US"/>
-              <a:t>第 </a:t>
-            </a:r>
-            <a:r>
-              <a:rPr lang="en-US" altLang="ja-JP"/>
-              <a:t>3 </a:t>
-            </a:r>
-            <a:r>
-              <a:rPr lang="ja-JP" altLang="en-US"/>
-              <a:t>レベル</a:t>
-            </a:r>
-          </a:p>
-          <a:p>
-            <a:pPr lvl="3"/>
-            <a:r>
-              <a:rPr lang="ja-JP" altLang="en-US"/>
-              <a:t>第 </a:t>
-            </a:r>
-            <a:r>
-              <a:rPr lang="en-US" altLang="ja-JP"/>
-              <a:t>4 </a:t>
-            </a:r>
-            <a:r>
-              <a:rPr lang="ja-JP" altLang="en-US"/>
-              <a:t>レベル</a:t>
-            </a:r>
-          </a:p>
-          <a:p>
-            <a:pPr lvl="4"/>
-            <a:r>
-              <a:rPr lang="ja-JP" altLang="en-US"/>
-              <a:t>第 </a:t>
-            </a:r>
-            <a:r>
-              <a:rPr lang="en-US" altLang="ja-JP"/>
-              <a:t>5 </a:t>
-            </a:r>
-            <a:r>
-              <a:rPr lang="ja-JP" altLang="en-US"/>
-              <a:t>レベル</a:t>
-            </a:r>
-            <a:endParaRPr lang="en-US" dirty="0"/>
-          </a:p>
-        </p:txBody>
-      </p:sp>
-      <p:sp>
-        <p:nvSpPr>
-          <p:cNvPr id="7" name="Date Placeholder 6"/>
-          <p:cNvSpPr>
-            <a:spLocks noGrp="1"/>
-          </p:cNvSpPr>
-          <p:nvPr>
-            <p:ph type="dt" sz="half" idx="10"/>
-          </p:nvPr>
-        </p:nvSpPr>
-        <p:spPr/>
-        <p:txBody>
-          <a:bodyPr/>
-          <a:lstStyle/>
-          <a:p>
-            <a:fld id="{C764DE79-268F-4C1A-8933-263129D2AF90}" type="datetimeFigureOut">
-              <a:rPr lang="en-US" dirty="0"/>
-              <a:t>8/4/2021</a:t>
-            </a:fld>
-            <a:endParaRPr lang="en-US" dirty="0"/>
-          </a:p>
-        </p:txBody>
-      </p:sp>
-      <p:sp>
-        <p:nvSpPr>
-          <p:cNvPr id="8" name="Footer Placeholder 7"/>
-          <p:cNvSpPr>
-            <a:spLocks noGrp="1"/>
-          </p:cNvSpPr>
-          <p:nvPr>
-            <p:ph type="ftr" sz="quarter" idx="11"/>
-          </p:nvPr>
-        </p:nvSpPr>
-        <p:spPr/>
-        <p:txBody>
-          <a:bodyPr/>
-          <a:lstStyle/>
-          <a:p>
-            <a:endParaRPr lang="en-US" dirty="0"/>
-          </a:p>
-        </p:txBody>
-      </p:sp>
-      <p:sp>
-        <p:nvSpPr>
-          <p:cNvPr id="9" name="Slide Number Placeholder 8"/>
-          <p:cNvSpPr>
-            <a:spLocks noGrp="1"/>
-          </p:cNvSpPr>
-          <p:nvPr>
-            <p:ph type="sldNum" sz="quarter" idx="12"/>
-          </p:nvPr>
-        </p:nvSpPr>
-        <p:spPr/>
-        <p:txBody>
-          <a:bodyPr/>
-          <a:lstStyle/>
-          <a:p>
-            <a:fld id="{48F63A3B-78C7-47BE-AE5E-E10140E04643}" type="slidenum">
-              <a:rPr lang="en-US" dirty="0"/>
-              <a:t>‹#›</a:t>
-            </a:fld>
-            <a:endParaRPr lang="en-US" dirty="0"/>
-          </a:p>
-        </p:txBody>
-      </p:sp>
-    </p:spTree>
-    <p:extLst>
-      <p:ext uri="{BB962C8B-B14F-4D97-AF65-F5344CB8AC3E}">
-        <p14:creationId xmlns:p14="http://schemas.microsoft.com/office/powerpoint/2010/main" val="2949468034"/>
       </p:ext>
     </p:extLst>
   </p:cSld>
@@ -6631,7 +4274,7 @@
     <p:bg>
       <p:bgPr>
         <a:blipFill dpi="0" rotWithShape="1">
-          <a:blip r:embed="rId3">
+          <a:blip r:embed="rId4">
             <a:lum/>
           </a:blip>
           <a:srcRect/>
@@ -6666,6 +4309,7 @@
   <p:clrMap bg1="lt1" tx1="dk1" bg2="lt2" tx2="dk2" accent1="accent1" accent2="accent2" accent3="accent3" accent4="accent4" accent5="accent5" accent6="accent6" hlink="hlink" folHlink="folHlink"/>
   <p:sldLayoutIdLst>
     <p:sldLayoutId id="2147483666" r:id="rId1"/>
+    <p:sldLayoutId id="2147483692" r:id="rId2"/>
   </p:sldLayoutIdLst>
   <p:txStyles>
     <p:titleStyle>
@@ -7589,7 +5233,7 @@
           <a:p>
             <a:fld id="{C764DE79-268F-4C1A-8933-263129D2AF90}" type="datetimeFigureOut">
               <a:rPr lang="en-US" dirty="0"/>
-              <a:t>8/4/2021</a:t>
+              <a:t>8/23/2021</a:t>
             </a:fld>
             <a:endParaRPr lang="en-US" dirty="0"/>
           </a:p>
@@ -7694,578 +5338,6 @@
     <p:sldLayoutId id="2147483677" r:id="rId10"/>
     <p:sldLayoutId id="2147483678" r:id="rId11"/>
     <p:sldLayoutId id="2147483679" r:id="rId12"/>
-  </p:sldLayoutIdLst>
-  <p:txStyles>
-    <p:titleStyle>
-      <a:lvl1pPr algn="l" defTabSz="1425550" rtl="0" eaLnBrk="1" latinLnBrk="0" hangingPunct="1">
-        <a:lnSpc>
-          <a:spcPct val="90000"/>
-        </a:lnSpc>
-        <a:spcBef>
-          <a:spcPct val="0"/>
-        </a:spcBef>
-        <a:buNone/>
-        <a:defRPr kumimoji="1" sz="6860" kern="1200">
-          <a:solidFill>
-            <a:schemeClr val="tx1"/>
-          </a:solidFill>
-          <a:latin typeface="+mj-lt"/>
-          <a:ea typeface="+mj-ea"/>
-          <a:cs typeface="+mj-cs"/>
-        </a:defRPr>
-      </a:lvl1pPr>
-    </p:titleStyle>
-    <p:bodyStyle>
-      <a:lvl1pPr marL="356387" indent="-356387" algn="l" defTabSz="1425550" rtl="0" eaLnBrk="1" latinLnBrk="0" hangingPunct="1">
-        <a:lnSpc>
-          <a:spcPct val="90000"/>
-        </a:lnSpc>
-        <a:spcBef>
-          <a:spcPts val="1559"/>
-        </a:spcBef>
-        <a:buFont typeface="Arial" panose="020B0604020202020204" pitchFamily="34" charset="0"/>
-        <a:buChar char="•"/>
-        <a:defRPr kumimoji="1" sz="4365" kern="1200">
-          <a:solidFill>
-            <a:schemeClr val="tx1"/>
-          </a:solidFill>
-          <a:latin typeface="+mn-lt"/>
-          <a:ea typeface="+mn-ea"/>
-          <a:cs typeface="+mn-cs"/>
-        </a:defRPr>
-      </a:lvl1pPr>
-      <a:lvl2pPr marL="1069162" indent="-356387" algn="l" defTabSz="1425550" rtl="0" eaLnBrk="1" latinLnBrk="0" hangingPunct="1">
-        <a:lnSpc>
-          <a:spcPct val="90000"/>
-        </a:lnSpc>
-        <a:spcBef>
-          <a:spcPts val="780"/>
-        </a:spcBef>
-        <a:buFont typeface="Arial" panose="020B0604020202020204" pitchFamily="34" charset="0"/>
-        <a:buChar char="•"/>
-        <a:defRPr kumimoji="1" sz="3742" kern="1200">
-          <a:solidFill>
-            <a:schemeClr val="tx1"/>
-          </a:solidFill>
-          <a:latin typeface="+mn-lt"/>
-          <a:ea typeface="+mn-ea"/>
-          <a:cs typeface="+mn-cs"/>
-        </a:defRPr>
-      </a:lvl2pPr>
-      <a:lvl3pPr marL="1781937" indent="-356387" algn="l" defTabSz="1425550" rtl="0" eaLnBrk="1" latinLnBrk="0" hangingPunct="1">
-        <a:lnSpc>
-          <a:spcPct val="90000"/>
-        </a:lnSpc>
-        <a:spcBef>
-          <a:spcPts val="780"/>
-        </a:spcBef>
-        <a:buFont typeface="Arial" panose="020B0604020202020204" pitchFamily="34" charset="0"/>
-        <a:buChar char="•"/>
-        <a:defRPr kumimoji="1" sz="3118" kern="1200">
-          <a:solidFill>
-            <a:schemeClr val="tx1"/>
-          </a:solidFill>
-          <a:latin typeface="+mn-lt"/>
-          <a:ea typeface="+mn-ea"/>
-          <a:cs typeface="+mn-cs"/>
-        </a:defRPr>
-      </a:lvl3pPr>
-      <a:lvl4pPr marL="2494712" indent="-356387" algn="l" defTabSz="1425550" rtl="0" eaLnBrk="1" latinLnBrk="0" hangingPunct="1">
-        <a:lnSpc>
-          <a:spcPct val="90000"/>
-        </a:lnSpc>
-        <a:spcBef>
-          <a:spcPts val="780"/>
-        </a:spcBef>
-        <a:buFont typeface="Arial" panose="020B0604020202020204" pitchFamily="34" charset="0"/>
-        <a:buChar char="•"/>
-        <a:defRPr kumimoji="1" sz="2806" kern="1200">
-          <a:solidFill>
-            <a:schemeClr val="tx1"/>
-          </a:solidFill>
-          <a:latin typeface="+mn-lt"/>
-          <a:ea typeface="+mn-ea"/>
-          <a:cs typeface="+mn-cs"/>
-        </a:defRPr>
-      </a:lvl4pPr>
-      <a:lvl5pPr marL="3207487" indent="-356387" algn="l" defTabSz="1425550" rtl="0" eaLnBrk="1" latinLnBrk="0" hangingPunct="1">
-        <a:lnSpc>
-          <a:spcPct val="90000"/>
-        </a:lnSpc>
-        <a:spcBef>
-          <a:spcPts val="780"/>
-        </a:spcBef>
-        <a:buFont typeface="Arial" panose="020B0604020202020204" pitchFamily="34" charset="0"/>
-        <a:buChar char="•"/>
-        <a:defRPr kumimoji="1" sz="2806" kern="1200">
-          <a:solidFill>
-            <a:schemeClr val="tx1"/>
-          </a:solidFill>
-          <a:latin typeface="+mn-lt"/>
-          <a:ea typeface="+mn-ea"/>
-          <a:cs typeface="+mn-cs"/>
-        </a:defRPr>
-      </a:lvl5pPr>
-      <a:lvl6pPr marL="3920261" indent="-356387" algn="l" defTabSz="1425550" rtl="0" eaLnBrk="1" latinLnBrk="0" hangingPunct="1">
-        <a:lnSpc>
-          <a:spcPct val="90000"/>
-        </a:lnSpc>
-        <a:spcBef>
-          <a:spcPts val="780"/>
-        </a:spcBef>
-        <a:buFont typeface="Arial" panose="020B0604020202020204" pitchFamily="34" charset="0"/>
-        <a:buChar char="•"/>
-        <a:defRPr kumimoji="1" sz="2806" kern="1200">
-          <a:solidFill>
-            <a:schemeClr val="tx1"/>
-          </a:solidFill>
-          <a:latin typeface="+mn-lt"/>
-          <a:ea typeface="+mn-ea"/>
-          <a:cs typeface="+mn-cs"/>
-        </a:defRPr>
-      </a:lvl6pPr>
-      <a:lvl7pPr marL="4633036" indent="-356387" algn="l" defTabSz="1425550" rtl="0" eaLnBrk="1" latinLnBrk="0" hangingPunct="1">
-        <a:lnSpc>
-          <a:spcPct val="90000"/>
-        </a:lnSpc>
-        <a:spcBef>
-          <a:spcPts val="780"/>
-        </a:spcBef>
-        <a:buFont typeface="Arial" panose="020B0604020202020204" pitchFamily="34" charset="0"/>
-        <a:buChar char="•"/>
-        <a:defRPr kumimoji="1" sz="2806" kern="1200">
-          <a:solidFill>
-            <a:schemeClr val="tx1"/>
-          </a:solidFill>
-          <a:latin typeface="+mn-lt"/>
-          <a:ea typeface="+mn-ea"/>
-          <a:cs typeface="+mn-cs"/>
-        </a:defRPr>
-      </a:lvl7pPr>
-      <a:lvl8pPr marL="5345811" indent="-356387" algn="l" defTabSz="1425550" rtl="0" eaLnBrk="1" latinLnBrk="0" hangingPunct="1">
-        <a:lnSpc>
-          <a:spcPct val="90000"/>
-        </a:lnSpc>
-        <a:spcBef>
-          <a:spcPts val="780"/>
-        </a:spcBef>
-        <a:buFont typeface="Arial" panose="020B0604020202020204" pitchFamily="34" charset="0"/>
-        <a:buChar char="•"/>
-        <a:defRPr kumimoji="1" sz="2806" kern="1200">
-          <a:solidFill>
-            <a:schemeClr val="tx1"/>
-          </a:solidFill>
-          <a:latin typeface="+mn-lt"/>
-          <a:ea typeface="+mn-ea"/>
-          <a:cs typeface="+mn-cs"/>
-        </a:defRPr>
-      </a:lvl8pPr>
-      <a:lvl9pPr marL="6058586" indent="-356387" algn="l" defTabSz="1425550" rtl="0" eaLnBrk="1" latinLnBrk="0" hangingPunct="1">
-        <a:lnSpc>
-          <a:spcPct val="90000"/>
-        </a:lnSpc>
-        <a:spcBef>
-          <a:spcPts val="780"/>
-        </a:spcBef>
-        <a:buFont typeface="Arial" panose="020B0604020202020204" pitchFamily="34" charset="0"/>
-        <a:buChar char="•"/>
-        <a:defRPr kumimoji="1" sz="2806" kern="1200">
-          <a:solidFill>
-            <a:schemeClr val="tx1"/>
-          </a:solidFill>
-          <a:latin typeface="+mn-lt"/>
-          <a:ea typeface="+mn-ea"/>
-          <a:cs typeface="+mn-cs"/>
-        </a:defRPr>
-      </a:lvl9pPr>
-    </p:bodyStyle>
-    <p:otherStyle>
-      <a:defPPr>
-        <a:defRPr lang="en-US"/>
-      </a:defPPr>
-      <a:lvl1pPr marL="0" algn="l" defTabSz="1425550" rtl="0" eaLnBrk="1" latinLnBrk="0" hangingPunct="1">
-        <a:defRPr kumimoji="1" sz="2806" kern="1200">
-          <a:solidFill>
-            <a:schemeClr val="tx1"/>
-          </a:solidFill>
-          <a:latin typeface="+mn-lt"/>
-          <a:ea typeface="+mn-ea"/>
-          <a:cs typeface="+mn-cs"/>
-        </a:defRPr>
-      </a:lvl1pPr>
-      <a:lvl2pPr marL="712775" algn="l" defTabSz="1425550" rtl="0" eaLnBrk="1" latinLnBrk="0" hangingPunct="1">
-        <a:defRPr kumimoji="1" sz="2806" kern="1200">
-          <a:solidFill>
-            <a:schemeClr val="tx1"/>
-          </a:solidFill>
-          <a:latin typeface="+mn-lt"/>
-          <a:ea typeface="+mn-ea"/>
-          <a:cs typeface="+mn-cs"/>
-        </a:defRPr>
-      </a:lvl2pPr>
-      <a:lvl3pPr marL="1425550" algn="l" defTabSz="1425550" rtl="0" eaLnBrk="1" latinLnBrk="0" hangingPunct="1">
-        <a:defRPr kumimoji="1" sz="2806" kern="1200">
-          <a:solidFill>
-            <a:schemeClr val="tx1"/>
-          </a:solidFill>
-          <a:latin typeface="+mn-lt"/>
-          <a:ea typeface="+mn-ea"/>
-          <a:cs typeface="+mn-cs"/>
-        </a:defRPr>
-      </a:lvl3pPr>
-      <a:lvl4pPr marL="2138324" algn="l" defTabSz="1425550" rtl="0" eaLnBrk="1" latinLnBrk="0" hangingPunct="1">
-        <a:defRPr kumimoji="1" sz="2806" kern="1200">
-          <a:solidFill>
-            <a:schemeClr val="tx1"/>
-          </a:solidFill>
-          <a:latin typeface="+mn-lt"/>
-          <a:ea typeface="+mn-ea"/>
-          <a:cs typeface="+mn-cs"/>
-        </a:defRPr>
-      </a:lvl4pPr>
-      <a:lvl5pPr marL="2851099" algn="l" defTabSz="1425550" rtl="0" eaLnBrk="1" latinLnBrk="0" hangingPunct="1">
-        <a:defRPr kumimoji="1" sz="2806" kern="1200">
-          <a:solidFill>
-            <a:schemeClr val="tx1"/>
-          </a:solidFill>
-          <a:latin typeface="+mn-lt"/>
-          <a:ea typeface="+mn-ea"/>
-          <a:cs typeface="+mn-cs"/>
-        </a:defRPr>
-      </a:lvl5pPr>
-      <a:lvl6pPr marL="3563874" algn="l" defTabSz="1425550" rtl="0" eaLnBrk="1" latinLnBrk="0" hangingPunct="1">
-        <a:defRPr kumimoji="1" sz="2806" kern="1200">
-          <a:solidFill>
-            <a:schemeClr val="tx1"/>
-          </a:solidFill>
-          <a:latin typeface="+mn-lt"/>
-          <a:ea typeface="+mn-ea"/>
-          <a:cs typeface="+mn-cs"/>
-        </a:defRPr>
-      </a:lvl6pPr>
-      <a:lvl7pPr marL="4276649" algn="l" defTabSz="1425550" rtl="0" eaLnBrk="1" latinLnBrk="0" hangingPunct="1">
-        <a:defRPr kumimoji="1" sz="2806" kern="1200">
-          <a:solidFill>
-            <a:schemeClr val="tx1"/>
-          </a:solidFill>
-          <a:latin typeface="+mn-lt"/>
-          <a:ea typeface="+mn-ea"/>
-          <a:cs typeface="+mn-cs"/>
-        </a:defRPr>
-      </a:lvl7pPr>
-      <a:lvl8pPr marL="4989424" algn="l" defTabSz="1425550" rtl="0" eaLnBrk="1" latinLnBrk="0" hangingPunct="1">
-        <a:defRPr kumimoji="1" sz="2806" kern="1200">
-          <a:solidFill>
-            <a:schemeClr val="tx1"/>
-          </a:solidFill>
-          <a:latin typeface="+mn-lt"/>
-          <a:ea typeface="+mn-ea"/>
-          <a:cs typeface="+mn-cs"/>
-        </a:defRPr>
-      </a:lvl8pPr>
-      <a:lvl9pPr marL="5702198" algn="l" defTabSz="1425550" rtl="0" eaLnBrk="1" latinLnBrk="0" hangingPunct="1">
-        <a:defRPr kumimoji="1" sz="2806" kern="1200">
-          <a:solidFill>
-            <a:schemeClr val="tx1"/>
-          </a:solidFill>
-          <a:latin typeface="+mn-lt"/>
-          <a:ea typeface="+mn-ea"/>
-          <a:cs typeface="+mn-cs"/>
-        </a:defRPr>
-      </a:lvl9pPr>
-    </p:otherStyle>
-  </p:txStyles>
-</p:sldMaster>
-</file>
-
-<file path=ppt/slideMasters/slideMaster4.xml><?xml version="1.0" encoding="utf-8"?>
-<p:sldMaster xmlns:a="http://schemas.openxmlformats.org/drawingml/2006/main" xmlns:r="http://schemas.openxmlformats.org/officeDocument/2006/relationships" xmlns:p="http://schemas.openxmlformats.org/presentationml/2006/main">
-  <p:cSld>
-    <p:bg>
-      <p:bgRef idx="1001">
-        <a:schemeClr val="bg1"/>
-      </p:bgRef>
-    </p:bg>
-    <p:spTree>
-      <p:nvGrpSpPr>
-        <p:cNvPr id="1" name=""/>
-        <p:cNvGrpSpPr/>
-        <p:nvPr/>
-      </p:nvGrpSpPr>
-      <p:grpSpPr>
-        <a:xfrm>
-          <a:off x="0" y="0"/>
-          <a:ext cx="0" cy="0"/>
-          <a:chOff x="0" y="0"/>
-          <a:chExt cx="0" cy="0"/>
-        </a:xfrm>
-      </p:grpSpPr>
-      <p:sp>
-        <p:nvSpPr>
-          <p:cNvPr id="2" name="Title Placeholder 1"/>
-          <p:cNvSpPr>
-            <a:spLocks noGrp="1"/>
-          </p:cNvSpPr>
-          <p:nvPr>
-            <p:ph type="title"/>
-          </p:nvPr>
-        </p:nvSpPr>
-        <p:spPr>
-          <a:xfrm>
-            <a:off x="1039456" y="569242"/>
-            <a:ext cx="13040439" cy="2066590"/>
-          </a:xfrm>
-          <a:prstGeom prst="rect">
-            <a:avLst/>
-          </a:prstGeom>
-        </p:spPr>
-        <p:txBody>
-          <a:bodyPr vert="horz" lIns="91440" tIns="45720" rIns="91440" bIns="45720" rtlCol="0" anchor="ctr">
-            <a:normAutofit/>
-          </a:bodyPr>
-          <a:lstStyle/>
-          <a:p>
-            <a:r>
-              <a:rPr lang="ja-JP" altLang="en-US"/>
-              <a:t>マスター タイトルの書式設定</a:t>
-            </a:r>
-            <a:endParaRPr lang="en-US" dirty="0"/>
-          </a:p>
-        </p:txBody>
-      </p:sp>
-      <p:sp>
-        <p:nvSpPr>
-          <p:cNvPr id="3" name="Text Placeholder 2"/>
-          <p:cNvSpPr>
-            <a:spLocks noGrp="1"/>
-          </p:cNvSpPr>
-          <p:nvPr>
-            <p:ph type="body" idx="1"/>
-          </p:nvPr>
-        </p:nvSpPr>
-        <p:spPr>
-          <a:xfrm>
-            <a:off x="1039456" y="2846200"/>
-            <a:ext cx="13040439" cy="6783857"/>
-          </a:xfrm>
-          <a:prstGeom prst="rect">
-            <a:avLst/>
-          </a:prstGeom>
-        </p:spPr>
-        <p:txBody>
-          <a:bodyPr vert="horz" lIns="91440" tIns="45720" rIns="91440" bIns="45720" rtlCol="0">
-            <a:normAutofit/>
-          </a:bodyPr>
-          <a:lstStyle/>
-          <a:p>
-            <a:pPr lvl="0"/>
-            <a:r>
-              <a:rPr lang="ja-JP" altLang="en-US"/>
-              <a:t>マスター テキストの書式設定</a:t>
-            </a:r>
-          </a:p>
-          <a:p>
-            <a:pPr lvl="1"/>
-            <a:r>
-              <a:rPr lang="ja-JP" altLang="en-US"/>
-              <a:t>第 </a:t>
-            </a:r>
-            <a:r>
-              <a:rPr lang="en-US" altLang="ja-JP"/>
-              <a:t>2 </a:t>
-            </a:r>
-            <a:r>
-              <a:rPr lang="ja-JP" altLang="en-US"/>
-              <a:t>レベル</a:t>
-            </a:r>
-          </a:p>
-          <a:p>
-            <a:pPr lvl="2"/>
-            <a:r>
-              <a:rPr lang="ja-JP" altLang="en-US"/>
-              <a:t>第 </a:t>
-            </a:r>
-            <a:r>
-              <a:rPr lang="en-US" altLang="ja-JP"/>
-              <a:t>3 </a:t>
-            </a:r>
-            <a:r>
-              <a:rPr lang="ja-JP" altLang="en-US"/>
-              <a:t>レベル</a:t>
-            </a:r>
-          </a:p>
-          <a:p>
-            <a:pPr lvl="3"/>
-            <a:r>
-              <a:rPr lang="ja-JP" altLang="en-US"/>
-              <a:t>第 </a:t>
-            </a:r>
-            <a:r>
-              <a:rPr lang="en-US" altLang="ja-JP"/>
-              <a:t>4 </a:t>
-            </a:r>
-            <a:r>
-              <a:rPr lang="ja-JP" altLang="en-US"/>
-              <a:t>レベル</a:t>
-            </a:r>
-          </a:p>
-          <a:p>
-            <a:pPr lvl="4"/>
-            <a:r>
-              <a:rPr lang="ja-JP" altLang="en-US"/>
-              <a:t>第 </a:t>
-            </a:r>
-            <a:r>
-              <a:rPr lang="en-US" altLang="ja-JP"/>
-              <a:t>5 </a:t>
-            </a:r>
-            <a:r>
-              <a:rPr lang="ja-JP" altLang="en-US"/>
-              <a:t>レベル</a:t>
-            </a:r>
-            <a:endParaRPr lang="en-US" dirty="0"/>
-          </a:p>
-        </p:txBody>
-      </p:sp>
-      <p:sp>
-        <p:nvSpPr>
-          <p:cNvPr id="4" name="Date Placeholder 3"/>
-          <p:cNvSpPr>
-            <a:spLocks noGrp="1"/>
-          </p:cNvSpPr>
-          <p:nvPr>
-            <p:ph type="dt" sz="half" idx="2"/>
-          </p:nvPr>
-        </p:nvSpPr>
-        <p:spPr>
-          <a:xfrm>
-            <a:off x="1039455" y="9909729"/>
-            <a:ext cx="3401854" cy="569240"/>
-          </a:xfrm>
-          <a:prstGeom prst="rect">
-            <a:avLst/>
-          </a:prstGeom>
-        </p:spPr>
-        <p:txBody>
-          <a:bodyPr vert="horz" lIns="91440" tIns="45720" rIns="91440" bIns="45720" rtlCol="0" anchor="ctr"/>
-          <a:lstStyle>
-            <a:lvl1pPr algn="l">
-              <a:defRPr sz="1871">
-                <a:solidFill>
-                  <a:schemeClr val="tx1">
-                    <a:tint val="75000"/>
-                  </a:schemeClr>
-                </a:solidFill>
-              </a:defRPr>
-            </a:lvl1pPr>
-          </a:lstStyle>
-          <a:p>
-            <a:fld id="{C764DE79-268F-4C1A-8933-263129D2AF90}" type="datetimeFigureOut">
-              <a:rPr lang="en-US" dirty="0"/>
-              <a:t>8/4/2021</a:t>
-            </a:fld>
-            <a:endParaRPr lang="en-US" dirty="0"/>
-          </a:p>
-        </p:txBody>
-      </p:sp>
-      <p:sp>
-        <p:nvSpPr>
-          <p:cNvPr id="5" name="Footer Placeholder 4"/>
-          <p:cNvSpPr>
-            <a:spLocks noGrp="1"/>
-          </p:cNvSpPr>
-          <p:nvPr>
-            <p:ph type="ftr" sz="quarter" idx="3"/>
-          </p:nvPr>
-        </p:nvSpPr>
-        <p:spPr>
-          <a:xfrm>
-            <a:off x="5008285" y="9909729"/>
-            <a:ext cx="5102781" cy="569240"/>
-          </a:xfrm>
-          <a:prstGeom prst="rect">
-            <a:avLst/>
-          </a:prstGeom>
-        </p:spPr>
-        <p:txBody>
-          <a:bodyPr vert="horz" lIns="91440" tIns="45720" rIns="91440" bIns="45720" rtlCol="0" anchor="ctr"/>
-          <a:lstStyle>
-            <a:lvl1pPr algn="ctr">
-              <a:defRPr sz="1871">
-                <a:solidFill>
-                  <a:schemeClr val="tx1">
-                    <a:tint val="75000"/>
-                  </a:schemeClr>
-                </a:solidFill>
-              </a:defRPr>
-            </a:lvl1pPr>
-          </a:lstStyle>
-          <a:p>
-            <a:endParaRPr lang="en-US" dirty="0"/>
-          </a:p>
-        </p:txBody>
-      </p:sp>
-      <p:sp>
-        <p:nvSpPr>
-          <p:cNvPr id="6" name="Slide Number Placeholder 5"/>
-          <p:cNvSpPr>
-            <a:spLocks noGrp="1"/>
-          </p:cNvSpPr>
-          <p:nvPr>
-            <p:ph type="sldNum" sz="quarter" idx="4"/>
-          </p:nvPr>
-        </p:nvSpPr>
-        <p:spPr>
-          <a:xfrm>
-            <a:off x="10678041" y="9909729"/>
-            <a:ext cx="3401854" cy="569240"/>
-          </a:xfrm>
-          <a:prstGeom prst="rect">
-            <a:avLst/>
-          </a:prstGeom>
-        </p:spPr>
-        <p:txBody>
-          <a:bodyPr vert="horz" lIns="91440" tIns="45720" rIns="91440" bIns="45720" rtlCol="0" anchor="ctr"/>
-          <a:lstStyle>
-            <a:lvl1pPr algn="r">
-              <a:defRPr sz="1871">
-                <a:solidFill>
-                  <a:schemeClr val="tx1">
-                    <a:tint val="75000"/>
-                  </a:schemeClr>
-                </a:solidFill>
-              </a:defRPr>
-            </a:lvl1pPr>
-          </a:lstStyle>
-          <a:p>
-            <a:fld id="{48F63A3B-78C7-47BE-AE5E-E10140E04643}" type="slidenum">
-              <a:rPr lang="en-US" dirty="0"/>
-              <a:t>‹#›</a:t>
-            </a:fld>
-            <a:endParaRPr lang="en-US" dirty="0"/>
-          </a:p>
-        </p:txBody>
-      </p:sp>
-    </p:spTree>
-    <p:extLst>
-      <p:ext uri="{BB962C8B-B14F-4D97-AF65-F5344CB8AC3E}">
-        <p14:creationId xmlns:p14="http://schemas.microsoft.com/office/powerpoint/2010/main" val="4007614309"/>
-      </p:ext>
-    </p:extLst>
-  </p:cSld>
-  <p:clrMap bg1="lt1" tx1="dk1" bg2="lt2" tx2="dk2" accent1="accent1" accent2="accent2" accent3="accent3" accent4="accent4" accent5="accent5" accent6="accent6" hlink="hlink" folHlink="folHlink"/>
-  <p:sldLayoutIdLst>
-    <p:sldLayoutId id="2147483681" r:id="rId1"/>
-    <p:sldLayoutId id="2147483682" r:id="rId2"/>
-    <p:sldLayoutId id="2147483683" r:id="rId3"/>
-    <p:sldLayoutId id="2147483684" r:id="rId4"/>
-    <p:sldLayoutId id="2147483685" r:id="rId5"/>
-    <p:sldLayoutId id="2147483686" r:id="rId6"/>
-    <p:sldLayoutId id="2147483687" r:id="rId7"/>
-    <p:sldLayoutId id="2147483688" r:id="rId8"/>
-    <p:sldLayoutId id="2147483689" r:id="rId9"/>
-    <p:sldLayoutId id="2147483690" r:id="rId10"/>
-    <p:sldLayoutId id="2147483691" r:id="rId11"/>
   </p:sldLayoutIdLst>
   <p:txStyles>
     <p:titleStyle>
@@ -8583,334 +5655,6 @@
       </p:grpSpPr>
       <p:sp>
         <p:nvSpPr>
-          <p:cNvPr id="3" name="テキスト ボックス 2">
-            <a:extLst>
-              <a:ext uri="{FF2B5EF4-FFF2-40B4-BE49-F238E27FC236}">
-                <a16:creationId xmlns:a16="http://schemas.microsoft.com/office/drawing/2014/main" id="{82243864-034B-4B1F-989D-660E752C29D3}"/>
-              </a:ext>
-            </a:extLst>
-          </p:cNvPr>
-          <p:cNvSpPr txBox="1"/>
-          <p:nvPr/>
-        </p:nvSpPr>
-        <p:spPr>
-          <a:xfrm>
-            <a:off x="286866" y="9666329"/>
-            <a:ext cx="7032247" cy="723916"/>
-          </a:xfrm>
-          <a:prstGeom prst="rect">
-            <a:avLst/>
-          </a:prstGeom>
-          <a:solidFill>
-            <a:schemeClr val="bg1">
-              <a:lumMod val="95000"/>
-            </a:schemeClr>
-          </a:solidFill>
-        </p:spPr>
-        <p:txBody>
-          <a:bodyPr wrap="square" rtlCol="0">
-            <a:spAutoFit/>
-          </a:bodyPr>
-          <a:lstStyle/>
-          <a:p>
-            <a:r>
-              <a:rPr lang="ja-JP" altLang="en-US" sz="2052">
-                <a:solidFill>
-                  <a:schemeClr val="bg1">
-                    <a:lumMod val="50000"/>
-                  </a:schemeClr>
-                </a:solidFill>
-              </a:rPr>
-              <a:t>モデルを作ってみた感想、難しかった点や苦労した点などあれば自由に記述してください。ここは審査の範囲外です</a:t>
-            </a:r>
-            <a:endParaRPr lang="ja-JP" altLang="en-US" sz="2052" dirty="0">
-              <a:solidFill>
-                <a:schemeClr val="bg1">
-                  <a:lumMod val="50000"/>
-                </a:schemeClr>
-              </a:solidFill>
-            </a:endParaRPr>
-          </a:p>
-        </p:txBody>
-      </p:sp>
-      <p:sp>
-        <p:nvSpPr>
-          <p:cNvPr id="4" name="テキスト ボックス 3">
-            <a:extLst>
-              <a:ext uri="{FF2B5EF4-FFF2-40B4-BE49-F238E27FC236}">
-                <a16:creationId xmlns:a16="http://schemas.microsoft.com/office/drawing/2014/main" id="{1B9BAB15-89E8-4BE3-AEFC-6878394403C2}"/>
-              </a:ext>
-            </a:extLst>
-          </p:cNvPr>
-          <p:cNvSpPr txBox="1"/>
-          <p:nvPr/>
-        </p:nvSpPr>
-        <p:spPr>
-          <a:xfrm>
-            <a:off x="7595679" y="9380748"/>
-            <a:ext cx="7236804" cy="1039708"/>
-          </a:xfrm>
-          <a:prstGeom prst="rect">
-            <a:avLst/>
-          </a:prstGeom>
-          <a:solidFill>
-            <a:schemeClr val="bg1">
-              <a:lumMod val="95000"/>
-            </a:schemeClr>
-          </a:solidFill>
-        </p:spPr>
-        <p:txBody>
-          <a:bodyPr wrap="square" rtlCol="0">
-            <a:spAutoFit/>
-          </a:bodyPr>
-          <a:lstStyle/>
-          <a:p>
-            <a:r>
-              <a:rPr lang="ja-JP" altLang="en-US" sz="2052" dirty="0">
-                <a:solidFill>
-                  <a:schemeClr val="bg1">
-                    <a:lumMod val="50000"/>
-                  </a:schemeClr>
-                </a:solidFill>
-              </a:rPr>
-              <a:t>提供モデルに対して、どのような考えで変更を行ったかをわかりやすく記述してください。ここで書いたことに対して、構造・振舞いのモデル内に対応をつけていただくと分かりやすくなるでしょう</a:t>
-            </a:r>
-          </a:p>
-        </p:txBody>
-      </p:sp>
-      <p:sp>
-        <p:nvSpPr>
-          <p:cNvPr id="13" name="テキスト ボックス 12">
-            <a:extLst>
-              <a:ext uri="{FF2B5EF4-FFF2-40B4-BE49-F238E27FC236}">
-                <a16:creationId xmlns:a16="http://schemas.microsoft.com/office/drawing/2014/main" id="{BD3C2686-F196-46BC-B1B4-BC78CE8CADA8}"/>
-              </a:ext>
-            </a:extLst>
-          </p:cNvPr>
-          <p:cNvSpPr txBox="1"/>
-          <p:nvPr/>
-        </p:nvSpPr>
-        <p:spPr>
-          <a:xfrm>
-            <a:off x="286867" y="5453422"/>
-            <a:ext cx="6981638" cy="408125"/>
-          </a:xfrm>
-          <a:prstGeom prst="rect">
-            <a:avLst/>
-          </a:prstGeom>
-          <a:solidFill>
-            <a:schemeClr val="bg1">
-              <a:lumMod val="95000"/>
-            </a:schemeClr>
-          </a:solidFill>
-        </p:spPr>
-        <p:txBody>
-          <a:bodyPr wrap="square" rtlCol="0">
-            <a:spAutoFit/>
-          </a:bodyPr>
-          <a:lstStyle/>
-          <a:p>
-            <a:r>
-              <a:rPr lang="ja-JP" altLang="en-US" sz="2052" dirty="0">
-                <a:solidFill>
-                  <a:schemeClr val="bg1">
-                    <a:lumMod val="50000"/>
-                  </a:schemeClr>
-                </a:solidFill>
-              </a:rPr>
-              <a:t>配布時のこの領域の大きさが記載可能な範囲です</a:t>
-            </a:r>
-          </a:p>
-        </p:txBody>
-      </p:sp>
-      <p:sp>
-        <p:nvSpPr>
-          <p:cNvPr id="27" name="吹き出し: 四角形 15">
-            <a:extLst>
-              <a:ext uri="{FF2B5EF4-FFF2-40B4-BE49-F238E27FC236}">
-                <a16:creationId xmlns:a16="http://schemas.microsoft.com/office/drawing/2014/main" id="{666A32B6-7F3D-C74B-A9B9-34F798C9B2DC}"/>
-              </a:ext>
-            </a:extLst>
-          </p:cNvPr>
-          <p:cNvSpPr/>
-          <p:nvPr/>
-        </p:nvSpPr>
-        <p:spPr>
-          <a:xfrm>
-            <a:off x="9966460" y="7169909"/>
-            <a:ext cx="3206339" cy="882062"/>
-          </a:xfrm>
-          <a:prstGeom prst="wedgeRectCallout">
-            <a:avLst>
-              <a:gd name="adj1" fmla="val -77127"/>
-              <a:gd name="adj2" fmla="val 206505"/>
-            </a:avLst>
-          </a:prstGeom>
-          <a:solidFill>
-            <a:schemeClr val="accent4">
-              <a:lumMod val="20000"/>
-              <a:lumOff val="80000"/>
-            </a:schemeClr>
-          </a:solidFill>
-        </p:spPr>
-        <p:style>
-          <a:lnRef idx="2">
-            <a:schemeClr val="accent1">
-              <a:shade val="50000"/>
-            </a:schemeClr>
-          </a:lnRef>
-          <a:fillRef idx="1">
-            <a:schemeClr val="accent1"/>
-          </a:fillRef>
-          <a:effectRef idx="0">
-            <a:schemeClr val="accent1"/>
-          </a:effectRef>
-          <a:fontRef idx="minor">
-            <a:schemeClr val="lt1"/>
-          </a:fontRef>
-        </p:style>
-        <p:txBody>
-          <a:bodyPr rtlCol="0" anchor="ctr"/>
-          <a:lstStyle/>
-          <a:p>
-            <a:pPr eaLnBrk="1" hangingPunct="1"/>
-            <a:r>
-              <a:rPr lang="ja-JP" altLang="en-US" sz="2052" dirty="0">
-                <a:solidFill>
-                  <a:srgbClr val="0070C0"/>
-                </a:solidFill>
-              </a:rPr>
-              <a:t>提出時には消してください</a:t>
-            </a:r>
-          </a:p>
-        </p:txBody>
-      </p:sp>
-      <p:sp>
-        <p:nvSpPr>
-          <p:cNvPr id="28" name="吹き出し: 四角形 16">
-            <a:extLst>
-              <a:ext uri="{FF2B5EF4-FFF2-40B4-BE49-F238E27FC236}">
-                <a16:creationId xmlns:a16="http://schemas.microsoft.com/office/drawing/2014/main" id="{ADBCE0D3-9CB4-AC4E-B29A-955F9D0008E9}"/>
-              </a:ext>
-            </a:extLst>
-          </p:cNvPr>
-          <p:cNvSpPr/>
-          <p:nvPr/>
-        </p:nvSpPr>
-        <p:spPr>
-          <a:xfrm>
-            <a:off x="9966460" y="7122978"/>
-            <a:ext cx="3206339" cy="882062"/>
-          </a:xfrm>
-          <a:prstGeom prst="wedgeRectCallout">
-            <a:avLst>
-              <a:gd name="adj1" fmla="val -243656"/>
-              <a:gd name="adj2" fmla="val 237548"/>
-            </a:avLst>
-          </a:prstGeom>
-          <a:solidFill>
-            <a:schemeClr val="accent4">
-              <a:lumMod val="20000"/>
-              <a:lumOff val="80000"/>
-            </a:schemeClr>
-          </a:solidFill>
-        </p:spPr>
-        <p:style>
-          <a:lnRef idx="2">
-            <a:schemeClr val="accent1">
-              <a:shade val="50000"/>
-            </a:schemeClr>
-          </a:lnRef>
-          <a:fillRef idx="1">
-            <a:schemeClr val="accent1"/>
-          </a:fillRef>
-          <a:effectRef idx="0">
-            <a:schemeClr val="accent1"/>
-          </a:effectRef>
-          <a:fontRef idx="minor">
-            <a:schemeClr val="lt1"/>
-          </a:fontRef>
-        </p:style>
-        <p:txBody>
-          <a:bodyPr rtlCol="0" anchor="ctr"/>
-          <a:lstStyle/>
-          <a:p>
-            <a:pPr eaLnBrk="1" hangingPunct="1"/>
-            <a:r>
-              <a:rPr lang="ja-JP" altLang="en-US" sz="2052" dirty="0">
-                <a:solidFill>
-                  <a:srgbClr val="0070C0"/>
-                </a:solidFill>
-              </a:rPr>
-              <a:t>提出時には消してください</a:t>
-            </a:r>
-          </a:p>
-        </p:txBody>
-      </p:sp>
-      <p:sp>
-        <p:nvSpPr>
-          <p:cNvPr id="29" name="吹き出し: 四角形 17">
-            <a:extLst>
-              <a:ext uri="{FF2B5EF4-FFF2-40B4-BE49-F238E27FC236}">
-                <a16:creationId xmlns:a16="http://schemas.microsoft.com/office/drawing/2014/main" id="{94802D0C-2688-4D49-885F-79F26570E67E}"/>
-              </a:ext>
-            </a:extLst>
-          </p:cNvPr>
-          <p:cNvSpPr/>
-          <p:nvPr/>
-        </p:nvSpPr>
-        <p:spPr>
-          <a:xfrm>
-            <a:off x="9966460" y="7098337"/>
-            <a:ext cx="3206339" cy="953634"/>
-          </a:xfrm>
-          <a:prstGeom prst="wedgeRectCallout">
-            <a:avLst>
-              <a:gd name="adj1" fmla="val -139890"/>
-              <a:gd name="adj2" fmla="val -203874"/>
-            </a:avLst>
-          </a:prstGeom>
-          <a:solidFill>
-            <a:schemeClr val="accent4">
-              <a:lumMod val="20000"/>
-              <a:lumOff val="80000"/>
-            </a:schemeClr>
-          </a:solidFill>
-        </p:spPr>
-        <p:style>
-          <a:lnRef idx="2">
-            <a:schemeClr val="accent1">
-              <a:shade val="50000"/>
-            </a:schemeClr>
-          </a:lnRef>
-          <a:fillRef idx="1">
-            <a:schemeClr val="accent1"/>
-          </a:fillRef>
-          <a:effectRef idx="0">
-            <a:schemeClr val="accent1"/>
-          </a:effectRef>
-          <a:fontRef idx="minor">
-            <a:schemeClr val="lt1"/>
-          </a:fontRef>
-        </p:style>
-        <p:txBody>
-          <a:bodyPr rtlCol="0" anchor="ctr"/>
-          <a:lstStyle/>
-          <a:p>
-            <a:pPr eaLnBrk="1" hangingPunct="1"/>
-            <a:r>
-              <a:rPr lang="ja-JP" altLang="en-US" sz="2052" dirty="0">
-                <a:solidFill>
-                  <a:srgbClr val="0070C0"/>
-                </a:solidFill>
-              </a:rPr>
-              <a:t>提出時には消してください</a:t>
-            </a:r>
-          </a:p>
-        </p:txBody>
-      </p:sp>
-      <p:sp>
-        <p:nvSpPr>
           <p:cNvPr id="30" name="Rectangle 15">
             <a:extLst>
               <a:ext uri="{FF2B5EF4-FFF2-40B4-BE49-F238E27FC236}">
@@ -9416,11 +6160,95 @@
               <a:buChar char="Ø"/>
             </a:pPr>
             <a:r>
+              <a:rPr lang="ja-JP" altLang="en-US" sz="2000" dirty="0">
+                <a:latin typeface="HG丸ｺﾞｼｯｸM-PRO" panose="020F0600000000000000" pitchFamily="50" charset="-128"/>
+                <a:ea typeface="HG丸ｺﾞｼｯｸM-PRO" panose="020F0600000000000000" pitchFamily="50" charset="-128"/>
+              </a:rPr>
+              <a:t>チーム紹介</a:t>
+            </a:r>
+            <a:endParaRPr lang="en-US" altLang="ja-JP" sz="2000" dirty="0">
+              <a:latin typeface="HG丸ｺﾞｼｯｸM-PRO" panose="020F0600000000000000" pitchFamily="50" charset="-128"/>
+              <a:ea typeface="HG丸ｺﾞｼｯｸM-PRO" panose="020F0600000000000000" pitchFamily="50" charset="-128"/>
+            </a:endParaRPr>
+          </a:p>
+          <a:p>
+            <a:pPr marL="0" indent="0"/>
+            <a:r>
               <a:rPr lang="ja-JP" altLang="en-US" sz="1782" dirty="0">
                 <a:latin typeface="HG丸ｺﾞｼｯｸM-PRO" panose="020F0600000000000000" pitchFamily="50" charset="-128"/>
                 <a:ea typeface="HG丸ｺﾞｼｯｸM-PRO" panose="020F0600000000000000" pitchFamily="50" charset="-128"/>
               </a:rPr>
-              <a:t>チーム紹介</a:t>
+              <a:t>私達</a:t>
+            </a:r>
+            <a:r>
+              <a:rPr lang="en-US" altLang="ja-JP" sz="1782" dirty="0">
+                <a:latin typeface="HG丸ｺﾞｼｯｸM-PRO" panose="020F0600000000000000" pitchFamily="50" charset="-128"/>
+                <a:ea typeface="HG丸ｺﾞｼｯｸM-PRO" panose="020F0600000000000000" pitchFamily="50" charset="-128"/>
+              </a:rPr>
+              <a:t>YuToRI</a:t>
+            </a:r>
+            <a:r>
+              <a:rPr lang="ja-JP" altLang="en-US" sz="1782" dirty="0">
+                <a:latin typeface="HG丸ｺﾞｼｯｸM-PRO" panose="020F0600000000000000" pitchFamily="50" charset="-128"/>
+                <a:ea typeface="HG丸ｺﾞｼｯｸM-PRO" panose="020F0600000000000000" pitchFamily="50" charset="-128"/>
+              </a:rPr>
+              <a:t>は、産業技術短大の</a:t>
+            </a:r>
+            <a:r>
+              <a:rPr lang="en-US" altLang="ja-JP" sz="1782" dirty="0">
+                <a:latin typeface="HG丸ｺﾞｼｯｸM-PRO" panose="020F0600000000000000" pitchFamily="50" charset="-128"/>
+                <a:ea typeface="HG丸ｺﾞｼｯｸM-PRO" panose="020F0600000000000000" pitchFamily="50" charset="-128"/>
+              </a:rPr>
+              <a:t>2</a:t>
+            </a:r>
+            <a:r>
+              <a:rPr lang="ja-JP" altLang="en-US" sz="1782" dirty="0">
+                <a:latin typeface="HG丸ｺﾞｼｯｸM-PRO" panose="020F0600000000000000" pitchFamily="50" charset="-128"/>
+                <a:ea typeface="HG丸ｺﾞｼｯｸM-PRO" panose="020F0600000000000000" pitchFamily="50" charset="-128"/>
+              </a:rPr>
+              <a:t>年生</a:t>
+            </a:r>
+            <a:r>
+              <a:rPr lang="en-US" altLang="ja-JP" sz="1782" dirty="0">
+                <a:latin typeface="HG丸ｺﾞｼｯｸM-PRO" panose="020F0600000000000000" pitchFamily="50" charset="-128"/>
+                <a:ea typeface="HG丸ｺﾞｼｯｸM-PRO" panose="020F0600000000000000" pitchFamily="50" charset="-128"/>
+              </a:rPr>
+              <a:t>5</a:t>
+            </a:r>
+            <a:r>
+              <a:rPr lang="ja-JP" altLang="en-US" sz="1782" dirty="0">
+                <a:latin typeface="HG丸ｺﾞｼｯｸM-PRO" panose="020F0600000000000000" pitchFamily="50" charset="-128"/>
+                <a:ea typeface="HG丸ｺﾞｼｯｸM-PRO" panose="020F0600000000000000" pitchFamily="50" charset="-128"/>
+              </a:rPr>
+              <a:t>名のチームです！</a:t>
+            </a:r>
+            <a:endParaRPr lang="en-US" altLang="ja-JP" sz="1782" dirty="0">
+              <a:latin typeface="HG丸ｺﾞｼｯｸM-PRO" panose="020F0600000000000000" pitchFamily="50" charset="-128"/>
+              <a:ea typeface="HG丸ｺﾞｼｯｸM-PRO" panose="020F0600000000000000" pitchFamily="50" charset="-128"/>
+            </a:endParaRPr>
+          </a:p>
+          <a:p>
+            <a:pPr marL="0" indent="0"/>
+            <a:r>
+              <a:rPr lang="ja-JP" altLang="en-US" sz="1782" dirty="0">
+                <a:latin typeface="HG丸ｺﾞｼｯｸM-PRO" panose="020F0600000000000000" pitchFamily="50" charset="-128"/>
+                <a:ea typeface="HG丸ｺﾞｼｯｸM-PRO" panose="020F0600000000000000" pitchFamily="50" charset="-128"/>
+              </a:rPr>
+              <a:t>チーム名の「</a:t>
+            </a:r>
+            <a:r>
+              <a:rPr lang="en-US" altLang="ja-JP" sz="1782" dirty="0">
+                <a:latin typeface="HG丸ｺﾞｼｯｸM-PRO" panose="020F0600000000000000" pitchFamily="50" charset="-128"/>
+                <a:ea typeface="HG丸ｺﾞｼｯｸM-PRO" panose="020F0600000000000000" pitchFamily="50" charset="-128"/>
+              </a:rPr>
+              <a:t>YuToRI</a:t>
+            </a:r>
+            <a:r>
+              <a:rPr lang="ja-JP" altLang="en-US" sz="1782" dirty="0">
+                <a:latin typeface="HG丸ｺﾞｼｯｸM-PRO" panose="020F0600000000000000" pitchFamily="50" charset="-128"/>
+                <a:ea typeface="HG丸ｺﾞｼｯｸM-PRO" panose="020F0600000000000000" pitchFamily="50" charset="-128"/>
+              </a:rPr>
+              <a:t>」は、メンバーの頭文字からとっています。</a:t>
             </a:r>
             <a:endParaRPr lang="en-US" altLang="ja-JP" sz="1782" dirty="0">
               <a:latin typeface="HG丸ｺﾞｼｯｸM-PRO" panose="020F0600000000000000" pitchFamily="50" charset="-128"/>
@@ -9435,23 +6263,6 @@
             </a:endParaRPr>
           </a:p>
           <a:p>
-            <a:pPr marL="285750" indent="-285750">
-              <a:buFont typeface="Wingdings" panose="05000000000000000000" pitchFamily="2" charset="2"/>
-              <a:buChar char="Ø"/>
-            </a:pPr>
-            <a:r>
-              <a:rPr lang="ja-JP" altLang="en-US" sz="1782" dirty="0">
-                <a:latin typeface="HG丸ｺﾞｼｯｸM-PRO" panose="020F0600000000000000" pitchFamily="50" charset="-128"/>
-                <a:ea typeface="HG丸ｺﾞｼｯｸM-PRO" panose="020F0600000000000000" pitchFamily="50" charset="-128"/>
-              </a:rPr>
-              <a:t>目標</a:t>
-            </a:r>
-            <a:endParaRPr lang="en-US" altLang="ja-JP" sz="1782" dirty="0">
-              <a:latin typeface="HG丸ｺﾞｼｯｸM-PRO" panose="020F0600000000000000" pitchFamily="50" charset="-128"/>
-              <a:ea typeface="HG丸ｺﾞｼｯｸM-PRO" panose="020F0600000000000000" pitchFamily="50" charset="-128"/>
-            </a:endParaRPr>
-          </a:p>
-          <a:p>
             <a:pPr marL="0" indent="0"/>
             <a:endParaRPr lang="en-US" altLang="ja-JP" sz="1782" dirty="0">
               <a:latin typeface="HG丸ｺﾞｼｯｸM-PRO" panose="020F0600000000000000" pitchFamily="50" charset="-128"/>
@@ -9464,12 +6275,51 @@
               <a:buChar char="Ø"/>
             </a:pPr>
             <a:r>
+              <a:rPr lang="ja-JP" altLang="en-US" sz="2000" dirty="0">
+                <a:latin typeface="HG丸ｺﾞｼｯｸM-PRO" panose="020F0600000000000000" pitchFamily="50" charset="-128"/>
+                <a:ea typeface="HG丸ｺﾞｼｯｸM-PRO" panose="020F0600000000000000" pitchFamily="50" charset="-128"/>
+              </a:rPr>
+              <a:t>目標・意気込み</a:t>
+            </a:r>
+            <a:endParaRPr lang="en-US" altLang="ja-JP" sz="2000" dirty="0">
+              <a:latin typeface="HG丸ｺﾞｼｯｸM-PRO" panose="020F0600000000000000" pitchFamily="50" charset="-128"/>
+              <a:ea typeface="HG丸ｺﾞｼｯｸM-PRO" panose="020F0600000000000000" pitchFamily="50" charset="-128"/>
+            </a:endParaRPr>
+          </a:p>
+          <a:p>
+            <a:pPr marL="0" indent="0"/>
+            <a:r>
               <a:rPr lang="ja-JP" altLang="en-US" sz="1782" dirty="0">
                 <a:latin typeface="HG丸ｺﾞｼｯｸM-PRO" panose="020F0600000000000000" pitchFamily="50" charset="-128"/>
                 <a:ea typeface="HG丸ｺﾞｼｯｸM-PRO" panose="020F0600000000000000" pitchFamily="50" charset="-128"/>
               </a:rPr>
-              <a:t>意気込み</a:t>
-            </a:r>
+              <a:t>なるべくコースを速く走り、完走することです。</a:t>
+            </a:r>
+            <a:endParaRPr lang="en-US" altLang="ja-JP" sz="1782" dirty="0">
+              <a:latin typeface="HG丸ｺﾞｼｯｸM-PRO" panose="020F0600000000000000" pitchFamily="50" charset="-128"/>
+              <a:ea typeface="HG丸ｺﾞｼｯｸM-PRO" panose="020F0600000000000000" pitchFamily="50" charset="-128"/>
+            </a:endParaRPr>
+          </a:p>
+          <a:p>
+            <a:pPr marL="0" indent="0"/>
+            <a:endParaRPr lang="en-US" altLang="ja-JP" sz="1782" dirty="0">
+              <a:latin typeface="HG丸ｺﾞｼｯｸM-PRO" panose="020F0600000000000000" pitchFamily="50" charset="-128"/>
+              <a:ea typeface="HG丸ｺﾞｼｯｸM-PRO" panose="020F0600000000000000" pitchFamily="50" charset="-128"/>
+            </a:endParaRPr>
+          </a:p>
+          <a:p>
+            <a:pPr marL="0" indent="0"/>
+            <a:endParaRPr lang="en-US" altLang="ja-JP" sz="1782" dirty="0">
+              <a:latin typeface="HG丸ｺﾞｼｯｸM-PRO" panose="020F0600000000000000" pitchFamily="50" charset="-128"/>
+              <a:ea typeface="HG丸ｺﾞｼｯｸM-PRO" panose="020F0600000000000000" pitchFamily="50" charset="-128"/>
+            </a:endParaRPr>
+          </a:p>
+          <a:p>
+            <a:pPr marL="0" indent="0"/>
+            <a:endParaRPr lang="ja-JP" altLang="en-US" sz="1782" dirty="0">
+              <a:latin typeface="HG丸ｺﾞｼｯｸM-PRO" panose="020F0600000000000000" pitchFamily="50" charset="-128"/>
+              <a:ea typeface="HG丸ｺﾞｼｯｸM-PRO" panose="020F0600000000000000" pitchFamily="50" charset="-128"/>
+            </a:endParaRPr>
           </a:p>
         </p:txBody>
       </p:sp>
@@ -9635,79 +6485,13 @@
               </a:spcBef>
             </a:pPr>
             <a:r>
-              <a:rPr lang="ja-JP" altLang="en-US" sz="2168" b="1">
+              <a:rPr lang="ja-JP" altLang="en-US" sz="2168" b="1" dirty="0">
                 <a:solidFill>
                   <a:srgbClr val="FF0000"/>
                 </a:solidFill>
               </a:rPr>
               <a:t>モデルを作ってみた感想など</a:t>
             </a:r>
-            <a:endParaRPr lang="ja-JP" altLang="en-US" sz="2168" b="1" dirty="0">
-              <a:solidFill>
-                <a:srgbClr val="FF0000"/>
-              </a:solidFill>
-            </a:endParaRPr>
-          </a:p>
-          <a:p>
-            <a:pPr marL="219212" indent="-219212" eaLnBrk="1" hangingPunct="1">
-              <a:lnSpc>
-                <a:spcPct val="80000"/>
-              </a:lnSpc>
-              <a:spcBef>
-                <a:spcPts val="668"/>
-              </a:spcBef>
-              <a:buFont typeface="Arial" panose="020B0604020202020204" pitchFamily="34" charset="0"/>
-              <a:buChar char="•"/>
-            </a:pPr>
-            <a:r>
-              <a:rPr lang="ja-JP" altLang="en-US" sz="1782" dirty="0">
-                <a:latin typeface="HG丸ｺﾞｼｯｸM-PRO" panose="020F0600000000000000" pitchFamily="50" charset="-128"/>
-                <a:ea typeface="HG丸ｺﾞｼｯｸM-PRO" panose="020F0600000000000000" pitchFamily="50" charset="-128"/>
-              </a:rPr>
-              <a:t>ダミーテキストダミーテキストダミーテキストダミーテキストダミーテキストダミーテキストダミーテキストダミーテキスト</a:t>
-            </a:r>
-          </a:p>
-          <a:p>
-            <a:pPr marL="219212" indent="-219212" eaLnBrk="1" hangingPunct="1">
-              <a:lnSpc>
-                <a:spcPct val="80000"/>
-              </a:lnSpc>
-              <a:spcBef>
-                <a:spcPts val="668"/>
-              </a:spcBef>
-              <a:buFont typeface="Arial" panose="020B0604020202020204" pitchFamily="34" charset="0"/>
-              <a:buChar char="•"/>
-            </a:pPr>
-            <a:r>
-              <a:rPr lang="ja-JP" altLang="en-US" sz="1782" dirty="0">
-                <a:latin typeface="HG丸ｺﾞｼｯｸM-PRO" panose="020F0600000000000000" pitchFamily="50" charset="-128"/>
-                <a:ea typeface="HG丸ｺﾞｼｯｸM-PRO" panose="020F0600000000000000" pitchFamily="50" charset="-128"/>
-              </a:rPr>
-              <a:t>ダミーテキストダミーテキスト</a:t>
-            </a:r>
-          </a:p>
-          <a:p>
-            <a:pPr marL="219212" indent="-219212" eaLnBrk="1" hangingPunct="1">
-              <a:lnSpc>
-                <a:spcPct val="80000"/>
-              </a:lnSpc>
-              <a:spcBef>
-                <a:spcPts val="668"/>
-              </a:spcBef>
-              <a:buFont typeface="Arial" panose="020B0604020202020204" pitchFamily="34" charset="0"/>
-              <a:buChar char="•"/>
-            </a:pPr>
-            <a:r>
-              <a:rPr lang="ja-JP" altLang="en-US" sz="1782" dirty="0">
-                <a:latin typeface="HG丸ｺﾞｼｯｸM-PRO" panose="020F0600000000000000" pitchFamily="50" charset="-128"/>
-                <a:ea typeface="HG丸ｺﾞｼｯｸM-PRO" panose="020F0600000000000000" pitchFamily="50" charset="-128"/>
-              </a:rPr>
-              <a:t>ダミーテキストダミーテキスト</a:t>
-            </a:r>
-            <a:endParaRPr lang="en-US" altLang="ja-JP" sz="1782" dirty="0">
-              <a:latin typeface="HG丸ｺﾞｼｯｸM-PRO" panose="020F0600000000000000" pitchFamily="50" charset="-128"/>
-              <a:ea typeface="HG丸ｺﾞｼｯｸM-PRO" panose="020F0600000000000000" pitchFamily="50" charset="-128"/>
-            </a:endParaRPr>
           </a:p>
           <a:p>
             <a:pPr marL="219212" indent="-219212" eaLnBrk="1" hangingPunct="1">
@@ -9962,7 +6746,7 @@
               </a:spcBef>
             </a:pPr>
             <a:r>
-              <a:rPr lang="ja-JP" altLang="en-US" sz="2227" b="1">
+              <a:rPr lang="ja-JP" altLang="en-US" sz="2227" b="1" dirty="0">
                 <a:solidFill>
                   <a:srgbClr val="FF0000"/>
                 </a:solidFill>
@@ -9971,13 +6755,6 @@
               </a:rPr>
               <a:t>モデルの変更方針</a:t>
             </a:r>
-            <a:endParaRPr lang="ja-JP" altLang="en-US" sz="2227" b="1" dirty="0">
-              <a:solidFill>
-                <a:srgbClr val="FF0000"/>
-              </a:solidFill>
-              <a:latin typeface="MS PGothic" panose="020B0600070205080204" pitchFamily="34" charset="-128"/>
-              <a:ea typeface="MS PGothic" panose="020B0600070205080204" pitchFamily="34" charset="-128"/>
-            </a:endParaRPr>
           </a:p>
         </p:txBody>
       </p:sp>
@@ -10315,6 +7092,42 @@
           </a:p>
         </p:txBody>
       </p:sp>
+      <p:pic>
+        <p:nvPicPr>
+          <p:cNvPr id="5" name="図 4" descr="ダイアグラム&#10;&#10;自動的に生成された説明">
+            <a:extLst>
+              <a:ext uri="{FF2B5EF4-FFF2-40B4-BE49-F238E27FC236}">
+                <a16:creationId xmlns:a16="http://schemas.microsoft.com/office/drawing/2014/main" id="{CDA7B509-8CE9-4698-BE4E-404D13A77D90}"/>
+              </a:ext>
+            </a:extLst>
+          </p:cNvPr>
+          <p:cNvPicPr>
+            <a:picLocks noChangeAspect="1"/>
+          </p:cNvPicPr>
+          <p:nvPr/>
+        </p:nvPicPr>
+        <p:blipFill>
+          <a:blip r:embed="rId4">
+            <a:extLst>
+              <a:ext uri="{28A0092B-C50C-407E-A947-70E740481C1C}">
+                <a14:useLocalDpi xmlns:a14="http://schemas.microsoft.com/office/drawing/2010/main" val="0"/>
+              </a:ext>
+            </a:extLst>
+          </a:blip>
+          <a:stretch>
+            <a:fillRect/>
+          </a:stretch>
+        </p:blipFill>
+        <p:spPr>
+          <a:xfrm>
+            <a:off x="10310151" y="4340003"/>
+            <a:ext cx="4442845" cy="6005080"/>
+          </a:xfrm>
+          <a:prstGeom prst="rect">
+            <a:avLst/>
+          </a:prstGeom>
+        </p:spPr>
+      </p:pic>
     </p:spTree>
     <p:extLst>
       <p:ext uri="{BB962C8B-B14F-4D97-AF65-F5344CB8AC3E}">
@@ -10331,6 +7144,14 @@
 <file path=ppt/slides/slide2.xml><?xml version="1.0" encoding="utf-8"?>
 <p:sld xmlns:a="http://schemas.openxmlformats.org/drawingml/2006/main" xmlns:r="http://schemas.openxmlformats.org/officeDocument/2006/relationships" xmlns:p="http://schemas.openxmlformats.org/presentationml/2006/main">
   <p:cSld>
+    <p:bg>
+      <p:bgPr>
+        <a:solidFill>
+          <a:schemeClr val="bg1"/>
+        </a:solidFill>
+        <a:effectLst/>
+      </p:bgPr>
+    </p:bg>
     <p:spTree>
       <p:nvGrpSpPr>
         <p:cNvPr id="1" name=""/>
@@ -10345,15 +7166,51 @@
           <a:chExt cx="0" cy="0"/>
         </a:xfrm>
       </p:grpSpPr>
-      <p:sp>
-        <p:nvSpPr>
-          <p:cNvPr id="2" name="タイトル 1">
+      <p:pic>
+        <p:nvPicPr>
+          <p:cNvPr id="21" name="図 20" descr="ダイアグラム&#10;&#10;自動的に生成された説明">
             <a:extLst>
               <a:ext uri="{FF2B5EF4-FFF2-40B4-BE49-F238E27FC236}">
-                <a16:creationId xmlns:a16="http://schemas.microsoft.com/office/drawing/2014/main" id="{E6440250-F656-44C9-902A-E623DA03BB80}"/>
+                <a16:creationId xmlns:a16="http://schemas.microsoft.com/office/drawing/2014/main" id="{0CF14D35-F9B5-4DAC-AF90-63AF112723D9}"/>
               </a:ext>
             </a:extLst>
           </p:cNvPr>
+          <p:cNvPicPr>
+            <a:picLocks noChangeAspect="1"/>
+          </p:cNvPicPr>
+          <p:nvPr/>
+        </p:nvPicPr>
+        <p:blipFill>
+          <a:blip r:embed="rId2">
+            <a:extLst>
+              <a:ext uri="{28A0092B-C50C-407E-A947-70E740481C1C}">
+                <a14:useLocalDpi xmlns:a14="http://schemas.microsoft.com/office/drawing/2010/main" val="0"/>
+              </a:ext>
+            </a:extLst>
+          </a:blip>
+          <a:stretch>
+            <a:fillRect/>
+          </a:stretch>
+        </p:blipFill>
+        <p:spPr>
+          <a:xfrm>
+            <a:off x="4103291" y="2753618"/>
+            <a:ext cx="10744051" cy="6768752"/>
+          </a:xfrm>
+          <a:prstGeom prst="rect">
+            <a:avLst/>
+          </a:prstGeom>
+        </p:spPr>
+      </p:pic>
+      <p:sp>
+        <p:nvSpPr>
+          <p:cNvPr id="24" name="タイトル 23">
+            <a:extLst>
+              <a:ext uri="{FF2B5EF4-FFF2-40B4-BE49-F238E27FC236}">
+                <a16:creationId xmlns:a16="http://schemas.microsoft.com/office/drawing/2014/main" id="{DF943D23-D96F-45EC-9DFF-942A2BE49EB5}"/>
+              </a:ext>
+            </a:extLst>
+          </p:cNvPr>
           <p:cNvSpPr>
             <a:spLocks noGrp="1"/>
           </p:cNvSpPr>
@@ -10361,69 +7218,20 @@
             <p:ph type="title"/>
           </p:nvPr>
         </p:nvSpPr>
-        <p:spPr/>
+        <p:spPr>
+          <a:xfrm>
+            <a:off x="1036716" y="489053"/>
+            <a:ext cx="13041939" cy="927667"/>
+          </a:xfrm>
+        </p:spPr>
         <p:txBody>
           <a:bodyPr/>
           <a:lstStyle/>
           <a:p>
             <a:r>
-              <a:rPr kumimoji="1" lang="ja-JP" altLang="en-US" dirty="0"/>
-              <a:t>構造モデル</a:t>
-            </a:r>
-          </a:p>
-        </p:txBody>
-      </p:sp>
-      <p:sp>
-        <p:nvSpPr>
-          <p:cNvPr id="6" name="コンテンツ プレースホルダー 5">
-            <a:extLst>
-              <a:ext uri="{FF2B5EF4-FFF2-40B4-BE49-F238E27FC236}">
-                <a16:creationId xmlns:a16="http://schemas.microsoft.com/office/drawing/2014/main" id="{26FAAD07-F302-42C1-85D9-C09DAB46A420}"/>
-              </a:ext>
-            </a:extLst>
-          </p:cNvPr>
-          <p:cNvSpPr>
-            <a:spLocks noGrp="1"/>
-          </p:cNvSpPr>
-          <p:nvPr>
-            <p:ph idx="1"/>
-          </p:nvPr>
-        </p:nvSpPr>
-        <p:spPr/>
-        <p:txBody>
-          <a:bodyPr/>
-          <a:lstStyle/>
-          <a:p>
-            <a:r>
-              <a:rPr kumimoji="1" lang="ja-JP" altLang="en-US" dirty="0"/>
-              <a:t>ここに構造</a:t>
-            </a:r>
-            <a:r>
-              <a:rPr kumimoji="1" lang="ja-JP" altLang="en-US"/>
-              <a:t>のモデル（クラス図）を書いてください</a:t>
-            </a:r>
-            <a:br>
-              <a:rPr kumimoji="1" lang="en-US" altLang="ja-JP" dirty="0"/>
-            </a:br>
-            <a:r>
-              <a:rPr lang="ja-JP" altLang="en-US"/>
-              <a:t>提供モデルを改めて載せる必要はありません。</a:t>
-            </a:r>
-            <a:br>
-              <a:rPr lang="en-US" altLang="ja-JP" dirty="0"/>
-            </a:br>
-            <a:r>
-              <a:rPr lang="ja-JP" altLang="en-US"/>
-              <a:t>提供モデルをベースに作成したモデルを記述してください。</a:t>
-            </a:r>
-            <a:br>
-              <a:rPr lang="en-US" altLang="ja-JP" dirty="0"/>
-            </a:br>
-            <a:r>
-              <a:rPr lang="ja-JP" altLang="en-US"/>
-              <a:t>必要に応じて説明を入れていただくと分かりやすくなるでしょう</a:t>
-            </a:r>
-            <a:endParaRPr lang="en-US" altLang="ja-JP" dirty="0"/>
+              <a:rPr lang="ja-JP" altLang="en-US" dirty="0"/>
+              <a:t>クラス図</a:t>
+            </a:r>
           </a:p>
         </p:txBody>
       </p:sp>
@@ -10457,85 +7265,186 @@
           <a:chExt cx="0" cy="0"/>
         </a:xfrm>
       </p:grpSpPr>
-      <p:sp>
-        <p:nvSpPr>
-          <p:cNvPr id="2" name="タイトル 1">
+      <p:pic>
+        <p:nvPicPr>
+          <p:cNvPr id="9" name="図 8" descr="ダイアグラム&#10;&#10;自動的に生成された説明">
             <a:extLst>
               <a:ext uri="{FF2B5EF4-FFF2-40B4-BE49-F238E27FC236}">
-                <a16:creationId xmlns:a16="http://schemas.microsoft.com/office/drawing/2014/main" id="{5AD8C0B5-06BB-41B2-8E22-3BCAD69EBEF4}"/>
+                <a16:creationId xmlns:a16="http://schemas.microsoft.com/office/drawing/2014/main" id="{67140844-432C-4E1C-B781-9E628128DD94}"/>
               </a:ext>
             </a:extLst>
           </p:cNvPr>
-          <p:cNvSpPr>
-            <a:spLocks noGrp="1"/>
-          </p:cNvSpPr>
-          <p:nvPr>
-            <p:ph type="title"/>
-          </p:nvPr>
-        </p:nvSpPr>
-        <p:spPr/>
-        <p:txBody>
-          <a:bodyPr/>
-          <a:lstStyle/>
-          <a:p>
-            <a:r>
-              <a:rPr lang="ja-JP" altLang="en-US" dirty="0"/>
-              <a:t>振舞いモデル</a:t>
-            </a:r>
-            <a:endParaRPr kumimoji="1" lang="ja-JP" altLang="en-US" dirty="0"/>
-          </a:p>
-        </p:txBody>
-      </p:sp>
-      <p:sp>
-        <p:nvSpPr>
-          <p:cNvPr id="5" name="コンテンツ プレースホルダー 4">
+          <p:cNvPicPr>
+            <a:picLocks noChangeAspect="1"/>
+          </p:cNvPicPr>
+          <p:nvPr/>
+        </p:nvPicPr>
+        <p:blipFill>
+          <a:blip r:embed="rId2">
+            <a:extLst>
+              <a:ext uri="{28A0092B-C50C-407E-A947-70E740481C1C}">
+                <a14:useLocalDpi xmlns:a14="http://schemas.microsoft.com/office/drawing/2010/main" val="0"/>
+              </a:ext>
+            </a:extLst>
+          </a:blip>
+          <a:stretch>
+            <a:fillRect/>
+          </a:stretch>
+        </p:blipFill>
+        <p:spPr>
+          <a:xfrm>
+            <a:off x="8969814" y="521370"/>
+            <a:ext cx="6293783" cy="7920880"/>
+          </a:xfrm>
+          <a:prstGeom prst="rect">
+            <a:avLst/>
+          </a:prstGeom>
+        </p:spPr>
+      </p:pic>
+      <p:pic>
+        <p:nvPicPr>
+          <p:cNvPr id="11" name="図 10" descr="グラフ, 箱ひげ図&#10;&#10;自動的に生成された説明">
             <a:extLst>
               <a:ext uri="{FF2B5EF4-FFF2-40B4-BE49-F238E27FC236}">
-                <a16:creationId xmlns:a16="http://schemas.microsoft.com/office/drawing/2014/main" id="{21492ACA-CEBB-4A08-A6B6-1B760833EEA5}"/>
+                <a16:creationId xmlns:a16="http://schemas.microsoft.com/office/drawing/2014/main" id="{4F0832C9-3B62-441A-B872-3DB941AEBB0C}"/>
               </a:ext>
             </a:extLst>
           </p:cNvPr>
-          <p:cNvSpPr>
-            <a:spLocks noGrp="1"/>
-          </p:cNvSpPr>
-          <p:nvPr>
-            <p:ph idx="1"/>
-          </p:nvPr>
-        </p:nvSpPr>
-        <p:spPr/>
-        <p:txBody>
-          <a:bodyPr/>
-          <a:lstStyle/>
-          <a:p>
-            <a:r>
-              <a:rPr lang="ja-JP" altLang="en-US"/>
-              <a:t>ここに振舞いのモデル（ステートマシン図、シーケンス図など）を書いてください</a:t>
-            </a:r>
-            <a:br>
-              <a:rPr lang="en-US" altLang="ja-JP" dirty="0"/>
-            </a:br>
-            <a:r>
-              <a:rPr lang="ja-JP" altLang="en-US"/>
-              <a:t>提供モデルを改めて載せる必要はありません。</a:t>
-            </a:r>
-            <a:br>
-              <a:rPr lang="en-US" altLang="ja-JP" dirty="0"/>
-            </a:br>
-            <a:r>
-              <a:rPr lang="ja-JP" altLang="en-US"/>
-              <a:t>提供モデルをベースに作成したモデルを記述してください。</a:t>
-            </a:r>
-            <a:br>
-              <a:rPr lang="en-US" altLang="ja-JP" dirty="0"/>
-            </a:br>
-            <a:r>
-              <a:rPr lang="ja-JP" altLang="en-US"/>
-              <a:t>必要に応じて説明を入れていただくと分かりやすくなるでしょう</a:t>
-            </a:r>
-            <a:endParaRPr lang="en-US" altLang="ja-JP" dirty="0"/>
-          </a:p>
-        </p:txBody>
-      </p:sp>
+          <p:cNvPicPr>
+            <a:picLocks noChangeAspect="1"/>
+          </p:cNvPicPr>
+          <p:nvPr/>
+        </p:nvPicPr>
+        <p:blipFill>
+          <a:blip r:embed="rId3">
+            <a:extLst>
+              <a:ext uri="{28A0092B-C50C-407E-A947-70E740481C1C}">
+                <a14:useLocalDpi xmlns:a14="http://schemas.microsoft.com/office/drawing/2010/main" val="0"/>
+              </a:ext>
+            </a:extLst>
+          </a:blip>
+          <a:stretch>
+            <a:fillRect/>
+          </a:stretch>
+        </p:blipFill>
+        <p:spPr>
+          <a:xfrm>
+            <a:off x="4091108" y="3274190"/>
+            <a:ext cx="6458109" cy="3009479"/>
+          </a:xfrm>
+          <a:prstGeom prst="rect">
+            <a:avLst/>
+          </a:prstGeom>
+        </p:spPr>
+      </p:pic>
+      <p:pic>
+        <p:nvPicPr>
+          <p:cNvPr id="13" name="図 12" descr="ダイアグラム&#10;&#10;自動的に生成された説明">
+            <a:extLst>
+              <a:ext uri="{FF2B5EF4-FFF2-40B4-BE49-F238E27FC236}">
+                <a16:creationId xmlns:a16="http://schemas.microsoft.com/office/drawing/2014/main" id="{B17C1F15-186E-44E0-9DCB-5049DD8EBA2C}"/>
+              </a:ext>
+            </a:extLst>
+          </p:cNvPr>
+          <p:cNvPicPr>
+            <a:picLocks noChangeAspect="1"/>
+          </p:cNvPicPr>
+          <p:nvPr/>
+        </p:nvPicPr>
+        <p:blipFill>
+          <a:blip r:embed="rId4">
+            <a:extLst>
+              <a:ext uri="{28A0092B-C50C-407E-A947-70E740481C1C}">
+                <a14:useLocalDpi xmlns:a14="http://schemas.microsoft.com/office/drawing/2010/main" val="0"/>
+              </a:ext>
+            </a:extLst>
+          </a:blip>
+          <a:stretch>
+            <a:fillRect/>
+          </a:stretch>
+        </p:blipFill>
+        <p:spPr>
+          <a:xfrm>
+            <a:off x="286867" y="5777954"/>
+            <a:ext cx="8067839" cy="3940556"/>
+          </a:xfrm>
+          <a:prstGeom prst="rect">
+            <a:avLst/>
+          </a:prstGeom>
+        </p:spPr>
+      </p:pic>
+      <p:pic>
+        <p:nvPicPr>
+          <p:cNvPr id="15" name="図 14" descr="ダイアグラム が含まれている画像&#10;&#10;自動的に生成された説明">
+            <a:extLst>
+              <a:ext uri="{FF2B5EF4-FFF2-40B4-BE49-F238E27FC236}">
+                <a16:creationId xmlns:a16="http://schemas.microsoft.com/office/drawing/2014/main" id="{A23EB6D0-401F-4FBC-8F44-F9FAF4A3D564}"/>
+              </a:ext>
+            </a:extLst>
+          </p:cNvPr>
+          <p:cNvPicPr>
+            <a:picLocks noChangeAspect="1"/>
+          </p:cNvPicPr>
+          <p:nvPr/>
+        </p:nvPicPr>
+        <p:blipFill>
+          <a:blip r:embed="rId5">
+            <a:extLst>
+              <a:ext uri="{28A0092B-C50C-407E-A947-70E740481C1C}">
+                <a14:useLocalDpi xmlns:a14="http://schemas.microsoft.com/office/drawing/2010/main" val="0"/>
+              </a:ext>
+            </a:extLst>
+          </a:blip>
+          <a:stretch>
+            <a:fillRect/>
+          </a:stretch>
+        </p:blipFill>
+        <p:spPr>
+          <a:xfrm>
+            <a:off x="53259" y="194386"/>
+            <a:ext cx="5617252" cy="4685242"/>
+          </a:xfrm>
+          <a:prstGeom prst="rect">
+            <a:avLst/>
+          </a:prstGeom>
+        </p:spPr>
+      </p:pic>
+      <p:pic>
+        <p:nvPicPr>
+          <p:cNvPr id="17" name="図 16">
+            <a:extLst>
+              <a:ext uri="{FF2B5EF4-FFF2-40B4-BE49-F238E27FC236}">
+                <a16:creationId xmlns:a16="http://schemas.microsoft.com/office/drawing/2014/main" id="{802C9B59-9859-4296-983C-704EADD9DF56}"/>
+              </a:ext>
+            </a:extLst>
+          </p:cNvPr>
+          <p:cNvPicPr>
+            <a:picLocks noChangeAspect="1"/>
+          </p:cNvPicPr>
+          <p:nvPr/>
+        </p:nvPicPr>
+        <p:blipFill>
+          <a:blip r:embed="rId6">
+            <a:extLst>
+              <a:ext uri="{28A0092B-C50C-407E-A947-70E740481C1C}">
+                <a14:useLocalDpi xmlns:a14="http://schemas.microsoft.com/office/drawing/2010/main" val="0"/>
+              </a:ext>
+            </a:extLst>
+          </a:blip>
+          <a:stretch>
+            <a:fillRect/>
+          </a:stretch>
+        </p:blipFill>
+        <p:spPr>
+          <a:xfrm>
+            <a:off x="430883" y="9878723"/>
+            <a:ext cx="14472443" cy="758105"/>
+          </a:xfrm>
+          <a:prstGeom prst="rect">
+            <a:avLst/>
+          </a:prstGeom>
+        </p:spPr>
+      </p:pic>
     </p:spTree>
     <p:extLst>
       <p:ext uri="{BB962C8B-B14F-4D97-AF65-F5344CB8AC3E}">
@@ -11401,267 +8310,6 @@
 </file>
 
 <file path=ppt/theme/theme4.xml><?xml version="1.0" encoding="utf-8"?>
-<a:theme xmlns:a="http://schemas.openxmlformats.org/drawingml/2006/main" name="1_デザインの設定">
-  <a:themeElements>
-    <a:clrScheme name="Office テーマ">
-      <a:dk1>
-        <a:sysClr val="windowText" lastClr="000000"/>
-      </a:dk1>
-      <a:lt1>
-        <a:sysClr val="window" lastClr="FFFFFF"/>
-      </a:lt1>
-      <a:dk2>
-        <a:srgbClr val="44546A"/>
-      </a:dk2>
-      <a:lt2>
-        <a:srgbClr val="E7E6E6"/>
-      </a:lt2>
-      <a:accent1>
-        <a:srgbClr val="4472C4"/>
-      </a:accent1>
-      <a:accent2>
-        <a:srgbClr val="ED7D31"/>
-      </a:accent2>
-      <a:accent3>
-        <a:srgbClr val="A5A5A5"/>
-      </a:accent3>
-      <a:accent4>
-        <a:srgbClr val="FFC000"/>
-      </a:accent4>
-      <a:accent5>
-        <a:srgbClr val="5B9BD5"/>
-      </a:accent5>
-      <a:accent6>
-        <a:srgbClr val="70AD47"/>
-      </a:accent6>
-      <a:hlink>
-        <a:srgbClr val="0563C1"/>
-      </a:hlink>
-      <a:folHlink>
-        <a:srgbClr val="954F72"/>
-      </a:folHlink>
-    </a:clrScheme>
-    <a:fontScheme name="Office テーマ">
-      <a:majorFont>
-        <a:latin typeface="Calibri Light" panose="020F0302020204030204"/>
-        <a:ea typeface=""/>
-        <a:cs typeface=""/>
-        <a:font script="Jpan" typeface="游ゴシック Light"/>
-        <a:font script="Hang" typeface="맑은 고딕"/>
-        <a:font script="Hans" typeface="等线 Light"/>
-        <a:font script="Hant" typeface="新細明體"/>
-        <a:font script="Arab" typeface="Times New Roman"/>
-        <a:font script="Hebr" typeface="Times New Roman"/>
-        <a:font script="Thai" typeface="Angsana New"/>
-        <a:font script="Ethi" typeface="Nyala"/>
-        <a:font script="Beng" typeface="Vrinda"/>
-        <a:font script="Gujr" typeface="Shruti"/>
-        <a:font script="Khmr" typeface="MoolBoran"/>
-        <a:font script="Knda" typeface="Tunga"/>
-        <a:font script="Guru" typeface="Raavi"/>
-        <a:font script="Cans" typeface="Euphemia"/>
-        <a:font script="Cher" typeface="Plantagenet Cherokee"/>
-        <a:font script="Yiii" typeface="Microsoft Yi Baiti"/>
-        <a:font script="Tibt" typeface="Microsoft Himalaya"/>
-        <a:font script="Thaa" typeface="MV Boli"/>
-        <a:font script="Deva" typeface="Mangal"/>
-        <a:font script="Telu" typeface="Gautami"/>
-        <a:font script="Taml" typeface="Latha"/>
-        <a:font script="Syrc" typeface="Estrangelo Edessa"/>
-        <a:font script="Orya" typeface="Kalinga"/>
-        <a:font script="Mlym" typeface="Kartika"/>
-        <a:font script="Laoo" typeface="DokChampa"/>
-        <a:font script="Sinh" typeface="Iskoola Pota"/>
-        <a:font script="Mong" typeface="Mongolian Baiti"/>
-        <a:font script="Viet" typeface="Times New Roman"/>
-        <a:font script="Uigh" typeface="Microsoft Uighur"/>
-        <a:font script="Geor" typeface="Sylfaen"/>
-      </a:majorFont>
-      <a:minorFont>
-        <a:latin typeface="Calibri" panose="020F0502020204030204"/>
-        <a:ea typeface=""/>
-        <a:cs typeface=""/>
-        <a:font script="Jpan" typeface="游ゴシック"/>
-        <a:font script="Hang" typeface="맑은 고딕"/>
-        <a:font script="Hans" typeface="等线"/>
-        <a:font script="Hant" typeface="新細明體"/>
-        <a:font script="Arab" typeface="Arial"/>
-        <a:font script="Hebr" typeface="Arial"/>
-        <a:font script="Thai" typeface="Cordia New"/>
-        <a:font script="Ethi" typeface="Nyala"/>
-        <a:font script="Beng" typeface="Vrinda"/>
-        <a:font script="Gujr" typeface="Shruti"/>
-        <a:font script="Khmr" typeface="DaunPenh"/>
-        <a:font script="Knda" typeface="Tunga"/>
-        <a:font script="Guru" typeface="Raavi"/>
-        <a:font script="Cans" typeface="Euphemia"/>
-        <a:font script="Cher" typeface="Plantagenet Cherokee"/>
-        <a:font script="Yiii" typeface="Microsoft Yi Baiti"/>
-        <a:font script="Tibt" typeface="Microsoft Himalaya"/>
-        <a:font script="Thaa" typeface="MV Boli"/>
-        <a:font script="Deva" typeface="Mangal"/>
-        <a:font script="Telu" typeface="Gautami"/>
-        <a:font script="Taml" typeface="Latha"/>
-        <a:font script="Syrc" typeface="Estrangelo Edessa"/>
-        <a:font script="Orya" typeface="Kalinga"/>
-        <a:font script="Mlym" typeface="Kartika"/>
-        <a:font script="Laoo" typeface="DokChampa"/>
-        <a:font script="Sinh" typeface="Iskoola Pota"/>
-        <a:font script="Mong" typeface="Mongolian Baiti"/>
-        <a:font script="Viet" typeface="Arial"/>
-        <a:font script="Uigh" typeface="Microsoft Uighur"/>
-        <a:font script="Geor" typeface="Sylfaen"/>
-      </a:minorFont>
-    </a:fontScheme>
-    <a:fmtScheme name="Office テーマ">
-      <a:fillStyleLst>
-        <a:solidFill>
-          <a:schemeClr val="phClr"/>
-        </a:solidFill>
-        <a:gradFill rotWithShape="1">
-          <a:gsLst>
-            <a:gs pos="0">
-              <a:schemeClr val="phClr">
-                <a:lumMod val="110000"/>
-                <a:satMod val="105000"/>
-                <a:tint val="67000"/>
-              </a:schemeClr>
-            </a:gs>
-            <a:gs pos="50000">
-              <a:schemeClr val="phClr">
-                <a:lumMod val="105000"/>
-                <a:satMod val="103000"/>
-                <a:tint val="73000"/>
-              </a:schemeClr>
-            </a:gs>
-            <a:gs pos="100000">
-              <a:schemeClr val="phClr">
-                <a:lumMod val="105000"/>
-                <a:satMod val="109000"/>
-                <a:tint val="81000"/>
-              </a:schemeClr>
-            </a:gs>
-          </a:gsLst>
-          <a:lin ang="5400000" scaled="0"/>
-        </a:gradFill>
-        <a:gradFill rotWithShape="1">
-          <a:gsLst>
-            <a:gs pos="0">
-              <a:schemeClr val="phClr">
-                <a:satMod val="103000"/>
-                <a:lumMod val="102000"/>
-                <a:tint val="94000"/>
-              </a:schemeClr>
-            </a:gs>
-            <a:gs pos="50000">
-              <a:schemeClr val="phClr">
-                <a:satMod val="110000"/>
-                <a:lumMod val="100000"/>
-                <a:shade val="100000"/>
-              </a:schemeClr>
-            </a:gs>
-            <a:gs pos="100000">
-              <a:schemeClr val="phClr">
-                <a:lumMod val="99000"/>
-                <a:satMod val="120000"/>
-                <a:shade val="78000"/>
-              </a:schemeClr>
-            </a:gs>
-          </a:gsLst>
-          <a:lin ang="5400000" scaled="0"/>
-        </a:gradFill>
-      </a:fillStyleLst>
-      <a:lnStyleLst>
-        <a:ln w="6350" cap="flat" cmpd="sng" algn="ctr">
-          <a:solidFill>
-            <a:schemeClr val="phClr"/>
-          </a:solidFill>
-          <a:prstDash val="solid"/>
-          <a:miter lim="800000"/>
-        </a:ln>
-        <a:ln w="12700" cap="flat" cmpd="sng" algn="ctr">
-          <a:solidFill>
-            <a:schemeClr val="phClr"/>
-          </a:solidFill>
-          <a:prstDash val="solid"/>
-          <a:miter lim="800000"/>
-        </a:ln>
-        <a:ln w="19050" cap="flat" cmpd="sng" algn="ctr">
-          <a:solidFill>
-            <a:schemeClr val="phClr"/>
-          </a:solidFill>
-          <a:prstDash val="solid"/>
-          <a:miter lim="800000"/>
-        </a:ln>
-      </a:lnStyleLst>
-      <a:effectStyleLst>
-        <a:effectStyle>
-          <a:effectLst/>
-        </a:effectStyle>
-        <a:effectStyle>
-          <a:effectLst/>
-        </a:effectStyle>
-        <a:effectStyle>
-          <a:effectLst>
-            <a:outerShdw blurRad="57150" dist="19050" dir="5400000" algn="ctr" rotWithShape="0">
-              <a:srgbClr val="000000">
-                <a:alpha val="63000"/>
-              </a:srgbClr>
-            </a:outerShdw>
-          </a:effectLst>
-        </a:effectStyle>
-      </a:effectStyleLst>
-      <a:bgFillStyleLst>
-        <a:solidFill>
-          <a:schemeClr val="phClr"/>
-        </a:solidFill>
-        <a:solidFill>
-          <a:schemeClr val="phClr">
-            <a:tint val="95000"/>
-            <a:satMod val="170000"/>
-          </a:schemeClr>
-        </a:solidFill>
-        <a:gradFill rotWithShape="1">
-          <a:gsLst>
-            <a:gs pos="0">
-              <a:schemeClr val="phClr">
-                <a:tint val="93000"/>
-                <a:satMod val="150000"/>
-                <a:shade val="98000"/>
-                <a:lumMod val="102000"/>
-              </a:schemeClr>
-            </a:gs>
-            <a:gs pos="50000">
-              <a:schemeClr val="phClr">
-                <a:tint val="98000"/>
-                <a:satMod val="130000"/>
-                <a:shade val="90000"/>
-                <a:lumMod val="103000"/>
-              </a:schemeClr>
-            </a:gs>
-            <a:gs pos="100000">
-              <a:schemeClr val="phClr">
-                <a:shade val="63000"/>
-                <a:satMod val="120000"/>
-              </a:schemeClr>
-            </a:gs>
-          </a:gsLst>
-          <a:lin ang="5400000" scaled="0"/>
-        </a:gradFill>
-      </a:bgFillStyleLst>
-    </a:fmtScheme>
-  </a:themeElements>
-  <a:objectDefaults/>
-  <a:extraClrSchemeLst/>
-  <a:extLst>
-    <a:ext uri="{05A4C25C-085E-4340-85A3-A5531E510DB2}">
-      <thm15:themeFamily xmlns:thm15="http://schemas.microsoft.com/office/thememl/2012/main" name="Office Theme" id="{62F939B6-93AF-4DB8-9C6B-D6C7DFDC589F}" vid="{4A3C46E8-61CC-4603-A589-7422A47A8E4A}"/>
-    </a:ext>
-  </a:extLst>
-</a:theme>
-</file>
-
-<file path=ppt/theme/theme5.xml><?xml version="1.0" encoding="utf-8"?>
 <a:theme xmlns:a="http://schemas.openxmlformats.org/drawingml/2006/main" name="Office テーマ">
   <a:themeElements>
     <a:clrScheme name="">
@@ -11944,7 +8592,7 @@
 </a:theme>
 </file>
 
-<file path=ppt/theme/theme6.xml><?xml version="1.0" encoding="utf-8"?>
+<file path=ppt/theme/theme5.xml><?xml version="1.0" encoding="utf-8"?>
 <a:theme xmlns:a="http://schemas.openxmlformats.org/drawingml/2006/main" name="Office テーマ">
   <a:themeElements>
     <a:clrScheme name="">
